--- a/storage/app/public/img/resist/Resistance.pptx
+++ b/storage/app/public/img/resist/Resistance.pptx
@@ -4,14 +4,27 @@
   <p:sldMasterIdLst>
     <p:sldMasterId id="2147483648" r:id="rId1"/>
   </p:sldMasterIdLst>
+  <p:notesMasterIdLst>
+    <p:notesMasterId r:id="rId19"/>
+  </p:notesMasterIdLst>
   <p:sldIdLst>
-    <p:sldId id="263" r:id="rId2"/>
-    <p:sldId id="256" r:id="rId3"/>
-    <p:sldId id="257" r:id="rId4"/>
-    <p:sldId id="258" r:id="rId5"/>
-    <p:sldId id="259" r:id="rId6"/>
-    <p:sldId id="260" r:id="rId7"/>
+    <p:sldId id="256" r:id="rId2"/>
+    <p:sldId id="257" r:id="rId3"/>
+    <p:sldId id="258" r:id="rId4"/>
+    <p:sldId id="259" r:id="rId5"/>
+    <p:sldId id="260" r:id="rId6"/>
+    <p:sldId id="261" r:id="rId7"/>
     <p:sldId id="262" r:id="rId8"/>
+    <p:sldId id="263" r:id="rId9"/>
+    <p:sldId id="264" r:id="rId10"/>
+    <p:sldId id="265" r:id="rId11"/>
+    <p:sldId id="266" r:id="rId12"/>
+    <p:sldId id="267" r:id="rId13"/>
+    <p:sldId id="268" r:id="rId14"/>
+    <p:sldId id="269" r:id="rId15"/>
+    <p:sldId id="270" r:id="rId16"/>
+    <p:sldId id="271" r:id="rId17"/>
+    <p:sldId id="272" r:id="rId18"/>
   </p:sldIdLst>
   <p:sldSz cx="12192000" cy="6858000"/>
   <p:notesSz cx="6858000" cy="9144000"/>
@@ -113,6 +126,451 @@
 </p:presentation>
 </file>
 
+<file path=ppt/commentAuthors.xml><?xml version="1.0" encoding="utf-8"?>
+<p:cmAuthorLst xmlns:a="http://schemas.openxmlformats.org/drawingml/2006/main" xmlns:r="http://schemas.openxmlformats.org/officeDocument/2006/relationships" xmlns:p="http://schemas.openxmlformats.org/presentationml/2006/main">
+  <p:cmAuthor id="1" name="Michel BOUY" initials="MB" lastIdx="1" clrIdx="0">
+    <p:extLst>
+      <p:ext uri="{19B8F6BF-5375-455C-9EA6-DF929625EA0E}">
+        <p15:presenceInfo xmlns:p15="http://schemas.microsoft.com/office/powerpoint/2012/main" userId="Michel BOUY" providerId="None"/>
+      </p:ext>
+    </p:extLst>
+  </p:cmAuthor>
+</p:cmAuthorLst>
+</file>
+
+<file path=ppt/notesMasters/notesMaster1.xml><?xml version="1.0" encoding="utf-8"?>
+<p:notesMaster xmlns:a="http://schemas.openxmlformats.org/drawingml/2006/main" xmlns:r="http://schemas.openxmlformats.org/officeDocument/2006/relationships" xmlns:p="http://schemas.openxmlformats.org/presentationml/2006/main">
+  <p:cSld>
+    <p:bg>
+      <p:bgRef idx="1001">
+        <a:schemeClr val="bg1"/>
+      </p:bgRef>
+    </p:bg>
+    <p:spTree>
+      <p:nvGrpSpPr>
+        <p:cNvPr id="1" name=""/>
+        <p:cNvGrpSpPr/>
+        <p:nvPr/>
+      </p:nvGrpSpPr>
+      <p:grpSpPr>
+        <a:xfrm>
+          <a:off x="0" y="0"/>
+          <a:ext cx="0" cy="0"/>
+          <a:chOff x="0" y="0"/>
+          <a:chExt cx="0" cy="0"/>
+        </a:xfrm>
+      </p:grpSpPr>
+      <p:sp>
+        <p:nvSpPr>
+          <p:cNvPr id="2" name="Espace réservé de l'en-tête 1"/>
+          <p:cNvSpPr>
+            <a:spLocks noGrp="1"/>
+          </p:cNvSpPr>
+          <p:nvPr>
+            <p:ph type="hdr" sz="quarter"/>
+          </p:nvPr>
+        </p:nvSpPr>
+        <p:spPr>
+          <a:xfrm>
+            <a:off x="0" y="0"/>
+            <a:ext cx="2971800" cy="458788"/>
+          </a:xfrm>
+          <a:prstGeom prst="rect">
+            <a:avLst/>
+          </a:prstGeom>
+        </p:spPr>
+        <p:txBody>
+          <a:bodyPr vert="horz" lIns="91440" tIns="45720" rIns="91440" bIns="45720" rtlCol="0"/>
+          <a:lstStyle>
+            <a:lvl1pPr algn="l">
+              <a:defRPr sz="1200"/>
+            </a:lvl1pPr>
+          </a:lstStyle>
+          <a:p>
+            <a:endParaRPr lang="fr-FR"/>
+          </a:p>
+        </p:txBody>
+      </p:sp>
+      <p:sp>
+        <p:nvSpPr>
+          <p:cNvPr id="3" name="Espace réservé de la date 2"/>
+          <p:cNvSpPr>
+            <a:spLocks noGrp="1"/>
+          </p:cNvSpPr>
+          <p:nvPr>
+            <p:ph type="dt" idx="1"/>
+          </p:nvPr>
+        </p:nvSpPr>
+        <p:spPr>
+          <a:xfrm>
+            <a:off x="3884613" y="0"/>
+            <a:ext cx="2971800" cy="458788"/>
+          </a:xfrm>
+          <a:prstGeom prst="rect">
+            <a:avLst/>
+          </a:prstGeom>
+        </p:spPr>
+        <p:txBody>
+          <a:bodyPr vert="horz" lIns="91440" tIns="45720" rIns="91440" bIns="45720" rtlCol="0"/>
+          <a:lstStyle>
+            <a:lvl1pPr algn="r">
+              <a:defRPr sz="1200"/>
+            </a:lvl1pPr>
+          </a:lstStyle>
+          <a:p>
+            <a:fld id="{E2A46EA2-7802-40F2-B116-B98F42154712}" type="datetimeFigureOut">
+              <a:rPr lang="fr-FR" smtClean="0"/>
+              <a:t>14/03/2020</a:t>
+            </a:fld>
+            <a:endParaRPr lang="fr-FR"/>
+          </a:p>
+        </p:txBody>
+      </p:sp>
+      <p:sp>
+        <p:nvSpPr>
+          <p:cNvPr id="4" name="Espace réservé de l'image des diapositives 3"/>
+          <p:cNvSpPr>
+            <a:spLocks noGrp="1" noRot="1" noChangeAspect="1"/>
+          </p:cNvSpPr>
+          <p:nvPr>
+            <p:ph type="sldImg" idx="2"/>
+          </p:nvPr>
+        </p:nvSpPr>
+        <p:spPr>
+          <a:xfrm>
+            <a:off x="685800" y="1143000"/>
+            <a:ext cx="5486400" cy="3086100"/>
+          </a:xfrm>
+          <a:prstGeom prst="rect">
+            <a:avLst/>
+          </a:prstGeom>
+          <a:noFill/>
+          <a:ln w="12700">
+            <a:solidFill>
+              <a:prstClr val="black"/>
+            </a:solidFill>
+          </a:ln>
+        </p:spPr>
+        <p:txBody>
+          <a:bodyPr vert="horz" lIns="91440" tIns="45720" rIns="91440" bIns="45720" rtlCol="0" anchor="ctr"/>
+          <a:lstStyle/>
+          <a:p>
+            <a:endParaRPr lang="fr-FR"/>
+          </a:p>
+        </p:txBody>
+      </p:sp>
+      <p:sp>
+        <p:nvSpPr>
+          <p:cNvPr id="5" name="Espace réservé des notes 4"/>
+          <p:cNvSpPr>
+            <a:spLocks noGrp="1"/>
+          </p:cNvSpPr>
+          <p:nvPr>
+            <p:ph type="body" sz="quarter" idx="3"/>
+          </p:nvPr>
+        </p:nvSpPr>
+        <p:spPr>
+          <a:xfrm>
+            <a:off x="685800" y="4400550"/>
+            <a:ext cx="5486400" cy="3600450"/>
+          </a:xfrm>
+          <a:prstGeom prst="rect">
+            <a:avLst/>
+          </a:prstGeom>
+        </p:spPr>
+        <p:txBody>
+          <a:bodyPr vert="horz" lIns="91440" tIns="45720" rIns="91440" bIns="45720" rtlCol="0"/>
+          <a:lstStyle/>
+          <a:p>
+            <a:pPr lvl="0"/>
+            <a:r>
+              <a:rPr lang="fr-FR"/>
+              <a:t>Cliquez pour modifier les styles du texte du masque</a:t>
+            </a:r>
+          </a:p>
+          <a:p>
+            <a:pPr lvl="1"/>
+            <a:r>
+              <a:rPr lang="fr-FR"/>
+              <a:t>Deuxième niveau</a:t>
+            </a:r>
+          </a:p>
+          <a:p>
+            <a:pPr lvl="2"/>
+            <a:r>
+              <a:rPr lang="fr-FR"/>
+              <a:t>Troisième niveau</a:t>
+            </a:r>
+          </a:p>
+          <a:p>
+            <a:pPr lvl="3"/>
+            <a:r>
+              <a:rPr lang="fr-FR"/>
+              <a:t>Quatrième niveau</a:t>
+            </a:r>
+          </a:p>
+          <a:p>
+            <a:pPr lvl="4"/>
+            <a:r>
+              <a:rPr lang="fr-FR"/>
+              <a:t>Cinquième niveau</a:t>
+            </a:r>
+          </a:p>
+        </p:txBody>
+      </p:sp>
+      <p:sp>
+        <p:nvSpPr>
+          <p:cNvPr id="6" name="Espace réservé du pied de page 5"/>
+          <p:cNvSpPr>
+            <a:spLocks noGrp="1"/>
+          </p:cNvSpPr>
+          <p:nvPr>
+            <p:ph type="ftr" sz="quarter" idx="4"/>
+          </p:nvPr>
+        </p:nvSpPr>
+        <p:spPr>
+          <a:xfrm>
+            <a:off x="0" y="8685213"/>
+            <a:ext cx="2971800" cy="458787"/>
+          </a:xfrm>
+          <a:prstGeom prst="rect">
+            <a:avLst/>
+          </a:prstGeom>
+        </p:spPr>
+        <p:txBody>
+          <a:bodyPr vert="horz" lIns="91440" tIns="45720" rIns="91440" bIns="45720" rtlCol="0" anchor="b"/>
+          <a:lstStyle>
+            <a:lvl1pPr algn="l">
+              <a:defRPr sz="1200"/>
+            </a:lvl1pPr>
+          </a:lstStyle>
+          <a:p>
+            <a:endParaRPr lang="fr-FR"/>
+          </a:p>
+        </p:txBody>
+      </p:sp>
+      <p:sp>
+        <p:nvSpPr>
+          <p:cNvPr id="7" name="Espace réservé du numéro de diapositive 6"/>
+          <p:cNvSpPr>
+            <a:spLocks noGrp="1"/>
+          </p:cNvSpPr>
+          <p:nvPr>
+            <p:ph type="sldNum" sz="quarter" idx="5"/>
+          </p:nvPr>
+        </p:nvSpPr>
+        <p:spPr>
+          <a:xfrm>
+            <a:off x="3884613" y="8685213"/>
+            <a:ext cx="2971800" cy="458787"/>
+          </a:xfrm>
+          <a:prstGeom prst="rect">
+            <a:avLst/>
+          </a:prstGeom>
+        </p:spPr>
+        <p:txBody>
+          <a:bodyPr vert="horz" lIns="91440" tIns="45720" rIns="91440" bIns="45720" rtlCol="0" anchor="b"/>
+          <a:lstStyle>
+            <a:lvl1pPr algn="r">
+              <a:defRPr sz="1200"/>
+            </a:lvl1pPr>
+          </a:lstStyle>
+          <a:p>
+            <a:fld id="{D8DBCAAA-68E5-4E64-BD6D-5AE5F74DCB9F}" type="slidenum">
+              <a:rPr lang="fr-FR" smtClean="0"/>
+              <a:t>‹N°›</a:t>
+            </a:fld>
+            <a:endParaRPr lang="fr-FR"/>
+          </a:p>
+        </p:txBody>
+      </p:sp>
+    </p:spTree>
+    <p:extLst>
+      <p:ext uri="{BB962C8B-B14F-4D97-AF65-F5344CB8AC3E}">
+        <p14:creationId xmlns:p14="http://schemas.microsoft.com/office/powerpoint/2010/main" val="2301825332"/>
+      </p:ext>
+    </p:extLst>
+  </p:cSld>
+  <p:clrMap bg1="lt1" tx1="dk1" bg2="lt2" tx2="dk2" accent1="accent1" accent2="accent2" accent3="accent3" accent4="accent4" accent5="accent5" accent6="accent6" hlink="hlink" folHlink="folHlink"/>
+  <p:notesStyle>
+    <a:lvl1pPr marL="0" algn="l" defTabSz="914400" rtl="0" eaLnBrk="1" latinLnBrk="0" hangingPunct="1">
+      <a:defRPr sz="1200" kern="1200">
+        <a:solidFill>
+          <a:schemeClr val="tx1"/>
+        </a:solidFill>
+        <a:latin typeface="+mn-lt"/>
+        <a:ea typeface="+mn-ea"/>
+        <a:cs typeface="+mn-cs"/>
+      </a:defRPr>
+    </a:lvl1pPr>
+    <a:lvl2pPr marL="457200" algn="l" defTabSz="914400" rtl="0" eaLnBrk="1" latinLnBrk="0" hangingPunct="1">
+      <a:defRPr sz="1200" kern="1200">
+        <a:solidFill>
+          <a:schemeClr val="tx1"/>
+        </a:solidFill>
+        <a:latin typeface="+mn-lt"/>
+        <a:ea typeface="+mn-ea"/>
+        <a:cs typeface="+mn-cs"/>
+      </a:defRPr>
+    </a:lvl2pPr>
+    <a:lvl3pPr marL="914400" algn="l" defTabSz="914400" rtl="0" eaLnBrk="1" latinLnBrk="0" hangingPunct="1">
+      <a:defRPr sz="1200" kern="1200">
+        <a:solidFill>
+          <a:schemeClr val="tx1"/>
+        </a:solidFill>
+        <a:latin typeface="+mn-lt"/>
+        <a:ea typeface="+mn-ea"/>
+        <a:cs typeface="+mn-cs"/>
+      </a:defRPr>
+    </a:lvl3pPr>
+    <a:lvl4pPr marL="1371600" algn="l" defTabSz="914400" rtl="0" eaLnBrk="1" latinLnBrk="0" hangingPunct="1">
+      <a:defRPr sz="1200" kern="1200">
+        <a:solidFill>
+          <a:schemeClr val="tx1"/>
+        </a:solidFill>
+        <a:latin typeface="+mn-lt"/>
+        <a:ea typeface="+mn-ea"/>
+        <a:cs typeface="+mn-cs"/>
+      </a:defRPr>
+    </a:lvl4pPr>
+    <a:lvl5pPr marL="1828800" algn="l" defTabSz="914400" rtl="0" eaLnBrk="1" latinLnBrk="0" hangingPunct="1">
+      <a:defRPr sz="1200" kern="1200">
+        <a:solidFill>
+          <a:schemeClr val="tx1"/>
+        </a:solidFill>
+        <a:latin typeface="+mn-lt"/>
+        <a:ea typeface="+mn-ea"/>
+        <a:cs typeface="+mn-cs"/>
+      </a:defRPr>
+    </a:lvl5pPr>
+    <a:lvl6pPr marL="2286000" algn="l" defTabSz="914400" rtl="0" eaLnBrk="1" latinLnBrk="0" hangingPunct="1">
+      <a:defRPr sz="1200" kern="1200">
+        <a:solidFill>
+          <a:schemeClr val="tx1"/>
+        </a:solidFill>
+        <a:latin typeface="+mn-lt"/>
+        <a:ea typeface="+mn-ea"/>
+        <a:cs typeface="+mn-cs"/>
+      </a:defRPr>
+    </a:lvl6pPr>
+    <a:lvl7pPr marL="2743200" algn="l" defTabSz="914400" rtl="0" eaLnBrk="1" latinLnBrk="0" hangingPunct="1">
+      <a:defRPr sz="1200" kern="1200">
+        <a:solidFill>
+          <a:schemeClr val="tx1"/>
+        </a:solidFill>
+        <a:latin typeface="+mn-lt"/>
+        <a:ea typeface="+mn-ea"/>
+        <a:cs typeface="+mn-cs"/>
+      </a:defRPr>
+    </a:lvl7pPr>
+    <a:lvl8pPr marL="3200400" algn="l" defTabSz="914400" rtl="0" eaLnBrk="1" latinLnBrk="0" hangingPunct="1">
+      <a:defRPr sz="1200" kern="1200">
+        <a:solidFill>
+          <a:schemeClr val="tx1"/>
+        </a:solidFill>
+        <a:latin typeface="+mn-lt"/>
+        <a:ea typeface="+mn-ea"/>
+        <a:cs typeface="+mn-cs"/>
+      </a:defRPr>
+    </a:lvl8pPr>
+    <a:lvl9pPr marL="3657600" algn="l" defTabSz="914400" rtl="0" eaLnBrk="1" latinLnBrk="0" hangingPunct="1">
+      <a:defRPr sz="1200" kern="1200">
+        <a:solidFill>
+          <a:schemeClr val="tx1"/>
+        </a:solidFill>
+        <a:latin typeface="+mn-lt"/>
+        <a:ea typeface="+mn-ea"/>
+        <a:cs typeface="+mn-cs"/>
+      </a:defRPr>
+    </a:lvl9pPr>
+  </p:notesStyle>
+</p:notesMaster>
+</file>
+
+<file path=ppt/notesSlides/notesSlide1.xml><?xml version="1.0" encoding="utf-8"?>
+<p:notes xmlns:a="http://schemas.openxmlformats.org/drawingml/2006/main" xmlns:r="http://schemas.openxmlformats.org/officeDocument/2006/relationships" xmlns:p="http://schemas.openxmlformats.org/presentationml/2006/main">
+  <p:cSld>
+    <p:spTree>
+      <p:nvGrpSpPr>
+        <p:cNvPr id="1" name=""/>
+        <p:cNvGrpSpPr/>
+        <p:nvPr/>
+      </p:nvGrpSpPr>
+      <p:grpSpPr>
+        <a:xfrm>
+          <a:off x="0" y="0"/>
+          <a:ext cx="0" cy="0"/>
+          <a:chOff x="0" y="0"/>
+          <a:chExt cx="0" cy="0"/>
+        </a:xfrm>
+      </p:grpSpPr>
+      <p:sp>
+        <p:nvSpPr>
+          <p:cNvPr id="2" name="Espace réservé de l'image des diapositives 1"/>
+          <p:cNvSpPr>
+            <a:spLocks noGrp="1" noRot="1" noChangeAspect="1"/>
+          </p:cNvSpPr>
+          <p:nvPr>
+            <p:ph type="sldImg"/>
+          </p:nvPr>
+        </p:nvSpPr>
+        <p:spPr/>
+      </p:sp>
+      <p:sp>
+        <p:nvSpPr>
+          <p:cNvPr id="3" name="Espace réservé des notes 2"/>
+          <p:cNvSpPr>
+            <a:spLocks noGrp="1"/>
+          </p:cNvSpPr>
+          <p:nvPr>
+            <p:ph type="body" idx="1"/>
+          </p:nvPr>
+        </p:nvSpPr>
+        <p:spPr/>
+        <p:txBody>
+          <a:bodyPr/>
+          <a:lstStyle/>
+          <a:p>
+            <a:endParaRPr lang="fr-FR" dirty="0"/>
+          </a:p>
+        </p:txBody>
+      </p:sp>
+      <p:sp>
+        <p:nvSpPr>
+          <p:cNvPr id="4" name="Espace réservé du numéro de diapositive 3"/>
+          <p:cNvSpPr>
+            <a:spLocks noGrp="1"/>
+          </p:cNvSpPr>
+          <p:nvPr>
+            <p:ph type="sldNum" sz="quarter" idx="5"/>
+          </p:nvPr>
+        </p:nvSpPr>
+        <p:spPr/>
+        <p:txBody>
+          <a:bodyPr/>
+          <a:lstStyle/>
+          <a:p>
+            <a:fld id="{D8DBCAAA-68E5-4E64-BD6D-5AE5F74DCB9F}" type="slidenum">
+              <a:rPr lang="fr-FR" smtClean="0"/>
+              <a:t>11</a:t>
+            </a:fld>
+            <a:endParaRPr lang="fr-FR"/>
+          </a:p>
+        </p:txBody>
+      </p:sp>
+    </p:spTree>
+    <p:extLst>
+      <p:ext uri="{BB962C8B-B14F-4D97-AF65-F5344CB8AC3E}">
+        <p14:creationId xmlns:p14="http://schemas.microsoft.com/office/powerpoint/2010/main" val="311323087"/>
+      </p:ext>
+    </p:extLst>
+  </p:cSld>
+  <p:clrMapOvr>
+    <a:masterClrMapping/>
+  </p:clrMapOvr>
+</p:notes>
+</file>
+
 <file path=ppt/slideLayouts/slideLayout1.xml><?xml version="1.0" encoding="utf-8"?>
 <p:sldLayout xmlns:a="http://schemas.openxmlformats.org/drawingml/2006/main" xmlns:r="http://schemas.openxmlformats.org/officeDocument/2006/relationships" xmlns:p="http://schemas.openxmlformats.org/presentationml/2006/main" type="title" preserve="1">
   <p:cSld name="Diapositive de titre">
@@ -135,7 +593,7 @@
           <p:cNvPr id="2" name="Titre 1">
             <a:extLst>
               <a:ext uri="{FF2B5EF4-FFF2-40B4-BE49-F238E27FC236}">
-                <a16:creationId xmlns:a16="http://schemas.microsoft.com/office/drawing/2014/main" id="{64FA79C5-FD3A-41E6-BD34-BA997DFB0FE6}"/>
+                <a16:creationId xmlns:a16="http://schemas.microsoft.com/office/drawing/2014/main" id="{0F8F70AA-83AC-4006-83FB-A0702F4BB213}"/>
               </a:ext>
             </a:extLst>
           </p:cNvPr>
@@ -172,7 +630,7 @@
           <p:cNvPr id="3" name="Sous-titre 2">
             <a:extLst>
               <a:ext uri="{FF2B5EF4-FFF2-40B4-BE49-F238E27FC236}">
-                <a16:creationId xmlns:a16="http://schemas.microsoft.com/office/drawing/2014/main" id="{715295A4-9242-4315-8FEF-73F8D429ADBB}"/>
+                <a16:creationId xmlns:a16="http://schemas.microsoft.com/office/drawing/2014/main" id="{E0E308C5-3B6A-4597-9CBC-5237AB0DDE4B}"/>
               </a:ext>
             </a:extLst>
           </p:cNvPr>
@@ -242,7 +700,7 @@
           <p:cNvPr id="4" name="Espace réservé de la date 3">
             <a:extLst>
               <a:ext uri="{FF2B5EF4-FFF2-40B4-BE49-F238E27FC236}">
-                <a16:creationId xmlns:a16="http://schemas.microsoft.com/office/drawing/2014/main" id="{52FCFD65-3F70-4290-BD62-F49C2D4B09C6}"/>
+                <a16:creationId xmlns:a16="http://schemas.microsoft.com/office/drawing/2014/main" id="{6B4140A8-3559-479D-AC29-B783114500D8}"/>
               </a:ext>
             </a:extLst>
           </p:cNvPr>
@@ -258,9 +716,9 @@
           <a:bodyPr/>
           <a:lstStyle/>
           <a:p>
-            <a:fld id="{A8FB4421-6FC0-4B78-BD25-B92535ACDC43}" type="datetimeFigureOut">
+            <a:fld id="{E066B334-6CB1-4B7C-BF35-28AF1C17BF48}" type="datetimeFigureOut">
               <a:rPr lang="fr-FR" smtClean="0"/>
-              <a:t>13/03/2020</a:t>
+              <a:t>14/03/2020</a:t>
             </a:fld>
             <a:endParaRPr lang="fr-FR"/>
           </a:p>
@@ -271,7 +729,7 @@
           <p:cNvPr id="5" name="Espace réservé du pied de page 4">
             <a:extLst>
               <a:ext uri="{FF2B5EF4-FFF2-40B4-BE49-F238E27FC236}">
-                <a16:creationId xmlns:a16="http://schemas.microsoft.com/office/drawing/2014/main" id="{4CD64B89-81C3-4088-87AC-013907D0BBEA}"/>
+                <a16:creationId xmlns:a16="http://schemas.microsoft.com/office/drawing/2014/main" id="{B8FD0042-E920-4EF1-A60E-8D99B1625C79}"/>
               </a:ext>
             </a:extLst>
           </p:cNvPr>
@@ -296,7 +754,7 @@
           <p:cNvPr id="6" name="Espace réservé du numéro de diapositive 5">
             <a:extLst>
               <a:ext uri="{FF2B5EF4-FFF2-40B4-BE49-F238E27FC236}">
-                <a16:creationId xmlns:a16="http://schemas.microsoft.com/office/drawing/2014/main" id="{1C8E562D-377E-4705-B4F1-E43F7562EA34}"/>
+                <a16:creationId xmlns:a16="http://schemas.microsoft.com/office/drawing/2014/main" id="{D2EC1AED-9B9E-4686-85A0-D93F494AF1CF}"/>
               </a:ext>
             </a:extLst>
           </p:cNvPr>
@@ -312,7 +770,7 @@
           <a:bodyPr/>
           <a:lstStyle/>
           <a:p>
-            <a:fld id="{1D7075A8-0D03-40E6-B871-AF0DD7657E9C}" type="slidenum">
+            <a:fld id="{1DE55B84-960F-4939-BB09-022A83515252}" type="slidenum">
               <a:rPr lang="fr-FR" smtClean="0"/>
               <a:t>‹N°›</a:t>
             </a:fld>
@@ -323,13 +781,25 @@
     </p:spTree>
     <p:extLst>
       <p:ext uri="{BB962C8B-B14F-4D97-AF65-F5344CB8AC3E}">
-        <p14:creationId xmlns:p14="http://schemas.microsoft.com/office/powerpoint/2010/main" val="1561812467"/>
+        <p14:creationId xmlns:p14="http://schemas.microsoft.com/office/powerpoint/2010/main" val="61456492"/>
       </p:ext>
     </p:extLst>
   </p:cSld>
   <p:clrMapOvr>
     <a:masterClrMapping/>
   </p:clrMapOvr>
+  <mc:AlternateContent xmlns:mc="http://schemas.openxmlformats.org/markup-compatibility/2006">
+    <mc:Choice xmlns:p14="http://schemas.microsoft.com/office/powerpoint/2010/main" Requires="p14">
+      <p:transition spd="med" p14:dur="700" advTm="3000">
+        <p:fade/>
+      </p:transition>
+    </mc:Choice>
+    <mc:Fallback>
+      <p:transition spd="med" advTm="3000">
+        <p:fade/>
+      </p:transition>
+    </mc:Fallback>
+  </mc:AlternateContent>
 </p:sldLayout>
 </file>
 
@@ -355,7 +825,7 @@
           <p:cNvPr id="2" name="Titre 1">
             <a:extLst>
               <a:ext uri="{FF2B5EF4-FFF2-40B4-BE49-F238E27FC236}">
-                <a16:creationId xmlns:a16="http://schemas.microsoft.com/office/drawing/2014/main" id="{412C11A0-7D5A-47EB-AAF1-C31CB433B8DC}"/>
+                <a16:creationId xmlns:a16="http://schemas.microsoft.com/office/drawing/2014/main" id="{668847AE-B7B5-4FF8-8277-A6DB338E5C59}"/>
               </a:ext>
             </a:extLst>
           </p:cNvPr>
@@ -383,7 +853,7 @@
           <p:cNvPr id="3" name="Espace réservé du texte vertical 2">
             <a:extLst>
               <a:ext uri="{FF2B5EF4-FFF2-40B4-BE49-F238E27FC236}">
-                <a16:creationId xmlns:a16="http://schemas.microsoft.com/office/drawing/2014/main" id="{4FFC5643-9D56-418A-8F94-B4C60A2408BF}"/>
+                <a16:creationId xmlns:a16="http://schemas.microsoft.com/office/drawing/2014/main" id="{88D95CFA-CC10-45E0-BC05-9B6A47CE906C}"/>
               </a:ext>
             </a:extLst>
           </p:cNvPr>
@@ -440,7 +910,7 @@
           <p:cNvPr id="4" name="Espace réservé de la date 3">
             <a:extLst>
               <a:ext uri="{FF2B5EF4-FFF2-40B4-BE49-F238E27FC236}">
-                <a16:creationId xmlns:a16="http://schemas.microsoft.com/office/drawing/2014/main" id="{7643BE50-A275-4173-BA6C-DA30FD9820B6}"/>
+                <a16:creationId xmlns:a16="http://schemas.microsoft.com/office/drawing/2014/main" id="{9429235C-53F9-4086-94E1-2C495E4A959E}"/>
               </a:ext>
             </a:extLst>
           </p:cNvPr>
@@ -456,9 +926,9 @@
           <a:bodyPr/>
           <a:lstStyle/>
           <a:p>
-            <a:fld id="{A8FB4421-6FC0-4B78-BD25-B92535ACDC43}" type="datetimeFigureOut">
+            <a:fld id="{E066B334-6CB1-4B7C-BF35-28AF1C17BF48}" type="datetimeFigureOut">
               <a:rPr lang="fr-FR" smtClean="0"/>
-              <a:t>13/03/2020</a:t>
+              <a:t>14/03/2020</a:t>
             </a:fld>
             <a:endParaRPr lang="fr-FR"/>
           </a:p>
@@ -469,7 +939,7 @@
           <p:cNvPr id="5" name="Espace réservé du pied de page 4">
             <a:extLst>
               <a:ext uri="{FF2B5EF4-FFF2-40B4-BE49-F238E27FC236}">
-                <a16:creationId xmlns:a16="http://schemas.microsoft.com/office/drawing/2014/main" id="{98A795F7-1DE5-401E-930B-8B3789BA9F5B}"/>
+                <a16:creationId xmlns:a16="http://schemas.microsoft.com/office/drawing/2014/main" id="{9206AE1A-724B-49F7-BEB4-6CACB2D9E47B}"/>
               </a:ext>
             </a:extLst>
           </p:cNvPr>
@@ -494,7 +964,7 @@
           <p:cNvPr id="6" name="Espace réservé du numéro de diapositive 5">
             <a:extLst>
               <a:ext uri="{FF2B5EF4-FFF2-40B4-BE49-F238E27FC236}">
-                <a16:creationId xmlns:a16="http://schemas.microsoft.com/office/drawing/2014/main" id="{82C32418-D337-4DAD-BAB8-46CFB80F4CD8}"/>
+                <a16:creationId xmlns:a16="http://schemas.microsoft.com/office/drawing/2014/main" id="{4CB9815A-2745-409B-A2AE-346E87B148F2}"/>
               </a:ext>
             </a:extLst>
           </p:cNvPr>
@@ -510,7 +980,7 @@
           <a:bodyPr/>
           <a:lstStyle/>
           <a:p>
-            <a:fld id="{1D7075A8-0D03-40E6-B871-AF0DD7657E9C}" type="slidenum">
+            <a:fld id="{1DE55B84-960F-4939-BB09-022A83515252}" type="slidenum">
               <a:rPr lang="fr-FR" smtClean="0"/>
               <a:t>‹N°›</a:t>
             </a:fld>
@@ -521,13 +991,25 @@
     </p:spTree>
     <p:extLst>
       <p:ext uri="{BB962C8B-B14F-4D97-AF65-F5344CB8AC3E}">
-        <p14:creationId xmlns:p14="http://schemas.microsoft.com/office/powerpoint/2010/main" val="2673496697"/>
+        <p14:creationId xmlns:p14="http://schemas.microsoft.com/office/powerpoint/2010/main" val="939035641"/>
       </p:ext>
     </p:extLst>
   </p:cSld>
   <p:clrMapOvr>
     <a:masterClrMapping/>
   </p:clrMapOvr>
+  <mc:AlternateContent xmlns:mc="http://schemas.openxmlformats.org/markup-compatibility/2006">
+    <mc:Choice xmlns:p14="http://schemas.microsoft.com/office/powerpoint/2010/main" Requires="p14">
+      <p:transition spd="med" p14:dur="700" advTm="3000">
+        <p:fade/>
+      </p:transition>
+    </mc:Choice>
+    <mc:Fallback>
+      <p:transition spd="med" advTm="3000">
+        <p:fade/>
+      </p:transition>
+    </mc:Fallback>
+  </mc:AlternateContent>
 </p:sldLayout>
 </file>
 
@@ -553,7 +1035,7 @@
           <p:cNvPr id="2" name="Titre vertical 1">
             <a:extLst>
               <a:ext uri="{FF2B5EF4-FFF2-40B4-BE49-F238E27FC236}">
-                <a16:creationId xmlns:a16="http://schemas.microsoft.com/office/drawing/2014/main" id="{FAEAACCB-04EA-4E25-B5D9-0B30BAFCCDD3}"/>
+                <a16:creationId xmlns:a16="http://schemas.microsoft.com/office/drawing/2014/main" id="{DF8B3BA0-9601-4725-87D6-A7A0E3DB3385}"/>
               </a:ext>
             </a:extLst>
           </p:cNvPr>
@@ -586,7 +1068,7 @@
           <p:cNvPr id="3" name="Espace réservé du texte vertical 2">
             <a:extLst>
               <a:ext uri="{FF2B5EF4-FFF2-40B4-BE49-F238E27FC236}">
-                <a16:creationId xmlns:a16="http://schemas.microsoft.com/office/drawing/2014/main" id="{26963C13-6ADC-4216-8BE1-993FBC9F7C94}"/>
+                <a16:creationId xmlns:a16="http://schemas.microsoft.com/office/drawing/2014/main" id="{721F4191-2F19-4940-981D-23CBDA89FA9A}"/>
               </a:ext>
             </a:extLst>
           </p:cNvPr>
@@ -648,7 +1130,7 @@
           <p:cNvPr id="4" name="Espace réservé de la date 3">
             <a:extLst>
               <a:ext uri="{FF2B5EF4-FFF2-40B4-BE49-F238E27FC236}">
-                <a16:creationId xmlns:a16="http://schemas.microsoft.com/office/drawing/2014/main" id="{6EDFF02D-7E29-4B14-A75A-D1E6F259F849}"/>
+                <a16:creationId xmlns:a16="http://schemas.microsoft.com/office/drawing/2014/main" id="{65559E5B-BCB9-42A5-8D35-23BAB442B0B3}"/>
               </a:ext>
             </a:extLst>
           </p:cNvPr>
@@ -664,9 +1146,9 @@
           <a:bodyPr/>
           <a:lstStyle/>
           <a:p>
-            <a:fld id="{A8FB4421-6FC0-4B78-BD25-B92535ACDC43}" type="datetimeFigureOut">
+            <a:fld id="{E066B334-6CB1-4B7C-BF35-28AF1C17BF48}" type="datetimeFigureOut">
               <a:rPr lang="fr-FR" smtClean="0"/>
-              <a:t>13/03/2020</a:t>
+              <a:t>14/03/2020</a:t>
             </a:fld>
             <a:endParaRPr lang="fr-FR"/>
           </a:p>
@@ -677,7 +1159,7 @@
           <p:cNvPr id="5" name="Espace réservé du pied de page 4">
             <a:extLst>
               <a:ext uri="{FF2B5EF4-FFF2-40B4-BE49-F238E27FC236}">
-                <a16:creationId xmlns:a16="http://schemas.microsoft.com/office/drawing/2014/main" id="{99205298-35BC-48EC-80F3-02AFDFA01A1F}"/>
+                <a16:creationId xmlns:a16="http://schemas.microsoft.com/office/drawing/2014/main" id="{48375C6C-5FF0-4A43-A9C8-888571B7CB0E}"/>
               </a:ext>
             </a:extLst>
           </p:cNvPr>
@@ -702,7 +1184,7 @@
           <p:cNvPr id="6" name="Espace réservé du numéro de diapositive 5">
             <a:extLst>
               <a:ext uri="{FF2B5EF4-FFF2-40B4-BE49-F238E27FC236}">
-                <a16:creationId xmlns:a16="http://schemas.microsoft.com/office/drawing/2014/main" id="{F0387D31-54E7-4EE8-B2CC-3EB698D4E641}"/>
+                <a16:creationId xmlns:a16="http://schemas.microsoft.com/office/drawing/2014/main" id="{102FFE12-CB14-432D-B4E6-572456A37157}"/>
               </a:ext>
             </a:extLst>
           </p:cNvPr>
@@ -718,7 +1200,7 @@
           <a:bodyPr/>
           <a:lstStyle/>
           <a:p>
-            <a:fld id="{1D7075A8-0D03-40E6-B871-AF0DD7657E9C}" type="slidenum">
+            <a:fld id="{1DE55B84-960F-4939-BB09-022A83515252}" type="slidenum">
               <a:rPr lang="fr-FR" smtClean="0"/>
               <a:t>‹N°›</a:t>
             </a:fld>
@@ -729,13 +1211,25 @@
     </p:spTree>
     <p:extLst>
       <p:ext uri="{BB962C8B-B14F-4D97-AF65-F5344CB8AC3E}">
-        <p14:creationId xmlns:p14="http://schemas.microsoft.com/office/powerpoint/2010/main" val="615857670"/>
+        <p14:creationId xmlns:p14="http://schemas.microsoft.com/office/powerpoint/2010/main" val="3414284918"/>
       </p:ext>
     </p:extLst>
   </p:cSld>
   <p:clrMapOvr>
     <a:masterClrMapping/>
   </p:clrMapOvr>
+  <mc:AlternateContent xmlns:mc="http://schemas.openxmlformats.org/markup-compatibility/2006">
+    <mc:Choice xmlns:p14="http://schemas.microsoft.com/office/powerpoint/2010/main" Requires="p14">
+      <p:transition spd="med" p14:dur="700" advTm="3000">
+        <p:fade/>
+      </p:transition>
+    </mc:Choice>
+    <mc:Fallback>
+      <p:transition spd="med" advTm="3000">
+        <p:fade/>
+      </p:transition>
+    </mc:Fallback>
+  </mc:AlternateContent>
 </p:sldLayout>
 </file>
 
@@ -761,7 +1255,7 @@
           <p:cNvPr id="2" name="Titre 1">
             <a:extLst>
               <a:ext uri="{FF2B5EF4-FFF2-40B4-BE49-F238E27FC236}">
-                <a16:creationId xmlns:a16="http://schemas.microsoft.com/office/drawing/2014/main" id="{1ED79A40-1D0F-4C50-81C6-DE1E8BDD622A}"/>
+                <a16:creationId xmlns:a16="http://schemas.microsoft.com/office/drawing/2014/main" id="{43D99DCA-4C3F-4E1A-A9E7-C42C8EF40144}"/>
               </a:ext>
             </a:extLst>
           </p:cNvPr>
@@ -789,7 +1283,7 @@
           <p:cNvPr id="3" name="Espace réservé du contenu 2">
             <a:extLst>
               <a:ext uri="{FF2B5EF4-FFF2-40B4-BE49-F238E27FC236}">
-                <a16:creationId xmlns:a16="http://schemas.microsoft.com/office/drawing/2014/main" id="{7A6883F0-D024-480F-A7B5-B1264C66DF3E}"/>
+                <a16:creationId xmlns:a16="http://schemas.microsoft.com/office/drawing/2014/main" id="{0F5C89E3-DD21-4B9A-A97A-9ED3DB8E00AD}"/>
               </a:ext>
             </a:extLst>
           </p:cNvPr>
@@ -846,7 +1340,7 @@
           <p:cNvPr id="4" name="Espace réservé de la date 3">
             <a:extLst>
               <a:ext uri="{FF2B5EF4-FFF2-40B4-BE49-F238E27FC236}">
-                <a16:creationId xmlns:a16="http://schemas.microsoft.com/office/drawing/2014/main" id="{C35592F8-81D1-423C-9494-D7E04382DAD2}"/>
+                <a16:creationId xmlns:a16="http://schemas.microsoft.com/office/drawing/2014/main" id="{39FC5280-4C25-45C1-A9F9-A925883C6945}"/>
               </a:ext>
             </a:extLst>
           </p:cNvPr>
@@ -862,9 +1356,9 @@
           <a:bodyPr/>
           <a:lstStyle/>
           <a:p>
-            <a:fld id="{A8FB4421-6FC0-4B78-BD25-B92535ACDC43}" type="datetimeFigureOut">
+            <a:fld id="{E066B334-6CB1-4B7C-BF35-28AF1C17BF48}" type="datetimeFigureOut">
               <a:rPr lang="fr-FR" smtClean="0"/>
-              <a:t>13/03/2020</a:t>
+              <a:t>14/03/2020</a:t>
             </a:fld>
             <a:endParaRPr lang="fr-FR"/>
           </a:p>
@@ -875,7 +1369,7 @@
           <p:cNvPr id="5" name="Espace réservé du pied de page 4">
             <a:extLst>
               <a:ext uri="{FF2B5EF4-FFF2-40B4-BE49-F238E27FC236}">
-                <a16:creationId xmlns:a16="http://schemas.microsoft.com/office/drawing/2014/main" id="{E57DC5F7-115D-4E0C-AF32-1CEBFE7ECB98}"/>
+                <a16:creationId xmlns:a16="http://schemas.microsoft.com/office/drawing/2014/main" id="{6E9AF9CE-2E55-46A6-A18E-4A755329B179}"/>
               </a:ext>
             </a:extLst>
           </p:cNvPr>
@@ -900,7 +1394,7 @@
           <p:cNvPr id="6" name="Espace réservé du numéro de diapositive 5">
             <a:extLst>
               <a:ext uri="{FF2B5EF4-FFF2-40B4-BE49-F238E27FC236}">
-                <a16:creationId xmlns:a16="http://schemas.microsoft.com/office/drawing/2014/main" id="{EEA06C10-54A4-4931-ABCE-471D1B3A6D5E}"/>
+                <a16:creationId xmlns:a16="http://schemas.microsoft.com/office/drawing/2014/main" id="{5D8641EA-04EE-45D8-9DFD-1DEB649EACAF}"/>
               </a:ext>
             </a:extLst>
           </p:cNvPr>
@@ -916,7 +1410,7 @@
           <a:bodyPr/>
           <a:lstStyle/>
           <a:p>
-            <a:fld id="{1D7075A8-0D03-40E6-B871-AF0DD7657E9C}" type="slidenum">
+            <a:fld id="{1DE55B84-960F-4939-BB09-022A83515252}" type="slidenum">
               <a:rPr lang="fr-FR" smtClean="0"/>
               <a:t>‹N°›</a:t>
             </a:fld>
@@ -927,13 +1421,25 @@
     </p:spTree>
     <p:extLst>
       <p:ext uri="{BB962C8B-B14F-4D97-AF65-F5344CB8AC3E}">
-        <p14:creationId xmlns:p14="http://schemas.microsoft.com/office/powerpoint/2010/main" val="3213986601"/>
+        <p14:creationId xmlns:p14="http://schemas.microsoft.com/office/powerpoint/2010/main" val="886944077"/>
       </p:ext>
     </p:extLst>
   </p:cSld>
   <p:clrMapOvr>
     <a:masterClrMapping/>
   </p:clrMapOvr>
+  <mc:AlternateContent xmlns:mc="http://schemas.openxmlformats.org/markup-compatibility/2006">
+    <mc:Choice xmlns:p14="http://schemas.microsoft.com/office/powerpoint/2010/main" Requires="p14">
+      <p:transition spd="med" p14:dur="700" advTm="3000">
+        <p:fade/>
+      </p:transition>
+    </mc:Choice>
+    <mc:Fallback>
+      <p:transition spd="med" advTm="3000">
+        <p:fade/>
+      </p:transition>
+    </mc:Fallback>
+  </mc:AlternateContent>
 </p:sldLayout>
 </file>
 
@@ -959,7 +1465,7 @@
           <p:cNvPr id="2" name="Titre 1">
             <a:extLst>
               <a:ext uri="{FF2B5EF4-FFF2-40B4-BE49-F238E27FC236}">
-                <a16:creationId xmlns:a16="http://schemas.microsoft.com/office/drawing/2014/main" id="{C01146F6-6C60-4107-8B39-56BF6BEB1C98}"/>
+                <a16:creationId xmlns:a16="http://schemas.microsoft.com/office/drawing/2014/main" id="{A0232471-F525-4E74-9651-5C7DDDE566A1}"/>
               </a:ext>
             </a:extLst>
           </p:cNvPr>
@@ -996,7 +1502,7 @@
           <p:cNvPr id="3" name="Espace réservé du texte 2">
             <a:extLst>
               <a:ext uri="{FF2B5EF4-FFF2-40B4-BE49-F238E27FC236}">
-                <a16:creationId xmlns:a16="http://schemas.microsoft.com/office/drawing/2014/main" id="{C344136E-E997-4BC0-A058-95CB2F0BF74C}"/>
+                <a16:creationId xmlns:a16="http://schemas.microsoft.com/office/drawing/2014/main" id="{8A0FDD8B-829C-4A18-97BD-6098522DFEF2}"/>
               </a:ext>
             </a:extLst>
           </p:cNvPr>
@@ -1121,7 +1627,7 @@
           <p:cNvPr id="4" name="Espace réservé de la date 3">
             <a:extLst>
               <a:ext uri="{FF2B5EF4-FFF2-40B4-BE49-F238E27FC236}">
-                <a16:creationId xmlns:a16="http://schemas.microsoft.com/office/drawing/2014/main" id="{9B63A8AC-FE86-40D6-BB65-77B21BF33370}"/>
+                <a16:creationId xmlns:a16="http://schemas.microsoft.com/office/drawing/2014/main" id="{F0672A32-AEBF-4A55-9E31-DE01C9EA6135}"/>
               </a:ext>
             </a:extLst>
           </p:cNvPr>
@@ -1137,9 +1643,9 @@
           <a:bodyPr/>
           <a:lstStyle/>
           <a:p>
-            <a:fld id="{A8FB4421-6FC0-4B78-BD25-B92535ACDC43}" type="datetimeFigureOut">
+            <a:fld id="{E066B334-6CB1-4B7C-BF35-28AF1C17BF48}" type="datetimeFigureOut">
               <a:rPr lang="fr-FR" smtClean="0"/>
-              <a:t>13/03/2020</a:t>
+              <a:t>14/03/2020</a:t>
             </a:fld>
             <a:endParaRPr lang="fr-FR"/>
           </a:p>
@@ -1150,7 +1656,7 @@
           <p:cNvPr id="5" name="Espace réservé du pied de page 4">
             <a:extLst>
               <a:ext uri="{FF2B5EF4-FFF2-40B4-BE49-F238E27FC236}">
-                <a16:creationId xmlns:a16="http://schemas.microsoft.com/office/drawing/2014/main" id="{DC275A3D-C4D1-4DAF-B9D1-376C596CF310}"/>
+                <a16:creationId xmlns:a16="http://schemas.microsoft.com/office/drawing/2014/main" id="{E2C3F150-ED55-4B53-95C0-413E2A678A27}"/>
               </a:ext>
             </a:extLst>
           </p:cNvPr>
@@ -1175,7 +1681,7 @@
           <p:cNvPr id="6" name="Espace réservé du numéro de diapositive 5">
             <a:extLst>
               <a:ext uri="{FF2B5EF4-FFF2-40B4-BE49-F238E27FC236}">
-                <a16:creationId xmlns:a16="http://schemas.microsoft.com/office/drawing/2014/main" id="{8901B5BD-1BFA-408C-8AC1-EE6293236BD6}"/>
+                <a16:creationId xmlns:a16="http://schemas.microsoft.com/office/drawing/2014/main" id="{17317745-3609-4E20-B4ED-7AD2DE042E58}"/>
               </a:ext>
             </a:extLst>
           </p:cNvPr>
@@ -1191,7 +1697,7 @@
           <a:bodyPr/>
           <a:lstStyle/>
           <a:p>
-            <a:fld id="{1D7075A8-0D03-40E6-B871-AF0DD7657E9C}" type="slidenum">
+            <a:fld id="{1DE55B84-960F-4939-BB09-022A83515252}" type="slidenum">
               <a:rPr lang="fr-FR" smtClean="0"/>
               <a:t>‹N°›</a:t>
             </a:fld>
@@ -1202,13 +1708,25 @@
     </p:spTree>
     <p:extLst>
       <p:ext uri="{BB962C8B-B14F-4D97-AF65-F5344CB8AC3E}">
-        <p14:creationId xmlns:p14="http://schemas.microsoft.com/office/powerpoint/2010/main" val="1232376905"/>
+        <p14:creationId xmlns:p14="http://schemas.microsoft.com/office/powerpoint/2010/main" val="3260352016"/>
       </p:ext>
     </p:extLst>
   </p:cSld>
   <p:clrMapOvr>
     <a:masterClrMapping/>
   </p:clrMapOvr>
+  <mc:AlternateContent xmlns:mc="http://schemas.openxmlformats.org/markup-compatibility/2006">
+    <mc:Choice xmlns:p14="http://schemas.microsoft.com/office/powerpoint/2010/main" Requires="p14">
+      <p:transition spd="med" p14:dur="700" advTm="3000">
+        <p:fade/>
+      </p:transition>
+    </mc:Choice>
+    <mc:Fallback>
+      <p:transition spd="med" advTm="3000">
+        <p:fade/>
+      </p:transition>
+    </mc:Fallback>
+  </mc:AlternateContent>
 </p:sldLayout>
 </file>
 
@@ -1234,7 +1752,7 @@
           <p:cNvPr id="2" name="Titre 1">
             <a:extLst>
               <a:ext uri="{FF2B5EF4-FFF2-40B4-BE49-F238E27FC236}">
-                <a16:creationId xmlns:a16="http://schemas.microsoft.com/office/drawing/2014/main" id="{C110DEB2-D702-40FD-8A69-82D6ABC2875C}"/>
+                <a16:creationId xmlns:a16="http://schemas.microsoft.com/office/drawing/2014/main" id="{C02C68AA-24AF-4B01-B2EC-324C00B15335}"/>
               </a:ext>
             </a:extLst>
           </p:cNvPr>
@@ -1262,7 +1780,7 @@
           <p:cNvPr id="3" name="Espace réservé du contenu 2">
             <a:extLst>
               <a:ext uri="{FF2B5EF4-FFF2-40B4-BE49-F238E27FC236}">
-                <a16:creationId xmlns:a16="http://schemas.microsoft.com/office/drawing/2014/main" id="{B52B45EE-D1EF-4349-85CE-FE23B4E39803}"/>
+                <a16:creationId xmlns:a16="http://schemas.microsoft.com/office/drawing/2014/main" id="{9755F3E2-7072-4FB3-8AA5-B28B414ADE23}"/>
               </a:ext>
             </a:extLst>
           </p:cNvPr>
@@ -1324,7 +1842,7 @@
           <p:cNvPr id="4" name="Espace réservé du contenu 3">
             <a:extLst>
               <a:ext uri="{FF2B5EF4-FFF2-40B4-BE49-F238E27FC236}">
-                <a16:creationId xmlns:a16="http://schemas.microsoft.com/office/drawing/2014/main" id="{DD925265-19E0-4EF2-9B27-9F0DB7A2DBFC}"/>
+                <a16:creationId xmlns:a16="http://schemas.microsoft.com/office/drawing/2014/main" id="{EA10301E-A4E3-4E2F-AB0E-D73FD9763331}"/>
               </a:ext>
             </a:extLst>
           </p:cNvPr>
@@ -1386,7 +1904,7 @@
           <p:cNvPr id="5" name="Espace réservé de la date 4">
             <a:extLst>
               <a:ext uri="{FF2B5EF4-FFF2-40B4-BE49-F238E27FC236}">
-                <a16:creationId xmlns:a16="http://schemas.microsoft.com/office/drawing/2014/main" id="{8156CE5C-4979-423A-A38B-A98F936BA9A1}"/>
+                <a16:creationId xmlns:a16="http://schemas.microsoft.com/office/drawing/2014/main" id="{AFDABECD-D1AC-4128-953D-194BE4985C07}"/>
               </a:ext>
             </a:extLst>
           </p:cNvPr>
@@ -1402,9 +1920,9 @@
           <a:bodyPr/>
           <a:lstStyle/>
           <a:p>
-            <a:fld id="{A8FB4421-6FC0-4B78-BD25-B92535ACDC43}" type="datetimeFigureOut">
+            <a:fld id="{E066B334-6CB1-4B7C-BF35-28AF1C17BF48}" type="datetimeFigureOut">
               <a:rPr lang="fr-FR" smtClean="0"/>
-              <a:t>13/03/2020</a:t>
+              <a:t>14/03/2020</a:t>
             </a:fld>
             <a:endParaRPr lang="fr-FR"/>
           </a:p>
@@ -1415,7 +1933,7 @@
           <p:cNvPr id="6" name="Espace réservé du pied de page 5">
             <a:extLst>
               <a:ext uri="{FF2B5EF4-FFF2-40B4-BE49-F238E27FC236}">
-                <a16:creationId xmlns:a16="http://schemas.microsoft.com/office/drawing/2014/main" id="{82071848-4004-4171-B357-E3AF2B8E88ED}"/>
+                <a16:creationId xmlns:a16="http://schemas.microsoft.com/office/drawing/2014/main" id="{B5353393-A1AE-402A-8051-1FF682219DD5}"/>
               </a:ext>
             </a:extLst>
           </p:cNvPr>
@@ -1440,7 +1958,7 @@
           <p:cNvPr id="7" name="Espace réservé du numéro de diapositive 6">
             <a:extLst>
               <a:ext uri="{FF2B5EF4-FFF2-40B4-BE49-F238E27FC236}">
-                <a16:creationId xmlns:a16="http://schemas.microsoft.com/office/drawing/2014/main" id="{25AA2E28-B5DC-463F-B01D-0F9F03F900F6}"/>
+                <a16:creationId xmlns:a16="http://schemas.microsoft.com/office/drawing/2014/main" id="{66231B9D-F91D-4882-93A7-C958FC27F8E5}"/>
               </a:ext>
             </a:extLst>
           </p:cNvPr>
@@ -1456,7 +1974,7 @@
           <a:bodyPr/>
           <a:lstStyle/>
           <a:p>
-            <a:fld id="{1D7075A8-0D03-40E6-B871-AF0DD7657E9C}" type="slidenum">
+            <a:fld id="{1DE55B84-960F-4939-BB09-022A83515252}" type="slidenum">
               <a:rPr lang="fr-FR" smtClean="0"/>
               <a:t>‹N°›</a:t>
             </a:fld>
@@ -1467,13 +1985,25 @@
     </p:spTree>
     <p:extLst>
       <p:ext uri="{BB962C8B-B14F-4D97-AF65-F5344CB8AC3E}">
-        <p14:creationId xmlns:p14="http://schemas.microsoft.com/office/powerpoint/2010/main" val="3703707676"/>
+        <p14:creationId xmlns:p14="http://schemas.microsoft.com/office/powerpoint/2010/main" val="2701843876"/>
       </p:ext>
     </p:extLst>
   </p:cSld>
   <p:clrMapOvr>
     <a:masterClrMapping/>
   </p:clrMapOvr>
+  <mc:AlternateContent xmlns:mc="http://schemas.openxmlformats.org/markup-compatibility/2006">
+    <mc:Choice xmlns:p14="http://schemas.microsoft.com/office/powerpoint/2010/main" Requires="p14">
+      <p:transition spd="med" p14:dur="700" advTm="3000">
+        <p:fade/>
+      </p:transition>
+    </mc:Choice>
+    <mc:Fallback>
+      <p:transition spd="med" advTm="3000">
+        <p:fade/>
+      </p:transition>
+    </mc:Fallback>
+  </mc:AlternateContent>
 </p:sldLayout>
 </file>
 
@@ -1499,7 +2029,7 @@
           <p:cNvPr id="2" name="Titre 1">
             <a:extLst>
               <a:ext uri="{FF2B5EF4-FFF2-40B4-BE49-F238E27FC236}">
-                <a16:creationId xmlns:a16="http://schemas.microsoft.com/office/drawing/2014/main" id="{870C6324-0A72-4FBF-931C-4B089A43B98A}"/>
+                <a16:creationId xmlns:a16="http://schemas.microsoft.com/office/drawing/2014/main" id="{765EA8B4-5FFB-4B83-8F2C-31C1C65A9A24}"/>
               </a:ext>
             </a:extLst>
           </p:cNvPr>
@@ -1532,7 +2062,7 @@
           <p:cNvPr id="3" name="Espace réservé du texte 2">
             <a:extLst>
               <a:ext uri="{FF2B5EF4-FFF2-40B4-BE49-F238E27FC236}">
-                <a16:creationId xmlns:a16="http://schemas.microsoft.com/office/drawing/2014/main" id="{C2420505-6CFF-4A9A-A37D-A114FAFEC5FF}"/>
+                <a16:creationId xmlns:a16="http://schemas.microsoft.com/office/drawing/2014/main" id="{BA1151BA-C908-4B3C-8EDB-FE4BD43B59AD}"/>
               </a:ext>
             </a:extLst>
           </p:cNvPr>
@@ -1603,7 +2133,7 @@
           <p:cNvPr id="4" name="Espace réservé du contenu 3">
             <a:extLst>
               <a:ext uri="{FF2B5EF4-FFF2-40B4-BE49-F238E27FC236}">
-                <a16:creationId xmlns:a16="http://schemas.microsoft.com/office/drawing/2014/main" id="{D674809F-8E42-463C-8719-CC27868A5AD3}"/>
+                <a16:creationId xmlns:a16="http://schemas.microsoft.com/office/drawing/2014/main" id="{A8ACD9A3-C948-4A5D-BC2E-7EBA7892C85D}"/>
               </a:ext>
             </a:extLst>
           </p:cNvPr>
@@ -1665,7 +2195,7 @@
           <p:cNvPr id="5" name="Espace réservé du texte 4">
             <a:extLst>
               <a:ext uri="{FF2B5EF4-FFF2-40B4-BE49-F238E27FC236}">
-                <a16:creationId xmlns:a16="http://schemas.microsoft.com/office/drawing/2014/main" id="{CAE9636E-D811-4623-8B7F-805A977CAE09}"/>
+                <a16:creationId xmlns:a16="http://schemas.microsoft.com/office/drawing/2014/main" id="{A04F88F1-433F-440D-A2A8-DC294DE0FDEE}"/>
               </a:ext>
             </a:extLst>
           </p:cNvPr>
@@ -1736,7 +2266,7 @@
           <p:cNvPr id="6" name="Espace réservé du contenu 5">
             <a:extLst>
               <a:ext uri="{FF2B5EF4-FFF2-40B4-BE49-F238E27FC236}">
-                <a16:creationId xmlns:a16="http://schemas.microsoft.com/office/drawing/2014/main" id="{2ED8D670-B26E-46A9-97DF-472C7D7AAD23}"/>
+                <a16:creationId xmlns:a16="http://schemas.microsoft.com/office/drawing/2014/main" id="{331F8AC5-53DF-461B-A7A8-E8141BA842E7}"/>
               </a:ext>
             </a:extLst>
           </p:cNvPr>
@@ -1798,7 +2328,7 @@
           <p:cNvPr id="7" name="Espace réservé de la date 6">
             <a:extLst>
               <a:ext uri="{FF2B5EF4-FFF2-40B4-BE49-F238E27FC236}">
-                <a16:creationId xmlns:a16="http://schemas.microsoft.com/office/drawing/2014/main" id="{1AF79E17-B82B-480F-8157-9B08F75139E3}"/>
+                <a16:creationId xmlns:a16="http://schemas.microsoft.com/office/drawing/2014/main" id="{84C7A5D6-52B9-4063-9951-E5E0D4798A56}"/>
               </a:ext>
             </a:extLst>
           </p:cNvPr>
@@ -1814,9 +2344,9 @@
           <a:bodyPr/>
           <a:lstStyle/>
           <a:p>
-            <a:fld id="{A8FB4421-6FC0-4B78-BD25-B92535ACDC43}" type="datetimeFigureOut">
+            <a:fld id="{E066B334-6CB1-4B7C-BF35-28AF1C17BF48}" type="datetimeFigureOut">
               <a:rPr lang="fr-FR" smtClean="0"/>
-              <a:t>13/03/2020</a:t>
+              <a:t>14/03/2020</a:t>
             </a:fld>
             <a:endParaRPr lang="fr-FR"/>
           </a:p>
@@ -1827,7 +2357,7 @@
           <p:cNvPr id="8" name="Espace réservé du pied de page 7">
             <a:extLst>
               <a:ext uri="{FF2B5EF4-FFF2-40B4-BE49-F238E27FC236}">
-                <a16:creationId xmlns:a16="http://schemas.microsoft.com/office/drawing/2014/main" id="{6ACD7FA8-D53F-419A-96B5-0441BF04FC76}"/>
+                <a16:creationId xmlns:a16="http://schemas.microsoft.com/office/drawing/2014/main" id="{A74D19B1-6EA3-4BB3-B501-41BA6C448CEF}"/>
               </a:ext>
             </a:extLst>
           </p:cNvPr>
@@ -1852,7 +2382,7 @@
           <p:cNvPr id="9" name="Espace réservé du numéro de diapositive 8">
             <a:extLst>
               <a:ext uri="{FF2B5EF4-FFF2-40B4-BE49-F238E27FC236}">
-                <a16:creationId xmlns:a16="http://schemas.microsoft.com/office/drawing/2014/main" id="{A481CCBE-F70A-408B-B5B9-A99CAE96BC5B}"/>
+                <a16:creationId xmlns:a16="http://schemas.microsoft.com/office/drawing/2014/main" id="{313732D8-49DE-4C2F-9803-22C7886F7C33}"/>
               </a:ext>
             </a:extLst>
           </p:cNvPr>
@@ -1868,7 +2398,7 @@
           <a:bodyPr/>
           <a:lstStyle/>
           <a:p>
-            <a:fld id="{1D7075A8-0D03-40E6-B871-AF0DD7657E9C}" type="slidenum">
+            <a:fld id="{1DE55B84-960F-4939-BB09-022A83515252}" type="slidenum">
               <a:rPr lang="fr-FR" smtClean="0"/>
               <a:t>‹N°›</a:t>
             </a:fld>
@@ -1879,13 +2409,25 @@
     </p:spTree>
     <p:extLst>
       <p:ext uri="{BB962C8B-B14F-4D97-AF65-F5344CB8AC3E}">
-        <p14:creationId xmlns:p14="http://schemas.microsoft.com/office/powerpoint/2010/main" val="1503642812"/>
+        <p14:creationId xmlns:p14="http://schemas.microsoft.com/office/powerpoint/2010/main" val="151015109"/>
       </p:ext>
     </p:extLst>
   </p:cSld>
   <p:clrMapOvr>
     <a:masterClrMapping/>
   </p:clrMapOvr>
+  <mc:AlternateContent xmlns:mc="http://schemas.openxmlformats.org/markup-compatibility/2006">
+    <mc:Choice xmlns:p14="http://schemas.microsoft.com/office/powerpoint/2010/main" Requires="p14">
+      <p:transition spd="med" p14:dur="700" advTm="3000">
+        <p:fade/>
+      </p:transition>
+    </mc:Choice>
+    <mc:Fallback>
+      <p:transition spd="med" advTm="3000">
+        <p:fade/>
+      </p:transition>
+    </mc:Fallback>
+  </mc:AlternateContent>
 </p:sldLayout>
 </file>
 
@@ -1911,7 +2453,7 @@
           <p:cNvPr id="2" name="Titre 1">
             <a:extLst>
               <a:ext uri="{FF2B5EF4-FFF2-40B4-BE49-F238E27FC236}">
-                <a16:creationId xmlns:a16="http://schemas.microsoft.com/office/drawing/2014/main" id="{BD389473-DB91-4705-8EBA-91E19B68AE41}"/>
+                <a16:creationId xmlns:a16="http://schemas.microsoft.com/office/drawing/2014/main" id="{07C53798-EECC-4CBD-ACA1-F84147C23A6D}"/>
               </a:ext>
             </a:extLst>
           </p:cNvPr>
@@ -1939,7 +2481,7 @@
           <p:cNvPr id="3" name="Espace réservé de la date 2">
             <a:extLst>
               <a:ext uri="{FF2B5EF4-FFF2-40B4-BE49-F238E27FC236}">
-                <a16:creationId xmlns:a16="http://schemas.microsoft.com/office/drawing/2014/main" id="{D5C8356C-B601-4A70-BAED-9D42A26B0884}"/>
+                <a16:creationId xmlns:a16="http://schemas.microsoft.com/office/drawing/2014/main" id="{40EF281A-9365-496D-9D5A-83E034E9E3B3}"/>
               </a:ext>
             </a:extLst>
           </p:cNvPr>
@@ -1955,9 +2497,9 @@
           <a:bodyPr/>
           <a:lstStyle/>
           <a:p>
-            <a:fld id="{A8FB4421-6FC0-4B78-BD25-B92535ACDC43}" type="datetimeFigureOut">
+            <a:fld id="{E066B334-6CB1-4B7C-BF35-28AF1C17BF48}" type="datetimeFigureOut">
               <a:rPr lang="fr-FR" smtClean="0"/>
-              <a:t>13/03/2020</a:t>
+              <a:t>14/03/2020</a:t>
             </a:fld>
             <a:endParaRPr lang="fr-FR"/>
           </a:p>
@@ -1968,7 +2510,7 @@
           <p:cNvPr id="4" name="Espace réservé du pied de page 3">
             <a:extLst>
               <a:ext uri="{FF2B5EF4-FFF2-40B4-BE49-F238E27FC236}">
-                <a16:creationId xmlns:a16="http://schemas.microsoft.com/office/drawing/2014/main" id="{57506FFC-4D91-4F68-9AF0-D69DE55EE844}"/>
+                <a16:creationId xmlns:a16="http://schemas.microsoft.com/office/drawing/2014/main" id="{05EF9262-BF14-47D8-8F6A-583D65448928}"/>
               </a:ext>
             </a:extLst>
           </p:cNvPr>
@@ -1993,7 +2535,7 @@
           <p:cNvPr id="5" name="Espace réservé du numéro de diapositive 4">
             <a:extLst>
               <a:ext uri="{FF2B5EF4-FFF2-40B4-BE49-F238E27FC236}">
-                <a16:creationId xmlns:a16="http://schemas.microsoft.com/office/drawing/2014/main" id="{51273552-AAB8-44E8-A0E1-B5558372E315}"/>
+                <a16:creationId xmlns:a16="http://schemas.microsoft.com/office/drawing/2014/main" id="{9D79E042-0629-4A2E-9C9E-4E57CA7833DB}"/>
               </a:ext>
             </a:extLst>
           </p:cNvPr>
@@ -2009,7 +2551,7 @@
           <a:bodyPr/>
           <a:lstStyle/>
           <a:p>
-            <a:fld id="{1D7075A8-0D03-40E6-B871-AF0DD7657E9C}" type="slidenum">
+            <a:fld id="{1DE55B84-960F-4939-BB09-022A83515252}" type="slidenum">
               <a:rPr lang="fr-FR" smtClean="0"/>
               <a:t>‹N°›</a:t>
             </a:fld>
@@ -2020,13 +2562,25 @@
     </p:spTree>
     <p:extLst>
       <p:ext uri="{BB962C8B-B14F-4D97-AF65-F5344CB8AC3E}">
-        <p14:creationId xmlns:p14="http://schemas.microsoft.com/office/powerpoint/2010/main" val="3195033167"/>
+        <p14:creationId xmlns:p14="http://schemas.microsoft.com/office/powerpoint/2010/main" val="3280398854"/>
       </p:ext>
     </p:extLst>
   </p:cSld>
   <p:clrMapOvr>
     <a:masterClrMapping/>
   </p:clrMapOvr>
+  <mc:AlternateContent xmlns:mc="http://schemas.openxmlformats.org/markup-compatibility/2006">
+    <mc:Choice xmlns:p14="http://schemas.microsoft.com/office/powerpoint/2010/main" Requires="p14">
+      <p:transition spd="med" p14:dur="700" advTm="3000">
+        <p:fade/>
+      </p:transition>
+    </mc:Choice>
+    <mc:Fallback>
+      <p:transition spd="med" advTm="3000">
+        <p:fade/>
+      </p:transition>
+    </mc:Fallback>
+  </mc:AlternateContent>
 </p:sldLayout>
 </file>
 
@@ -2052,7 +2606,7 @@
           <p:cNvPr id="2" name="Espace réservé de la date 1">
             <a:extLst>
               <a:ext uri="{FF2B5EF4-FFF2-40B4-BE49-F238E27FC236}">
-                <a16:creationId xmlns:a16="http://schemas.microsoft.com/office/drawing/2014/main" id="{0AB52D65-19CF-412E-9DA1-6821A759EAE3}"/>
+                <a16:creationId xmlns:a16="http://schemas.microsoft.com/office/drawing/2014/main" id="{38F183B5-1C95-44F3-AEF9-253598645350}"/>
               </a:ext>
             </a:extLst>
           </p:cNvPr>
@@ -2068,9 +2622,9 @@
           <a:bodyPr/>
           <a:lstStyle/>
           <a:p>
-            <a:fld id="{A8FB4421-6FC0-4B78-BD25-B92535ACDC43}" type="datetimeFigureOut">
+            <a:fld id="{E066B334-6CB1-4B7C-BF35-28AF1C17BF48}" type="datetimeFigureOut">
               <a:rPr lang="fr-FR" smtClean="0"/>
-              <a:t>13/03/2020</a:t>
+              <a:t>14/03/2020</a:t>
             </a:fld>
             <a:endParaRPr lang="fr-FR"/>
           </a:p>
@@ -2081,7 +2635,7 @@
           <p:cNvPr id="3" name="Espace réservé du pied de page 2">
             <a:extLst>
               <a:ext uri="{FF2B5EF4-FFF2-40B4-BE49-F238E27FC236}">
-                <a16:creationId xmlns:a16="http://schemas.microsoft.com/office/drawing/2014/main" id="{11263EED-7EBE-41AD-A21A-3E565B95591D}"/>
+                <a16:creationId xmlns:a16="http://schemas.microsoft.com/office/drawing/2014/main" id="{733AF6F8-D2C4-4E13-8DCD-DA17988B1FDF}"/>
               </a:ext>
             </a:extLst>
           </p:cNvPr>
@@ -2106,7 +2660,7 @@
           <p:cNvPr id="4" name="Espace réservé du numéro de diapositive 3">
             <a:extLst>
               <a:ext uri="{FF2B5EF4-FFF2-40B4-BE49-F238E27FC236}">
-                <a16:creationId xmlns:a16="http://schemas.microsoft.com/office/drawing/2014/main" id="{AA21E023-CA67-48F0-9071-1D6F208E7DCE}"/>
+                <a16:creationId xmlns:a16="http://schemas.microsoft.com/office/drawing/2014/main" id="{3DD76FB8-B05F-4EDB-9C04-1C9C46A6CF75}"/>
               </a:ext>
             </a:extLst>
           </p:cNvPr>
@@ -2122,7 +2676,7 @@
           <a:bodyPr/>
           <a:lstStyle/>
           <a:p>
-            <a:fld id="{1D7075A8-0D03-40E6-B871-AF0DD7657E9C}" type="slidenum">
+            <a:fld id="{1DE55B84-960F-4939-BB09-022A83515252}" type="slidenum">
               <a:rPr lang="fr-FR" smtClean="0"/>
               <a:t>‹N°›</a:t>
             </a:fld>
@@ -2133,13 +2687,25 @@
     </p:spTree>
     <p:extLst>
       <p:ext uri="{BB962C8B-B14F-4D97-AF65-F5344CB8AC3E}">
-        <p14:creationId xmlns:p14="http://schemas.microsoft.com/office/powerpoint/2010/main" val="2283166703"/>
+        <p14:creationId xmlns:p14="http://schemas.microsoft.com/office/powerpoint/2010/main" val="3768609983"/>
       </p:ext>
     </p:extLst>
   </p:cSld>
   <p:clrMapOvr>
     <a:masterClrMapping/>
   </p:clrMapOvr>
+  <mc:AlternateContent xmlns:mc="http://schemas.openxmlformats.org/markup-compatibility/2006">
+    <mc:Choice xmlns:p14="http://schemas.microsoft.com/office/powerpoint/2010/main" Requires="p14">
+      <p:transition spd="med" p14:dur="700" advTm="3000">
+        <p:fade/>
+      </p:transition>
+    </mc:Choice>
+    <mc:Fallback>
+      <p:transition spd="med" advTm="3000">
+        <p:fade/>
+      </p:transition>
+    </mc:Fallback>
+  </mc:AlternateContent>
 </p:sldLayout>
 </file>
 
@@ -2165,7 +2731,7 @@
           <p:cNvPr id="2" name="Titre 1">
             <a:extLst>
               <a:ext uri="{FF2B5EF4-FFF2-40B4-BE49-F238E27FC236}">
-                <a16:creationId xmlns:a16="http://schemas.microsoft.com/office/drawing/2014/main" id="{E62EAE7E-CB79-446C-AA98-48CC019BF9E5}"/>
+                <a16:creationId xmlns:a16="http://schemas.microsoft.com/office/drawing/2014/main" id="{AD99AA92-536B-469A-86C2-B4D764F0B9D8}"/>
               </a:ext>
             </a:extLst>
           </p:cNvPr>
@@ -2202,7 +2768,7 @@
           <p:cNvPr id="3" name="Espace réservé du contenu 2">
             <a:extLst>
               <a:ext uri="{FF2B5EF4-FFF2-40B4-BE49-F238E27FC236}">
-                <a16:creationId xmlns:a16="http://schemas.microsoft.com/office/drawing/2014/main" id="{A22859C5-5CE2-4C71-BD7C-7C014DBF410A}"/>
+                <a16:creationId xmlns:a16="http://schemas.microsoft.com/office/drawing/2014/main" id="{4D16E84C-3C98-47E7-BCBD-35B60941C3E7}"/>
               </a:ext>
             </a:extLst>
           </p:cNvPr>
@@ -2292,7 +2858,7 @@
           <p:cNvPr id="4" name="Espace réservé du texte 3">
             <a:extLst>
               <a:ext uri="{FF2B5EF4-FFF2-40B4-BE49-F238E27FC236}">
-                <a16:creationId xmlns:a16="http://schemas.microsoft.com/office/drawing/2014/main" id="{2E2DAB60-92B1-48F2-911C-45BC9AAB9BBE}"/>
+                <a16:creationId xmlns:a16="http://schemas.microsoft.com/office/drawing/2014/main" id="{4AB2802A-4F3C-442D-A7C7-0EC276C2355B}"/>
               </a:ext>
             </a:extLst>
           </p:cNvPr>
@@ -2363,7 +2929,7 @@
           <p:cNvPr id="5" name="Espace réservé de la date 4">
             <a:extLst>
               <a:ext uri="{FF2B5EF4-FFF2-40B4-BE49-F238E27FC236}">
-                <a16:creationId xmlns:a16="http://schemas.microsoft.com/office/drawing/2014/main" id="{CD393BA0-71BA-4FD6-9394-5C35CE6BC905}"/>
+                <a16:creationId xmlns:a16="http://schemas.microsoft.com/office/drawing/2014/main" id="{0BBBF84A-05A8-469C-852B-5B47497FAB90}"/>
               </a:ext>
             </a:extLst>
           </p:cNvPr>
@@ -2379,9 +2945,9 @@
           <a:bodyPr/>
           <a:lstStyle/>
           <a:p>
-            <a:fld id="{A8FB4421-6FC0-4B78-BD25-B92535ACDC43}" type="datetimeFigureOut">
+            <a:fld id="{E066B334-6CB1-4B7C-BF35-28AF1C17BF48}" type="datetimeFigureOut">
               <a:rPr lang="fr-FR" smtClean="0"/>
-              <a:t>13/03/2020</a:t>
+              <a:t>14/03/2020</a:t>
             </a:fld>
             <a:endParaRPr lang="fr-FR"/>
           </a:p>
@@ -2392,7 +2958,7 @@
           <p:cNvPr id="6" name="Espace réservé du pied de page 5">
             <a:extLst>
               <a:ext uri="{FF2B5EF4-FFF2-40B4-BE49-F238E27FC236}">
-                <a16:creationId xmlns:a16="http://schemas.microsoft.com/office/drawing/2014/main" id="{B2A7FF1D-A6A7-4FE0-8FA5-A136FB655E7B}"/>
+                <a16:creationId xmlns:a16="http://schemas.microsoft.com/office/drawing/2014/main" id="{F15C749C-DAFC-46BC-8B50-F1D67B6F4C1B}"/>
               </a:ext>
             </a:extLst>
           </p:cNvPr>
@@ -2417,7 +2983,7 @@
           <p:cNvPr id="7" name="Espace réservé du numéro de diapositive 6">
             <a:extLst>
               <a:ext uri="{FF2B5EF4-FFF2-40B4-BE49-F238E27FC236}">
-                <a16:creationId xmlns:a16="http://schemas.microsoft.com/office/drawing/2014/main" id="{54B4CE23-8A82-47FD-93C8-9DC83CF871C2}"/>
+                <a16:creationId xmlns:a16="http://schemas.microsoft.com/office/drawing/2014/main" id="{CC24F04F-34A9-49BC-9977-13004E42467C}"/>
               </a:ext>
             </a:extLst>
           </p:cNvPr>
@@ -2433,7 +2999,7 @@
           <a:bodyPr/>
           <a:lstStyle/>
           <a:p>
-            <a:fld id="{1D7075A8-0D03-40E6-B871-AF0DD7657E9C}" type="slidenum">
+            <a:fld id="{1DE55B84-960F-4939-BB09-022A83515252}" type="slidenum">
               <a:rPr lang="fr-FR" smtClean="0"/>
               <a:t>‹N°›</a:t>
             </a:fld>
@@ -2444,13 +3010,25 @@
     </p:spTree>
     <p:extLst>
       <p:ext uri="{BB962C8B-B14F-4D97-AF65-F5344CB8AC3E}">
-        <p14:creationId xmlns:p14="http://schemas.microsoft.com/office/powerpoint/2010/main" val="1119334174"/>
+        <p14:creationId xmlns:p14="http://schemas.microsoft.com/office/powerpoint/2010/main" val="1800824422"/>
       </p:ext>
     </p:extLst>
   </p:cSld>
   <p:clrMapOvr>
     <a:masterClrMapping/>
   </p:clrMapOvr>
+  <mc:AlternateContent xmlns:mc="http://schemas.openxmlformats.org/markup-compatibility/2006">
+    <mc:Choice xmlns:p14="http://schemas.microsoft.com/office/powerpoint/2010/main" Requires="p14">
+      <p:transition spd="med" p14:dur="700" advTm="3000">
+        <p:fade/>
+      </p:transition>
+    </mc:Choice>
+    <mc:Fallback>
+      <p:transition spd="med" advTm="3000">
+        <p:fade/>
+      </p:transition>
+    </mc:Fallback>
+  </mc:AlternateContent>
 </p:sldLayout>
 </file>
 
@@ -2476,7 +3054,7 @@
           <p:cNvPr id="2" name="Titre 1">
             <a:extLst>
               <a:ext uri="{FF2B5EF4-FFF2-40B4-BE49-F238E27FC236}">
-                <a16:creationId xmlns:a16="http://schemas.microsoft.com/office/drawing/2014/main" id="{C492C0F4-C098-4032-9141-FDC026CBA816}"/>
+                <a16:creationId xmlns:a16="http://schemas.microsoft.com/office/drawing/2014/main" id="{3555BEEF-3F8E-464E-810C-C2664E154089}"/>
               </a:ext>
             </a:extLst>
           </p:cNvPr>
@@ -2513,7 +3091,7 @@
           <p:cNvPr id="3" name="Espace réservé pour une image  2">
             <a:extLst>
               <a:ext uri="{FF2B5EF4-FFF2-40B4-BE49-F238E27FC236}">
-                <a16:creationId xmlns:a16="http://schemas.microsoft.com/office/drawing/2014/main" id="{45BD4C81-7DCC-4EA5-8BF4-F54FC319081D}"/>
+                <a16:creationId xmlns:a16="http://schemas.microsoft.com/office/drawing/2014/main" id="{88EE8F23-4162-4CA6-A433-C4B5B4F806C7}"/>
               </a:ext>
             </a:extLst>
           </p:cNvPr>
@@ -2526,7 +3104,7 @@
         </p:nvSpPr>
         <p:spPr>
           <a:xfrm>
-            <a:off x="5183188" y="987425"/>
+            <a:off x="5248729" y="1665287"/>
             <a:ext cx="6172200" cy="4873625"/>
           </a:xfrm>
         </p:spPr>
@@ -2580,7 +3158,7 @@
           <p:cNvPr id="4" name="Espace réservé du texte 3">
             <a:extLst>
               <a:ext uri="{FF2B5EF4-FFF2-40B4-BE49-F238E27FC236}">
-                <a16:creationId xmlns:a16="http://schemas.microsoft.com/office/drawing/2014/main" id="{2D93D87D-3C43-45E2-BD7A-1B5D2A73A9FC}"/>
+                <a16:creationId xmlns:a16="http://schemas.microsoft.com/office/drawing/2014/main" id="{18D084D7-4D28-4078-945F-191C6A9BD148}"/>
               </a:ext>
             </a:extLst>
           </p:cNvPr>
@@ -2651,7 +3229,7 @@
           <p:cNvPr id="5" name="Espace réservé de la date 4">
             <a:extLst>
               <a:ext uri="{FF2B5EF4-FFF2-40B4-BE49-F238E27FC236}">
-                <a16:creationId xmlns:a16="http://schemas.microsoft.com/office/drawing/2014/main" id="{6CBD159D-3143-4248-9E91-9FE5D32FEB0E}"/>
+                <a16:creationId xmlns:a16="http://schemas.microsoft.com/office/drawing/2014/main" id="{2EB5FED1-EEB6-4453-BD87-D82B89D0A790}"/>
               </a:ext>
             </a:extLst>
           </p:cNvPr>
@@ -2667,9 +3245,9 @@
           <a:bodyPr/>
           <a:lstStyle/>
           <a:p>
-            <a:fld id="{A8FB4421-6FC0-4B78-BD25-B92535ACDC43}" type="datetimeFigureOut">
+            <a:fld id="{E066B334-6CB1-4B7C-BF35-28AF1C17BF48}" type="datetimeFigureOut">
               <a:rPr lang="fr-FR" smtClean="0"/>
-              <a:t>13/03/2020</a:t>
+              <a:t>14/03/2020</a:t>
             </a:fld>
             <a:endParaRPr lang="fr-FR"/>
           </a:p>
@@ -2680,7 +3258,7 @@
           <p:cNvPr id="6" name="Espace réservé du pied de page 5">
             <a:extLst>
               <a:ext uri="{FF2B5EF4-FFF2-40B4-BE49-F238E27FC236}">
-                <a16:creationId xmlns:a16="http://schemas.microsoft.com/office/drawing/2014/main" id="{B8E579DC-D918-4E61-B2E1-CECEB50F6D05}"/>
+                <a16:creationId xmlns:a16="http://schemas.microsoft.com/office/drawing/2014/main" id="{A325277A-9D60-4105-99FA-7FCF739664AE}"/>
               </a:ext>
             </a:extLst>
           </p:cNvPr>
@@ -2705,7 +3283,7 @@
           <p:cNvPr id="7" name="Espace réservé du numéro de diapositive 6">
             <a:extLst>
               <a:ext uri="{FF2B5EF4-FFF2-40B4-BE49-F238E27FC236}">
-                <a16:creationId xmlns:a16="http://schemas.microsoft.com/office/drawing/2014/main" id="{69452786-B6D8-41E4-93C7-931D4FE8716A}"/>
+                <a16:creationId xmlns:a16="http://schemas.microsoft.com/office/drawing/2014/main" id="{305EA2F5-7FB8-4AA0-B911-BE308840AEF0}"/>
               </a:ext>
             </a:extLst>
           </p:cNvPr>
@@ -2721,7 +3299,7 @@
           <a:bodyPr/>
           <a:lstStyle/>
           <a:p>
-            <a:fld id="{1D7075A8-0D03-40E6-B871-AF0DD7657E9C}" type="slidenum">
+            <a:fld id="{1DE55B84-960F-4939-BB09-022A83515252}" type="slidenum">
               <a:rPr lang="fr-FR" smtClean="0"/>
               <a:t>‹N°›</a:t>
             </a:fld>
@@ -2732,13 +3310,25 @@
     </p:spTree>
     <p:extLst>
       <p:ext uri="{BB962C8B-B14F-4D97-AF65-F5344CB8AC3E}">
-        <p14:creationId xmlns:p14="http://schemas.microsoft.com/office/powerpoint/2010/main" val="3586737103"/>
+        <p14:creationId xmlns:p14="http://schemas.microsoft.com/office/powerpoint/2010/main" val="1969925176"/>
       </p:ext>
     </p:extLst>
   </p:cSld>
   <p:clrMapOvr>
     <a:masterClrMapping/>
   </p:clrMapOvr>
+  <mc:AlternateContent xmlns:mc="http://schemas.openxmlformats.org/markup-compatibility/2006">
+    <mc:Choice xmlns:p14="http://schemas.microsoft.com/office/powerpoint/2010/main" Requires="p14">
+      <p:transition spd="med" p14:dur="700" advTm="3000">
+        <p:fade/>
+      </p:transition>
+    </mc:Choice>
+    <mc:Fallback>
+      <p:transition spd="med" advTm="3000">
+        <p:fade/>
+      </p:transition>
+    </mc:Fallback>
+  </mc:AlternateContent>
 </p:sldLayout>
 </file>
 
@@ -2769,7 +3359,7 @@
           <p:cNvPr id="2" name="Espace réservé du titre 1">
             <a:extLst>
               <a:ext uri="{FF2B5EF4-FFF2-40B4-BE49-F238E27FC236}">
-                <a16:creationId xmlns:a16="http://schemas.microsoft.com/office/drawing/2014/main" id="{33AC2EA4-856C-4D9E-88D8-E655D33B9168}"/>
+                <a16:creationId xmlns:a16="http://schemas.microsoft.com/office/drawing/2014/main" id="{2AFB7EC2-3CEC-4BAC-8F50-CDD21FC8ABAE}"/>
               </a:ext>
             </a:extLst>
           </p:cNvPr>
@@ -2807,7 +3397,7 @@
           <p:cNvPr id="3" name="Espace réservé du texte 2">
             <a:extLst>
               <a:ext uri="{FF2B5EF4-FFF2-40B4-BE49-F238E27FC236}">
-                <a16:creationId xmlns:a16="http://schemas.microsoft.com/office/drawing/2014/main" id="{64ECD812-1746-40B0-A187-50C468B36AB3}"/>
+                <a16:creationId xmlns:a16="http://schemas.microsoft.com/office/drawing/2014/main" id="{C8842B57-B4DA-4C25-B825-75EFDF5060F2}"/>
               </a:ext>
             </a:extLst>
           </p:cNvPr>
@@ -2874,7 +3464,7 @@
           <p:cNvPr id="4" name="Espace réservé de la date 3">
             <a:extLst>
               <a:ext uri="{FF2B5EF4-FFF2-40B4-BE49-F238E27FC236}">
-                <a16:creationId xmlns:a16="http://schemas.microsoft.com/office/drawing/2014/main" id="{53A6598D-E106-40CD-85CA-A76CFB611442}"/>
+                <a16:creationId xmlns:a16="http://schemas.microsoft.com/office/drawing/2014/main" id="{35642666-CF94-441E-A129-CAD643A71A21}"/>
               </a:ext>
             </a:extLst>
           </p:cNvPr>
@@ -2908,9 +3498,9 @@
             </a:lvl1pPr>
           </a:lstStyle>
           <a:p>
-            <a:fld id="{A8FB4421-6FC0-4B78-BD25-B92535ACDC43}" type="datetimeFigureOut">
+            <a:fld id="{E066B334-6CB1-4B7C-BF35-28AF1C17BF48}" type="datetimeFigureOut">
               <a:rPr lang="fr-FR" smtClean="0"/>
-              <a:t>13/03/2020</a:t>
+              <a:t>14/03/2020</a:t>
             </a:fld>
             <a:endParaRPr lang="fr-FR"/>
           </a:p>
@@ -2921,7 +3511,7 @@
           <p:cNvPr id="5" name="Espace réservé du pied de page 4">
             <a:extLst>
               <a:ext uri="{FF2B5EF4-FFF2-40B4-BE49-F238E27FC236}">
-                <a16:creationId xmlns:a16="http://schemas.microsoft.com/office/drawing/2014/main" id="{FAF98145-9C65-4951-95C5-EB7AB1FDE739}"/>
+                <a16:creationId xmlns:a16="http://schemas.microsoft.com/office/drawing/2014/main" id="{685A9F5B-07B6-42E4-909B-57CF414AE91A}"/>
               </a:ext>
             </a:extLst>
           </p:cNvPr>
@@ -2964,7 +3554,7 @@
           <p:cNvPr id="6" name="Espace réservé du numéro de diapositive 5">
             <a:extLst>
               <a:ext uri="{FF2B5EF4-FFF2-40B4-BE49-F238E27FC236}">
-                <a16:creationId xmlns:a16="http://schemas.microsoft.com/office/drawing/2014/main" id="{4152A89D-89FF-4966-9F61-860E4E5E071A}"/>
+                <a16:creationId xmlns:a16="http://schemas.microsoft.com/office/drawing/2014/main" id="{22CB4CE8-70F1-46CA-ACA4-DBE3B9AAE000}"/>
               </a:ext>
             </a:extLst>
           </p:cNvPr>
@@ -2998,7 +3588,7 @@
             </a:lvl1pPr>
           </a:lstStyle>
           <a:p>
-            <a:fld id="{1D7075A8-0D03-40E6-B871-AF0DD7657E9C}" type="slidenum">
+            <a:fld id="{1DE55B84-960F-4939-BB09-022A83515252}" type="slidenum">
               <a:rPr lang="fr-FR" smtClean="0"/>
               <a:t>‹N°›</a:t>
             </a:fld>
@@ -3009,7 +3599,7 @@
     </p:spTree>
     <p:extLst>
       <p:ext uri="{BB962C8B-B14F-4D97-AF65-F5344CB8AC3E}">
-        <p14:creationId xmlns:p14="http://schemas.microsoft.com/office/powerpoint/2010/main" val="3874769539"/>
+        <p14:creationId xmlns:p14="http://schemas.microsoft.com/office/powerpoint/2010/main" val="4215418266"/>
       </p:ext>
     </p:extLst>
   </p:cSld>
@@ -3027,6 +3617,18 @@
     <p:sldLayoutId id="2147483658" r:id="rId10"/>
     <p:sldLayoutId id="2147483659" r:id="rId11"/>
   </p:sldLayoutIdLst>
+  <mc:AlternateContent xmlns:mc="http://schemas.openxmlformats.org/markup-compatibility/2006">
+    <mc:Choice xmlns:p14="http://schemas.microsoft.com/office/powerpoint/2010/main" Requires="p14">
+      <p:transition spd="med" p14:dur="700" advTm="3000">
+        <p:fade/>
+      </p:transition>
+    </mc:Choice>
+    <mc:Fallback>
+      <p:transition spd="med" advTm="3000">
+        <p:fade/>
+      </p:transition>
+    </mc:Fallback>
+  </mc:AlternateContent>
   <p:txStyles>
     <p:titleStyle>
       <a:lvl1pPr algn="l" defTabSz="914400" rtl="0" eaLnBrk="1" latinLnBrk="0" hangingPunct="1">
@@ -3329,10 +3931,10 @@
       </p:grpSpPr>
       <p:sp>
         <p:nvSpPr>
-          <p:cNvPr id="5" name="Titre 4">
-            <a:extLst>
-              <a:ext uri="{FF2B5EF4-FFF2-40B4-BE49-F238E27FC236}">
-                <a16:creationId xmlns:a16="http://schemas.microsoft.com/office/drawing/2014/main" id="{DD88AF5B-90FC-4D62-BF1D-386184D6851A}"/>
+          <p:cNvPr id="2" name="Titre 1">
+            <a:extLst>
+              <a:ext uri="{FF2B5EF4-FFF2-40B4-BE49-F238E27FC236}">
+                <a16:creationId xmlns:a16="http://schemas.microsoft.com/office/drawing/2014/main" id="{14EB8AB7-E800-43A8-8190-596F1A36C47E}"/>
               </a:ext>
             </a:extLst>
           </p:cNvPr>
@@ -3345,25 +3947,32 @@
         </p:nvSpPr>
         <p:spPr>
           <a:xfrm>
-            <a:off x="1524000" y="2235200"/>
-            <a:ext cx="9144000" cy="2387600"/>
+            <a:off x="1524000" y="1122362"/>
+            <a:ext cx="9144000" cy="3449637"/>
           </a:xfrm>
         </p:spPr>
         <p:txBody>
-          <a:bodyPr/>
+          <a:bodyPr>
+            <a:normAutofit/>
+          </a:bodyPr>
           <a:lstStyle/>
           <a:p>
             <a:r>
-              <a:rPr lang="fr-FR" dirty="0"/>
+              <a:rPr lang="fr-FR" spc="-1" dirty="0">
+                <a:solidFill>
+                  <a:srgbClr val="000000"/>
+                </a:solidFill>
+              </a:rPr>
               <a:t>La résistance aux antiparasitaires</a:t>
             </a:r>
+            <a:endParaRPr lang="fr-FR" dirty="0"/>
           </a:p>
         </p:txBody>
       </p:sp>
     </p:spTree>
     <p:extLst>
       <p:ext uri="{BB962C8B-B14F-4D97-AF65-F5344CB8AC3E}">
-        <p14:creationId xmlns:p14="http://schemas.microsoft.com/office/powerpoint/2010/main" val="3865761068"/>
+        <p14:creationId xmlns:p14="http://schemas.microsoft.com/office/powerpoint/2010/main" val="120306548"/>
       </p:ext>
     </p:extLst>
   </p:cSld>
@@ -3372,12 +3981,12 @@
   </p:clrMapOvr>
   <mc:AlternateContent xmlns:mc="http://schemas.openxmlformats.org/markup-compatibility/2006">
     <mc:Choice xmlns:p14="http://schemas.microsoft.com/office/powerpoint/2010/main" Requires="p14">
-      <p:transition spd="med" p14:dur="700">
+      <p:transition spd="med" p14:dur="700" advTm="3000">
         <p:fade/>
       </p:transition>
     </mc:Choice>
     <mc:Fallback>
-      <p:transition spd="med">
+      <p:transition spd="med" advTm="3000">
         <p:fade/>
       </p:transition>
     </mc:Fallback>
@@ -3385,7 +3994,7 @@
 </p:sld>
 </file>
 
-<file path=ppt/slides/slide2.xml><?xml version="1.0" encoding="utf-8"?>
+<file path=ppt/slides/slide10.xml><?xml version="1.0" encoding="utf-8"?>
 <p:sld xmlns:a="http://schemas.openxmlformats.org/drawingml/2006/main" xmlns:r="http://schemas.openxmlformats.org/officeDocument/2006/relationships" xmlns:p="http://schemas.openxmlformats.org/presentationml/2006/main">
   <p:cSld>
     <p:spTree>
@@ -3404,10 +4013,10 @@
       </p:grpSpPr>
       <p:sp>
         <p:nvSpPr>
-          <p:cNvPr id="4" name="Titre 3">
-            <a:extLst>
-              <a:ext uri="{FF2B5EF4-FFF2-40B4-BE49-F238E27FC236}">
-                <a16:creationId xmlns:a16="http://schemas.microsoft.com/office/drawing/2014/main" id="{F6EA6A94-3018-41BB-9FDE-D080414DD047}"/>
+          <p:cNvPr id="2" name="Titre 1">
+            <a:extLst>
+              <a:ext uri="{FF2B5EF4-FFF2-40B4-BE49-F238E27FC236}">
+                <a16:creationId xmlns:a16="http://schemas.microsoft.com/office/drawing/2014/main" id="{D140CA50-005D-4391-A9E1-17ECEE822518}"/>
               </a:ext>
             </a:extLst>
           </p:cNvPr>
@@ -3421,7 +4030,7 @@
         <p:spPr>
           <a:xfrm>
             <a:off x="839788" y="457200"/>
-            <a:ext cx="4576274" cy="1600200"/>
+            <a:ext cx="6172200" cy="1600200"/>
           </a:xfrm>
         </p:spPr>
         <p:txBody>
@@ -3430,17 +4039,42 @@
           <a:p>
             <a:r>
               <a:rPr lang="fr-FR" dirty="0"/>
-              <a:t>Les parasites des animaux</a:t>
+              <a:t>Comment éviter d’en arriver là !</a:t>
             </a:r>
+          </a:p>
+        </p:txBody>
+      </p:sp>
+      <p:sp>
+        <p:nvSpPr>
+          <p:cNvPr id="4" name="Espace réservé du texte 3">
+            <a:extLst>
+              <a:ext uri="{FF2B5EF4-FFF2-40B4-BE49-F238E27FC236}">
+                <a16:creationId xmlns:a16="http://schemas.microsoft.com/office/drawing/2014/main" id="{0C1A35F6-F08C-49CC-B2C7-D87D9B78FFFB}"/>
+              </a:ext>
+            </a:extLst>
+          </p:cNvPr>
+          <p:cNvSpPr>
+            <a:spLocks noGrp="1"/>
+          </p:cNvSpPr>
+          <p:nvPr>
+            <p:ph type="body" sz="half" idx="2"/>
+          </p:nvPr>
+        </p:nvSpPr>
+        <p:spPr/>
+        <p:txBody>
+          <a:bodyPr/>
+          <a:lstStyle/>
+          <a:p>
+            <a:endParaRPr lang="fr-FR" dirty="0"/>
           </a:p>
         </p:txBody>
       </p:sp>
       <p:pic>
         <p:nvPicPr>
-          <p:cNvPr id="9" name="Espace réservé pour une image  8">
-            <a:extLst>
-              <a:ext uri="{FF2B5EF4-FFF2-40B4-BE49-F238E27FC236}">
-                <a16:creationId xmlns:a16="http://schemas.microsoft.com/office/drawing/2014/main" id="{B41B72E0-EA54-4C2F-A1DF-E62130662CD7}"/>
+          <p:cNvPr id="18" name="Espace réservé pour une image  17">
+            <a:extLst>
+              <a:ext uri="{FF2B5EF4-FFF2-40B4-BE49-F238E27FC236}">
+                <a16:creationId xmlns:a16="http://schemas.microsoft.com/office/drawing/2014/main" id="{A9FDF3B5-C2D3-4685-A527-AEEA649354FA}"/>
               </a:ext>
             </a:extLst>
           </p:cNvPr>
@@ -3469,47 +4103,10 @@
         </p:blipFill>
         <p:spPr/>
       </p:pic>
-      <p:sp>
-        <p:nvSpPr>
-          <p:cNvPr id="6" name="Espace réservé du texte 5">
-            <a:extLst>
-              <a:ext uri="{FF2B5EF4-FFF2-40B4-BE49-F238E27FC236}">
-                <a16:creationId xmlns:a16="http://schemas.microsoft.com/office/drawing/2014/main" id="{0E13C185-2DE5-4726-8D11-1019F8164F74}"/>
-              </a:ext>
-            </a:extLst>
-          </p:cNvPr>
-          <p:cNvSpPr>
-            <a:spLocks noGrp="1"/>
-          </p:cNvSpPr>
-          <p:nvPr>
-            <p:ph type="body" sz="half" idx="2"/>
-          </p:nvPr>
-        </p:nvSpPr>
-        <p:spPr>
-          <a:xfrm>
-            <a:off x="839788" y="2532184"/>
-            <a:ext cx="3932237" cy="3336803"/>
-          </a:xfrm>
-        </p:spPr>
-        <p:txBody>
-          <a:bodyPr>
-            <a:normAutofit/>
-          </a:bodyPr>
-          <a:lstStyle/>
-          <a:p>
-            <a:r>
-              <a:rPr lang="fr-FR" sz="2800" dirty="0">
-                <a:latin typeface="+mj-lt"/>
-              </a:rPr>
-              <a:t>Tous les animaux sont naturellement infestés par des parasites</a:t>
-            </a:r>
-          </a:p>
-        </p:txBody>
-      </p:sp>
     </p:spTree>
     <p:extLst>
       <p:ext uri="{BB962C8B-B14F-4D97-AF65-F5344CB8AC3E}">
-        <p14:creationId xmlns:p14="http://schemas.microsoft.com/office/powerpoint/2010/main" val="4240075135"/>
+        <p14:creationId xmlns:p14="http://schemas.microsoft.com/office/powerpoint/2010/main" val="903355822"/>
       </p:ext>
     </p:extLst>
   </p:cSld>
@@ -3518,12 +4115,493 @@
   </p:clrMapOvr>
   <mc:AlternateContent xmlns:mc="http://schemas.openxmlformats.org/markup-compatibility/2006">
     <mc:Choice xmlns:p14="http://schemas.microsoft.com/office/powerpoint/2010/main" Requires="p14">
-      <p:transition spd="med" p14:dur="700">
+      <p:transition spd="med" p14:dur="700" advTm="3000">
         <p:fade/>
       </p:transition>
     </mc:Choice>
     <mc:Fallback>
-      <p:transition spd="med">
+      <p:transition spd="med" advTm="3000">
+        <p:fade/>
+      </p:transition>
+    </mc:Fallback>
+  </mc:AlternateContent>
+</p:sld>
+</file>
+
+<file path=ppt/slides/slide11.xml><?xml version="1.0" encoding="utf-8"?>
+<p:sld xmlns:a="http://schemas.openxmlformats.org/drawingml/2006/main" xmlns:r="http://schemas.openxmlformats.org/officeDocument/2006/relationships" xmlns:p="http://schemas.openxmlformats.org/presentationml/2006/main">
+  <p:cSld>
+    <p:spTree>
+      <p:nvGrpSpPr>
+        <p:cNvPr id="1" name=""/>
+        <p:cNvGrpSpPr/>
+        <p:nvPr/>
+      </p:nvGrpSpPr>
+      <p:grpSpPr>
+        <a:xfrm>
+          <a:off x="0" y="0"/>
+          <a:ext cx="0" cy="0"/>
+          <a:chOff x="0" y="0"/>
+          <a:chExt cx="0" cy="0"/>
+        </a:xfrm>
+      </p:grpSpPr>
+      <p:sp>
+        <p:nvSpPr>
+          <p:cNvPr id="2" name="Titre 1">
+            <a:extLst>
+              <a:ext uri="{FF2B5EF4-FFF2-40B4-BE49-F238E27FC236}">
+                <a16:creationId xmlns:a16="http://schemas.microsoft.com/office/drawing/2014/main" id="{8A1A8ACD-5C79-4DA9-8B75-E8F97EF47377}"/>
+              </a:ext>
+            </a:extLst>
+          </p:cNvPr>
+          <p:cNvSpPr>
+            <a:spLocks noGrp="1"/>
+          </p:cNvSpPr>
+          <p:nvPr>
+            <p:ph type="title"/>
+          </p:nvPr>
+        </p:nvSpPr>
+        <p:spPr>
+          <a:xfrm>
+            <a:off x="839788" y="457200"/>
+            <a:ext cx="5053012" cy="1600200"/>
+          </a:xfrm>
+        </p:spPr>
+        <p:txBody>
+          <a:bodyPr/>
+          <a:lstStyle/>
+          <a:p>
+            <a:r>
+              <a:rPr lang="fr-FR" dirty="0"/>
+              <a:t>Il faut limiter les infestations</a:t>
+            </a:r>
+          </a:p>
+        </p:txBody>
+      </p:sp>
+      <p:sp>
+        <p:nvSpPr>
+          <p:cNvPr id="4" name="Espace réservé du texte 3">
+            <a:extLst>
+              <a:ext uri="{FF2B5EF4-FFF2-40B4-BE49-F238E27FC236}">
+                <a16:creationId xmlns:a16="http://schemas.microsoft.com/office/drawing/2014/main" id="{6F087346-8C3C-4773-834F-C47E0307811F}"/>
+              </a:ext>
+            </a:extLst>
+          </p:cNvPr>
+          <p:cNvSpPr>
+            <a:spLocks noGrp="1"/>
+          </p:cNvSpPr>
+          <p:nvPr>
+            <p:ph type="body" sz="half" idx="2"/>
+          </p:nvPr>
+        </p:nvSpPr>
+        <p:spPr/>
+        <p:txBody>
+          <a:bodyPr/>
+          <a:lstStyle/>
+          <a:p>
+            <a:endParaRPr lang="fr-FR" dirty="0"/>
+          </a:p>
+        </p:txBody>
+      </p:sp>
+      <p:pic>
+        <p:nvPicPr>
+          <p:cNvPr id="9" name="Espace réservé pour une image  8">
+            <a:extLst>
+              <a:ext uri="{FF2B5EF4-FFF2-40B4-BE49-F238E27FC236}">
+                <a16:creationId xmlns:a16="http://schemas.microsoft.com/office/drawing/2014/main" id="{8F87C55A-2AEA-48B2-8783-093BD450FF98}"/>
+              </a:ext>
+            </a:extLst>
+          </p:cNvPr>
+          <p:cNvPicPr>
+            <a:picLocks noGrp="1" noChangeAspect="1"/>
+          </p:cNvPicPr>
+          <p:nvPr>
+            <p:ph type="pic" idx="1"/>
+          </p:nvPr>
+        </p:nvPicPr>
+        <p:blipFill>
+          <a:blip r:embed="rId3">
+            <a:extLst>
+              <a:ext uri="{28A0092B-C50C-407E-A947-70E740481C1C}">
+                <a14:useLocalDpi xmlns:a14="http://schemas.microsoft.com/office/drawing/2010/main" val="0"/>
+              </a:ext>
+              <a:ext uri="{96DAC541-7B7A-43D3-8B79-37D633B846F1}">
+                <asvg:svgBlip xmlns:asvg="http://schemas.microsoft.com/office/drawing/2016/SVG/main" r:embed="rId4"/>
+              </a:ext>
+            </a:extLst>
+          </a:blip>
+          <a:srcRect l="9" r="9"/>
+          <a:stretch>
+            <a:fillRect/>
+          </a:stretch>
+        </p:blipFill>
+        <p:spPr/>
+      </p:pic>
+      <p:sp>
+        <p:nvSpPr>
+          <p:cNvPr id="11" name="ZoneTexte 10">
+            <a:extLst>
+              <a:ext uri="{FF2B5EF4-FFF2-40B4-BE49-F238E27FC236}">
+                <a16:creationId xmlns:a16="http://schemas.microsoft.com/office/drawing/2014/main" id="{CD7D7CDE-0FCF-4E5C-9AEE-8BD154F0AF28}"/>
+              </a:ext>
+            </a:extLst>
+          </p:cNvPr>
+          <p:cNvSpPr txBox="1"/>
+          <p:nvPr/>
+        </p:nvSpPr>
+        <p:spPr>
+          <a:xfrm>
+            <a:off x="6868664" y="5422209"/>
+            <a:ext cx="2313647" cy="369332"/>
+          </a:xfrm>
+          <a:prstGeom prst="rect">
+            <a:avLst/>
+          </a:prstGeom>
+          <a:noFill/>
+        </p:spPr>
+        <p:txBody>
+          <a:bodyPr wrap="none" rtlCol="0">
+            <a:spAutoFit/>
+          </a:bodyPr>
+          <a:lstStyle/>
+          <a:p>
+            <a:r>
+              <a:rPr lang="fr-FR" dirty="0"/>
+              <a:t>Immunité du troupeau</a:t>
+            </a:r>
+          </a:p>
+        </p:txBody>
+      </p:sp>
+      <p:grpSp>
+        <p:nvGrpSpPr>
+          <p:cNvPr id="19" name="Groupe 18">
+            <a:extLst>
+              <a:ext uri="{FF2B5EF4-FFF2-40B4-BE49-F238E27FC236}">
+                <a16:creationId xmlns:a16="http://schemas.microsoft.com/office/drawing/2014/main" id="{A6DD7244-BD41-4379-9F1E-BBB5C0B05E2E}"/>
+              </a:ext>
+            </a:extLst>
+          </p:cNvPr>
+          <p:cNvGrpSpPr/>
+          <p:nvPr/>
+        </p:nvGrpSpPr>
+        <p:grpSpPr>
+          <a:xfrm>
+            <a:off x="7488459" y="2036422"/>
+            <a:ext cx="3001097" cy="762000"/>
+            <a:chOff x="7488459" y="2036422"/>
+            <a:chExt cx="3001097" cy="762000"/>
+          </a:xfrm>
+        </p:grpSpPr>
+        <p:sp>
+          <p:nvSpPr>
+            <p:cNvPr id="10" name="ZoneTexte 9">
+              <a:extLst>
+                <a:ext uri="{FF2B5EF4-FFF2-40B4-BE49-F238E27FC236}">
+                  <a16:creationId xmlns:a16="http://schemas.microsoft.com/office/drawing/2014/main" id="{FF8EF1C1-505E-41EA-A840-95BB251AA04E}"/>
+                </a:ext>
+              </a:extLst>
+            </p:cNvPr>
+            <p:cNvSpPr txBox="1"/>
+            <p:nvPr/>
+          </p:nvSpPr>
+          <p:spPr>
+            <a:xfrm>
+              <a:off x="7488459" y="2232756"/>
+              <a:ext cx="2163541" cy="369332"/>
+            </a:xfrm>
+            <a:prstGeom prst="rect">
+              <a:avLst/>
+            </a:prstGeom>
+            <a:noFill/>
+          </p:spPr>
+          <p:txBody>
+            <a:bodyPr wrap="none" rtlCol="0">
+              <a:spAutoFit/>
+            </a:bodyPr>
+            <a:lstStyle/>
+            <a:p>
+              <a:r>
+                <a:rPr lang="fr-FR" dirty="0"/>
+                <a:t>Rotation de pâturage</a:t>
+              </a:r>
+            </a:p>
+          </p:txBody>
+        </p:sp>
+        <p:pic>
+          <p:nvPicPr>
+            <p:cNvPr id="14" name="Graphique 13">
+              <a:extLst>
+                <a:ext uri="{FF2B5EF4-FFF2-40B4-BE49-F238E27FC236}">
+                  <a16:creationId xmlns:a16="http://schemas.microsoft.com/office/drawing/2014/main" id="{61E70AC9-291A-4D85-A501-5A2C22583525}"/>
+                </a:ext>
+              </a:extLst>
+            </p:cNvPr>
+            <p:cNvPicPr>
+              <a:picLocks noChangeAspect="1"/>
+            </p:cNvPicPr>
+            <p:nvPr/>
+          </p:nvPicPr>
+          <p:blipFill>
+            <a:blip r:embed="rId5">
+              <a:extLst>
+                <a:ext uri="{96DAC541-7B7A-43D3-8B79-37D633B846F1}">
+                  <asvg:svgBlip xmlns:asvg="http://schemas.microsoft.com/office/drawing/2016/SVG/main" r:embed="rId6"/>
+                </a:ext>
+              </a:extLst>
+            </a:blip>
+            <a:stretch>
+              <a:fillRect/>
+            </a:stretch>
+          </p:blipFill>
+          <p:spPr>
+            <a:xfrm>
+              <a:off x="9651356" y="2036422"/>
+              <a:ext cx="838200" cy="762000"/>
+            </a:xfrm>
+            <a:prstGeom prst="rect">
+              <a:avLst/>
+            </a:prstGeom>
+          </p:spPr>
+        </p:pic>
+      </p:grpSp>
+      <p:grpSp>
+        <p:nvGrpSpPr>
+          <p:cNvPr id="21" name="Groupe 20">
+            <a:extLst>
+              <a:ext uri="{FF2B5EF4-FFF2-40B4-BE49-F238E27FC236}">
+                <a16:creationId xmlns:a16="http://schemas.microsoft.com/office/drawing/2014/main" id="{2D02CAD2-DE14-4BE9-BDE6-64B6747B68FC}"/>
+              </a:ext>
+            </a:extLst>
+          </p:cNvPr>
+          <p:cNvGrpSpPr/>
+          <p:nvPr/>
+        </p:nvGrpSpPr>
+        <p:grpSpPr>
+          <a:xfrm>
+            <a:off x="9698618" y="4024166"/>
+            <a:ext cx="1653594" cy="1188256"/>
+            <a:chOff x="9698618" y="4024166"/>
+            <a:chExt cx="1653594" cy="1188256"/>
+          </a:xfrm>
+        </p:grpSpPr>
+        <p:sp>
+          <p:nvSpPr>
+            <p:cNvPr id="12" name="ZoneTexte 11">
+              <a:extLst>
+                <a:ext uri="{FF2B5EF4-FFF2-40B4-BE49-F238E27FC236}">
+                  <a16:creationId xmlns:a16="http://schemas.microsoft.com/office/drawing/2014/main" id="{D7A82DC3-0373-4631-B79D-4A8F9079FFC4}"/>
+                </a:ext>
+              </a:extLst>
+            </p:cNvPr>
+            <p:cNvSpPr txBox="1"/>
+            <p:nvPr/>
+          </p:nvSpPr>
+          <p:spPr>
+            <a:xfrm>
+              <a:off x="9698618" y="4024166"/>
+              <a:ext cx="1653594" cy="369332"/>
+            </a:xfrm>
+            <a:prstGeom prst="rect">
+              <a:avLst/>
+            </a:prstGeom>
+            <a:noFill/>
+          </p:spPr>
+          <p:txBody>
+            <a:bodyPr wrap="none" rtlCol="0">
+              <a:spAutoFit/>
+            </a:bodyPr>
+            <a:lstStyle/>
+            <a:p>
+              <a:r>
+                <a:rPr lang="fr-FR" dirty="0"/>
+                <a:t>Plantes à tanins</a:t>
+              </a:r>
+            </a:p>
+          </p:txBody>
+        </p:sp>
+        <p:pic>
+          <p:nvPicPr>
+            <p:cNvPr id="15" name="Graphique 14">
+              <a:extLst>
+                <a:ext uri="{FF2B5EF4-FFF2-40B4-BE49-F238E27FC236}">
+                  <a16:creationId xmlns:a16="http://schemas.microsoft.com/office/drawing/2014/main" id="{7510C682-FD1C-44F7-9955-1C803FD2587C}"/>
+                </a:ext>
+              </a:extLst>
+            </p:cNvPr>
+            <p:cNvPicPr>
+              <a:picLocks noChangeAspect="1"/>
+            </p:cNvPicPr>
+            <p:nvPr/>
+          </p:nvPicPr>
+          <p:blipFill>
+            <a:blip r:embed="rId7">
+              <a:extLst>
+                <a:ext uri="{96DAC541-7B7A-43D3-8B79-37D633B846F1}">
+                  <asvg:svgBlip xmlns:asvg="http://schemas.microsoft.com/office/drawing/2016/SVG/main" r:embed="rId8"/>
+                </a:ext>
+              </a:extLst>
+            </a:blip>
+            <a:stretch>
+              <a:fillRect/>
+            </a:stretch>
+          </p:blipFill>
+          <p:spPr>
+            <a:xfrm>
+              <a:off x="10311102" y="4345647"/>
+              <a:ext cx="428625" cy="866775"/>
+            </a:xfrm>
+            <a:prstGeom prst="rect">
+              <a:avLst/>
+            </a:prstGeom>
+          </p:spPr>
+        </p:pic>
+      </p:grpSp>
+      <p:grpSp>
+        <p:nvGrpSpPr>
+          <p:cNvPr id="20" name="Groupe 19">
+            <a:extLst>
+              <a:ext uri="{FF2B5EF4-FFF2-40B4-BE49-F238E27FC236}">
+                <a16:creationId xmlns:a16="http://schemas.microsoft.com/office/drawing/2014/main" id="{DD7A0010-F585-4EE1-AFEB-D78756B4F4AA}"/>
+              </a:ext>
+            </a:extLst>
+          </p:cNvPr>
+          <p:cNvGrpSpPr/>
+          <p:nvPr/>
+        </p:nvGrpSpPr>
+        <p:grpSpPr>
+          <a:xfrm>
+            <a:off x="5531113" y="3489973"/>
+            <a:ext cx="1597631" cy="1184865"/>
+            <a:chOff x="5531113" y="3489973"/>
+            <a:chExt cx="1597631" cy="1184865"/>
+          </a:xfrm>
+        </p:grpSpPr>
+        <p:sp>
+          <p:nvSpPr>
+            <p:cNvPr id="13" name="ZoneTexte 12">
+              <a:extLst>
+                <a:ext uri="{FF2B5EF4-FFF2-40B4-BE49-F238E27FC236}">
+                  <a16:creationId xmlns:a16="http://schemas.microsoft.com/office/drawing/2014/main" id="{662A9908-1841-4DDE-B9A3-2C51B8735AF6}"/>
+                </a:ext>
+              </a:extLst>
+            </p:cNvPr>
+            <p:cNvSpPr txBox="1"/>
+            <p:nvPr/>
+          </p:nvSpPr>
+          <p:spPr>
+            <a:xfrm>
+              <a:off x="5534525" y="3489973"/>
+              <a:ext cx="1594219" cy="369332"/>
+            </a:xfrm>
+            <a:prstGeom prst="rect">
+              <a:avLst/>
+            </a:prstGeom>
+            <a:noFill/>
+          </p:spPr>
+          <p:txBody>
+            <a:bodyPr wrap="none" rtlCol="0">
+              <a:spAutoFit/>
+            </a:bodyPr>
+            <a:lstStyle/>
+            <a:p>
+              <a:r>
+                <a:rPr lang="fr-FR" dirty="0"/>
+                <a:t>Pâturage mixte</a:t>
+              </a:r>
+            </a:p>
+          </p:txBody>
+        </p:sp>
+        <p:pic>
+          <p:nvPicPr>
+            <p:cNvPr id="16" name="Graphique 15">
+              <a:extLst>
+                <a:ext uri="{FF2B5EF4-FFF2-40B4-BE49-F238E27FC236}">
+                  <a16:creationId xmlns:a16="http://schemas.microsoft.com/office/drawing/2014/main" id="{20CC79E5-F956-440D-A1FB-6272AF346B7E}"/>
+                </a:ext>
+              </a:extLst>
+            </p:cNvPr>
+            <p:cNvPicPr>
+              <a:picLocks noChangeAspect="1"/>
+            </p:cNvPicPr>
+            <p:nvPr/>
+          </p:nvPicPr>
+          <p:blipFill>
+            <a:blip r:embed="rId9">
+              <a:extLst>
+                <a:ext uri="{96DAC541-7B7A-43D3-8B79-37D633B846F1}">
+                  <asvg:svgBlip xmlns:asvg="http://schemas.microsoft.com/office/drawing/2016/SVG/main" r:embed="rId10"/>
+                </a:ext>
+              </a:extLst>
+            </a:blip>
+            <a:stretch>
+              <a:fillRect/>
+            </a:stretch>
+          </p:blipFill>
+          <p:spPr>
+            <a:xfrm>
+              <a:off x="5531113" y="3817588"/>
+              <a:ext cx="1590675" cy="857250"/>
+            </a:xfrm>
+            <a:prstGeom prst="rect">
+              <a:avLst/>
+            </a:prstGeom>
+          </p:spPr>
+        </p:pic>
+      </p:grpSp>
+      <p:pic>
+        <p:nvPicPr>
+          <p:cNvPr id="18" name="Graphique 17">
+            <a:extLst>
+              <a:ext uri="{FF2B5EF4-FFF2-40B4-BE49-F238E27FC236}">
+                <a16:creationId xmlns:a16="http://schemas.microsoft.com/office/drawing/2014/main" id="{86E48CD1-19AC-4DB5-902D-42F7F60B4386}"/>
+              </a:ext>
+            </a:extLst>
+          </p:cNvPr>
+          <p:cNvPicPr>
+            <a:picLocks noChangeAspect="1"/>
+          </p:cNvPicPr>
+          <p:nvPr/>
+        </p:nvPicPr>
+        <p:blipFill>
+          <a:blip r:embed="rId11">
+            <a:extLst>
+              <a:ext uri="{96DAC541-7B7A-43D3-8B79-37D633B846F1}">
+                <asvg:svgBlip xmlns:asvg="http://schemas.microsoft.com/office/drawing/2016/SVG/main" r:embed="rId12"/>
+              </a:ext>
+            </a:extLst>
+          </a:blip>
+          <a:stretch>
+            <a:fillRect/>
+          </a:stretch>
+        </p:blipFill>
+        <p:spPr>
+          <a:xfrm>
+            <a:off x="7763941" y="5814683"/>
+            <a:ext cx="523092" cy="670442"/>
+          </a:xfrm>
+          <a:prstGeom prst="rect">
+            <a:avLst/>
+          </a:prstGeom>
+        </p:spPr>
+      </p:pic>
+    </p:spTree>
+    <p:extLst>
+      <p:ext uri="{BB962C8B-B14F-4D97-AF65-F5344CB8AC3E}">
+        <p14:creationId xmlns:p14="http://schemas.microsoft.com/office/powerpoint/2010/main" val="2002396313"/>
+      </p:ext>
+    </p:extLst>
+  </p:cSld>
+  <p:clrMapOvr>
+    <a:masterClrMapping/>
+  </p:clrMapOvr>
+  <mc:AlternateContent xmlns:mc="http://schemas.openxmlformats.org/markup-compatibility/2006">
+    <mc:Choice xmlns:p14="http://schemas.microsoft.com/office/powerpoint/2010/main" Requires="p14">
+      <p:transition spd="med" p14:dur="700" advTm="7000">
+        <p:fade/>
+      </p:transition>
+    </mc:Choice>
+    <mc:Fallback>
+      <p:transition spd="med" advTm="7000">
         <p:fade/>
       </p:transition>
     </mc:Fallback>
@@ -3549,7 +4627,7 @@
                             </p:stCondLst>
                             <p:childTnLst>
                               <p:par>
-                                <p:cTn id="5" presetID="10" presetClass="entr" presetSubtype="0" fill="hold" grpId="0" nodeType="clickEffect">
+                                <p:cTn id="5" presetID="22" presetClass="entr" presetSubtype="8" fill="hold" nodeType="clickEffect">
                                   <p:stCondLst>
                                     <p:cond delay="0"/>
                                   </p:stCondLst>
@@ -3562,11 +4640,7 @@
                                           </p:stCondLst>
                                         </p:cTn>
                                         <p:tgtEl>
-                                          <p:spTgt spid="6">
-                                            <p:txEl>
-                                              <p:pRg st="0" end="0"/>
-                                            </p:txEl>
-                                          </p:spTgt>
+                                          <p:spTgt spid="19"/>
                                         </p:tgtEl>
                                         <p:attrNameLst>
                                           <p:attrName>style.visibility</p:attrName>
@@ -3576,15 +4650,11 @@
                                         <p:strVal val="visible"/>
                                       </p:to>
                                     </p:set>
-                                    <p:animEffect transition="in" filter="fade">
+                                    <p:animEffect transition="in" filter="wipe(left)">
                                       <p:cBhvr>
                                         <p:cTn id="7" dur="500"/>
                                         <p:tgtEl>
-                                          <p:spTgt spid="6">
-                                            <p:txEl>
-                                              <p:pRg st="0" end="0"/>
-                                            </p:txEl>
-                                          </p:spTgt>
+                                          <p:spTgt spid="19"/>
                                         </p:tgtEl>
                                       </p:cBhvr>
                                     </p:animEffect>
@@ -3610,7 +4680,7 @@
                             </p:stCondLst>
                             <p:childTnLst>
                               <p:par>
-                                <p:cTn id="10" presetID="10" presetClass="entr" presetSubtype="0" fill="hold" nodeType="clickEffect">
+                                <p:cTn id="10" presetID="22" presetClass="entr" presetSubtype="1" fill="hold" nodeType="clickEffect">
                                   <p:stCondLst>
                                     <p:cond delay="0"/>
                                   </p:stCondLst>
@@ -3623,7 +4693,7 @@
                                           </p:stCondLst>
                                         </p:cTn>
                                         <p:tgtEl>
-                                          <p:spTgt spid="9"/>
+                                          <p:spTgt spid="20"/>
                                         </p:tgtEl>
                                         <p:attrNameLst>
                                           <p:attrName>style.visibility</p:attrName>
@@ -3633,11 +4703,152 @@
                                         <p:strVal val="visible"/>
                                       </p:to>
                                     </p:set>
-                                    <p:animEffect transition="in" filter="fade">
+                                    <p:animEffect transition="in" filter="wipe(up)">
                                       <p:cBhvr>
                                         <p:cTn id="12" dur="500"/>
                                         <p:tgtEl>
-                                          <p:spTgt spid="9"/>
+                                          <p:spTgt spid="20"/>
+                                        </p:tgtEl>
+                                      </p:cBhvr>
+                                    </p:animEffect>
+                                  </p:childTnLst>
+                                </p:cTn>
+                              </p:par>
+                            </p:childTnLst>
+                          </p:cTn>
+                        </p:par>
+                      </p:childTnLst>
+                    </p:cTn>
+                  </p:par>
+                  <p:par>
+                    <p:cTn id="13" fill="hold">
+                      <p:stCondLst>
+                        <p:cond delay="indefinite"/>
+                      </p:stCondLst>
+                      <p:childTnLst>
+                        <p:par>
+                          <p:cTn id="14" fill="hold">
+                            <p:stCondLst>
+                              <p:cond delay="0"/>
+                            </p:stCondLst>
+                            <p:childTnLst>
+                              <p:par>
+                                <p:cTn id="15" presetID="22" presetClass="entr" presetSubtype="8" fill="hold" grpId="0" nodeType="clickEffect">
+                                  <p:stCondLst>
+                                    <p:cond delay="0"/>
+                                  </p:stCondLst>
+                                  <p:childTnLst>
+                                    <p:set>
+                                      <p:cBhvr>
+                                        <p:cTn id="16" dur="1" fill="hold">
+                                          <p:stCondLst>
+                                            <p:cond delay="0"/>
+                                          </p:stCondLst>
+                                        </p:cTn>
+                                        <p:tgtEl>
+                                          <p:spTgt spid="11"/>
+                                        </p:tgtEl>
+                                        <p:attrNameLst>
+                                          <p:attrName>style.visibility</p:attrName>
+                                        </p:attrNameLst>
+                                      </p:cBhvr>
+                                      <p:to>
+                                        <p:strVal val="visible"/>
+                                      </p:to>
+                                    </p:set>
+                                    <p:animEffect transition="in" filter="wipe(left)">
+                                      <p:cBhvr>
+                                        <p:cTn id="17" dur="500"/>
+                                        <p:tgtEl>
+                                          <p:spTgt spid="11"/>
+                                        </p:tgtEl>
+                                      </p:cBhvr>
+                                    </p:animEffect>
+                                  </p:childTnLst>
+                                </p:cTn>
+                              </p:par>
+                              <p:par>
+                                <p:cTn id="18" presetID="22" presetClass="entr" presetSubtype="8" fill="hold" nodeType="withEffect">
+                                  <p:stCondLst>
+                                    <p:cond delay="0"/>
+                                  </p:stCondLst>
+                                  <p:childTnLst>
+                                    <p:set>
+                                      <p:cBhvr>
+                                        <p:cTn id="19" dur="1" fill="hold">
+                                          <p:stCondLst>
+                                            <p:cond delay="0"/>
+                                          </p:stCondLst>
+                                        </p:cTn>
+                                        <p:tgtEl>
+                                          <p:spTgt spid="18"/>
+                                        </p:tgtEl>
+                                        <p:attrNameLst>
+                                          <p:attrName>style.visibility</p:attrName>
+                                        </p:attrNameLst>
+                                      </p:cBhvr>
+                                      <p:to>
+                                        <p:strVal val="visible"/>
+                                      </p:to>
+                                    </p:set>
+                                    <p:animEffect transition="in" filter="wipe(left)">
+                                      <p:cBhvr>
+                                        <p:cTn id="20" dur="500"/>
+                                        <p:tgtEl>
+                                          <p:spTgt spid="18"/>
+                                        </p:tgtEl>
+                                      </p:cBhvr>
+                                    </p:animEffect>
+                                  </p:childTnLst>
+                                </p:cTn>
+                              </p:par>
+                            </p:childTnLst>
+                          </p:cTn>
+                        </p:par>
+                      </p:childTnLst>
+                    </p:cTn>
+                  </p:par>
+                  <p:par>
+                    <p:cTn id="21" fill="hold">
+                      <p:stCondLst>
+                        <p:cond delay="indefinite"/>
+                      </p:stCondLst>
+                      <p:childTnLst>
+                        <p:par>
+                          <p:cTn id="22" fill="hold">
+                            <p:stCondLst>
+                              <p:cond delay="0"/>
+                            </p:stCondLst>
+                            <p:childTnLst>
+                              <p:par>
+                                <p:cTn id="23" presetID="22" presetClass="entr" presetSubtype="1" fill="hold" nodeType="clickEffect">
+                                  <p:stCondLst>
+                                    <p:cond delay="0"/>
+                                  </p:stCondLst>
+                                  <p:childTnLst>
+                                    <p:set>
+                                      <p:cBhvr>
+                                        <p:cTn id="24" dur="1" fill="hold">
+                                          <p:stCondLst>
+                                            <p:cond delay="0"/>
+                                          </p:stCondLst>
+                                        </p:cTn>
+                                        <p:tgtEl>
+                                          <p:spTgt spid="21"/>
+                                        </p:tgtEl>
+                                        <p:attrNameLst>
+                                          <p:attrName>style.visibility</p:attrName>
+                                        </p:attrNameLst>
+                                      </p:cBhvr>
+                                      <p:to>
+                                        <p:strVal val="visible"/>
+                                      </p:to>
+                                    </p:set>
+                                    <p:animEffect transition="in" filter="wipe(up)">
+                                      <p:cBhvr>
+                                        <p:cTn id="25" dur="500"/>
+                                        <p:tgtEl>
+                                          <p:spTgt spid="21"/>
                                         </p:tgtEl>
                                       </p:cBhvr>
                                     </p:animEffect>
@@ -3672,13 +4883,13 @@
       </p:par>
     </p:tnLst>
     <p:bldLst>
-      <p:bldP spid="6" grpId="0" build="p"/>
+      <p:bldP spid="11" grpId="0"/>
     </p:bldLst>
   </p:timing>
 </p:sld>
 </file>
 
-<file path=ppt/slides/slide3.xml><?xml version="1.0" encoding="utf-8"?>
+<file path=ppt/slides/slide12.xml><?xml version="1.0" encoding="utf-8"?>
 <p:sld xmlns:a="http://schemas.openxmlformats.org/drawingml/2006/main" xmlns:r="http://schemas.openxmlformats.org/officeDocument/2006/relationships" xmlns:p="http://schemas.openxmlformats.org/presentationml/2006/main">
   <p:cSld>
     <p:spTree>
@@ -3697,10 +4908,10 @@
       </p:grpSpPr>
       <p:sp>
         <p:nvSpPr>
-          <p:cNvPr id="4" name="Titre 3">
-            <a:extLst>
-              <a:ext uri="{FF2B5EF4-FFF2-40B4-BE49-F238E27FC236}">
-                <a16:creationId xmlns:a16="http://schemas.microsoft.com/office/drawing/2014/main" id="{F6EA6A94-3018-41BB-9FDE-D080414DD047}"/>
+          <p:cNvPr id="2" name="Titre 1">
+            <a:extLst>
+              <a:ext uri="{FF2B5EF4-FFF2-40B4-BE49-F238E27FC236}">
+                <a16:creationId xmlns:a16="http://schemas.microsoft.com/office/drawing/2014/main" id="{306D6E35-B942-4C72-9168-683C1931B5F1}"/>
               </a:ext>
             </a:extLst>
           </p:cNvPr>
@@ -3714,7 +4925,7 @@
         <p:spPr>
           <a:xfrm>
             <a:off x="839788" y="457200"/>
-            <a:ext cx="5916350" cy="1600200"/>
+            <a:ext cx="5111069" cy="1600200"/>
           </a:xfrm>
         </p:spPr>
         <p:txBody>
@@ -3723,54 +4934,25 @@
           <a:p>
             <a:r>
               <a:rPr lang="fr-FR" dirty="0"/>
-              <a:t>Subissent des mutations aléatoires</a:t>
+              <a:t>appréhender la </a:t>
             </a:r>
-          </a:p>
-        </p:txBody>
-      </p:sp>
-      <p:sp>
-        <p:nvSpPr>
-          <p:cNvPr id="6" name="Espace réservé du texte 5">
-            <a:extLst>
-              <a:ext uri="{FF2B5EF4-FFF2-40B4-BE49-F238E27FC236}">
-                <a16:creationId xmlns:a16="http://schemas.microsoft.com/office/drawing/2014/main" id="{0E13C185-2DE5-4726-8D11-1019F8164F74}"/>
-              </a:ext>
-            </a:extLst>
-          </p:cNvPr>
-          <p:cNvSpPr>
-            <a:spLocks noGrp="1"/>
-          </p:cNvSpPr>
-          <p:nvPr>
-            <p:ph type="body" sz="half" idx="2"/>
-          </p:nvPr>
-        </p:nvSpPr>
-        <p:spPr>
-          <a:xfrm>
-            <a:off x="839788" y="2532184"/>
-            <a:ext cx="3932237" cy="3336803"/>
-          </a:xfrm>
-        </p:spPr>
-        <p:txBody>
-          <a:bodyPr>
-            <a:normAutofit/>
-          </a:bodyPr>
-          <a:lstStyle/>
-          <a:p>
             <a:r>
-              <a:rPr lang="fr-FR" sz="2800" dirty="0">
-                <a:latin typeface="+mj-lt"/>
-              </a:rPr>
-              <a:t>Spontanément, apparaît une petite fraction de parasites résistants à certaines molécules.</a:t>
+              <a:rPr lang="fr-FR" dirty="0" err="1"/>
+              <a:t>surdispersion</a:t>
+            </a:r>
+            <a:r>
+              <a:rPr lang="fr-FR" dirty="0"/>
+              <a:t> du parasitisme</a:t>
             </a:r>
           </a:p>
         </p:txBody>
       </p:sp>
       <p:pic>
         <p:nvPicPr>
-          <p:cNvPr id="7" name="Espace réservé pour une image  6">
-            <a:extLst>
-              <a:ext uri="{FF2B5EF4-FFF2-40B4-BE49-F238E27FC236}">
-                <a16:creationId xmlns:a16="http://schemas.microsoft.com/office/drawing/2014/main" id="{11FC55CB-DE31-4DC3-9287-676EFF5FF3FD}"/>
+          <p:cNvPr id="6" name="Espace réservé pour une image  5">
+            <a:extLst>
+              <a:ext uri="{FF2B5EF4-FFF2-40B4-BE49-F238E27FC236}">
+                <a16:creationId xmlns:a16="http://schemas.microsoft.com/office/drawing/2014/main" id="{EB4F5641-0C15-4DC7-AAE9-A1AA9B32AA42}"/>
               </a:ext>
             </a:extLst>
           </p:cNvPr>
@@ -3799,239 +4981,147 @@
         </p:blipFill>
         <p:spPr/>
       </p:pic>
-      <p:grpSp>
-        <p:nvGrpSpPr>
-          <p:cNvPr id="13" name="Groupe 12">
-            <a:extLst>
-              <a:ext uri="{FF2B5EF4-FFF2-40B4-BE49-F238E27FC236}">
-                <a16:creationId xmlns:a16="http://schemas.microsoft.com/office/drawing/2014/main" id="{1B43B4A3-EEE1-4231-8A8A-ACF891041DFD}"/>
-              </a:ext>
-            </a:extLst>
-          </p:cNvPr>
-          <p:cNvGrpSpPr/>
+      <p:sp>
+        <p:nvSpPr>
+          <p:cNvPr id="4" name="Espace réservé du texte 3">
+            <a:extLst>
+              <a:ext uri="{FF2B5EF4-FFF2-40B4-BE49-F238E27FC236}">
+                <a16:creationId xmlns:a16="http://schemas.microsoft.com/office/drawing/2014/main" id="{FDAD8E53-B593-451E-88AF-189DA01C04A8}"/>
+              </a:ext>
+            </a:extLst>
+          </p:cNvPr>
+          <p:cNvSpPr>
+            <a:spLocks noGrp="1"/>
+          </p:cNvSpPr>
+          <p:nvPr>
+            <p:ph type="body" sz="half" idx="2"/>
+          </p:nvPr>
+        </p:nvSpPr>
+        <p:spPr/>
+        <p:txBody>
+          <a:bodyPr/>
+          <a:lstStyle/>
+          <a:p>
+            <a:endParaRPr lang="fr-FR" dirty="0"/>
+          </a:p>
+        </p:txBody>
+      </p:sp>
+      <p:sp>
+        <p:nvSpPr>
+          <p:cNvPr id="7" name="Ellipse 6">
+            <a:extLst>
+              <a:ext uri="{FF2B5EF4-FFF2-40B4-BE49-F238E27FC236}">
+                <a16:creationId xmlns:a16="http://schemas.microsoft.com/office/drawing/2014/main" id="{99CBDE6D-318E-4492-9F65-67336CD2508D}"/>
+              </a:ext>
+            </a:extLst>
+          </p:cNvPr>
+          <p:cNvSpPr/>
           <p:nvPr/>
-        </p:nvGrpSpPr>
-        <p:grpSpPr>
+        </p:nvSpPr>
+        <p:spPr>
           <a:xfrm>
-            <a:off x="6467786" y="2464239"/>
-            <a:ext cx="4160734" cy="2044524"/>
-            <a:chOff x="6467786" y="2464239"/>
-            <a:chExt cx="4160734" cy="2044524"/>
+            <a:off x="5248729" y="1778000"/>
+            <a:ext cx="2171248" cy="1803400"/>
           </a:xfrm>
-        </p:grpSpPr>
-        <p:sp>
-          <p:nvSpPr>
-            <p:cNvPr id="8" name="Ellipse 7">
-              <a:extLst>
-                <a:ext uri="{FF2B5EF4-FFF2-40B4-BE49-F238E27FC236}">
-                  <a16:creationId xmlns:a16="http://schemas.microsoft.com/office/drawing/2014/main" id="{F2184AB9-0A09-4AB9-ABD1-DAE924304159}"/>
-                </a:ext>
-              </a:extLst>
-            </p:cNvPr>
-            <p:cNvSpPr/>
-            <p:nvPr/>
-          </p:nvSpPr>
-          <p:spPr>
-            <a:xfrm>
-              <a:off x="6467786" y="4135901"/>
-              <a:ext cx="288352" cy="275013"/>
-            </a:xfrm>
-            <a:prstGeom prst="ellipse">
-              <a:avLst/>
-            </a:prstGeom>
-            <a:noFill/>
-            <a:ln w="15875">
-              <a:solidFill>
-                <a:srgbClr val="FF0000"/>
-              </a:solidFill>
-            </a:ln>
-          </p:spPr>
-          <p:style>
-            <a:lnRef idx="2">
-              <a:schemeClr val="accent1">
-                <a:shade val="50000"/>
-              </a:schemeClr>
-            </a:lnRef>
-            <a:fillRef idx="1">
-              <a:schemeClr val="accent1"/>
-            </a:fillRef>
-            <a:effectRef idx="0">
-              <a:schemeClr val="accent1"/>
-            </a:effectRef>
-            <a:fontRef idx="minor">
-              <a:schemeClr val="lt1"/>
-            </a:fontRef>
-          </p:style>
-          <p:txBody>
-            <a:bodyPr rtlCol="0" anchor="ctr"/>
-            <a:lstStyle/>
-            <a:p>
-              <a:pPr algn="ctr"/>
-              <a:endParaRPr lang="fr-FR"/>
-            </a:p>
-          </p:txBody>
-        </p:sp>
-        <p:sp>
-          <p:nvSpPr>
-            <p:cNvPr id="10" name="Ellipse 9">
-              <a:extLst>
-                <a:ext uri="{FF2B5EF4-FFF2-40B4-BE49-F238E27FC236}">
-                  <a16:creationId xmlns:a16="http://schemas.microsoft.com/office/drawing/2014/main" id="{3EABB645-15A5-4816-A5F4-1CE35A1F6F44}"/>
-                </a:ext>
-              </a:extLst>
-            </p:cNvPr>
-            <p:cNvSpPr/>
-            <p:nvPr/>
-          </p:nvSpPr>
-          <p:spPr>
-            <a:xfrm>
-              <a:off x="7169774" y="2464239"/>
-              <a:ext cx="288352" cy="275013"/>
-            </a:xfrm>
-            <a:prstGeom prst="ellipse">
-              <a:avLst/>
-            </a:prstGeom>
-            <a:noFill/>
-            <a:ln w="15875">
-              <a:solidFill>
-                <a:srgbClr val="FF0000"/>
-              </a:solidFill>
-            </a:ln>
-          </p:spPr>
-          <p:style>
-            <a:lnRef idx="2">
-              <a:schemeClr val="accent1">
-                <a:shade val="50000"/>
-              </a:schemeClr>
-            </a:lnRef>
-            <a:fillRef idx="1">
-              <a:schemeClr val="accent1"/>
-            </a:fillRef>
-            <a:effectRef idx="0">
-              <a:schemeClr val="accent1"/>
-            </a:effectRef>
-            <a:fontRef idx="minor">
-              <a:schemeClr val="lt1"/>
-            </a:fontRef>
-          </p:style>
-          <p:txBody>
-            <a:bodyPr rtlCol="0" anchor="ctr"/>
-            <a:lstStyle/>
-            <a:p>
-              <a:pPr algn="ctr"/>
-              <a:endParaRPr lang="fr-FR"/>
-            </a:p>
-          </p:txBody>
-        </p:sp>
-        <p:sp>
-          <p:nvSpPr>
-            <p:cNvPr id="11" name="Ellipse 10">
-              <a:extLst>
-                <a:ext uri="{FF2B5EF4-FFF2-40B4-BE49-F238E27FC236}">
-                  <a16:creationId xmlns:a16="http://schemas.microsoft.com/office/drawing/2014/main" id="{B5DECFB2-E504-4FCA-8211-4B525293E1ED}"/>
-                </a:ext>
-              </a:extLst>
-            </p:cNvPr>
-            <p:cNvSpPr/>
-            <p:nvPr/>
-          </p:nvSpPr>
-          <p:spPr>
-            <a:xfrm>
-              <a:off x="8623235" y="4233750"/>
-              <a:ext cx="288352" cy="275013"/>
-            </a:xfrm>
-            <a:prstGeom prst="ellipse">
-              <a:avLst/>
-            </a:prstGeom>
-            <a:noFill/>
-            <a:ln w="15875">
-              <a:solidFill>
-                <a:srgbClr val="FF0000"/>
-              </a:solidFill>
-            </a:ln>
-          </p:spPr>
-          <p:style>
-            <a:lnRef idx="2">
-              <a:schemeClr val="accent1">
-                <a:shade val="50000"/>
-              </a:schemeClr>
-            </a:lnRef>
-            <a:fillRef idx="1">
-              <a:schemeClr val="accent1"/>
-            </a:fillRef>
-            <a:effectRef idx="0">
-              <a:schemeClr val="accent1"/>
-            </a:effectRef>
-            <a:fontRef idx="minor">
-              <a:schemeClr val="lt1"/>
-            </a:fontRef>
-          </p:style>
-          <p:txBody>
-            <a:bodyPr rtlCol="0" anchor="ctr"/>
-            <a:lstStyle/>
-            <a:p>
-              <a:pPr algn="ctr"/>
-              <a:endParaRPr lang="fr-FR"/>
-            </a:p>
-          </p:txBody>
-        </p:sp>
-        <p:sp>
-          <p:nvSpPr>
-            <p:cNvPr id="12" name="Ellipse 11">
-              <a:extLst>
-                <a:ext uri="{FF2B5EF4-FFF2-40B4-BE49-F238E27FC236}">
-                  <a16:creationId xmlns:a16="http://schemas.microsoft.com/office/drawing/2014/main" id="{D937290B-0808-432A-BCE5-8A65517BE112}"/>
-                </a:ext>
-              </a:extLst>
-            </p:cNvPr>
-            <p:cNvSpPr/>
-            <p:nvPr/>
-          </p:nvSpPr>
-          <p:spPr>
-            <a:xfrm>
-              <a:off x="10340168" y="3061994"/>
-              <a:ext cx="288352" cy="275013"/>
-            </a:xfrm>
-            <a:prstGeom prst="ellipse">
-              <a:avLst/>
-            </a:prstGeom>
-            <a:noFill/>
-            <a:ln w="15875">
-              <a:solidFill>
-                <a:srgbClr val="FF0000"/>
-              </a:solidFill>
-            </a:ln>
-          </p:spPr>
-          <p:style>
-            <a:lnRef idx="2">
-              <a:schemeClr val="accent1">
-                <a:shade val="50000"/>
-              </a:schemeClr>
-            </a:lnRef>
-            <a:fillRef idx="1">
-              <a:schemeClr val="accent1"/>
-            </a:fillRef>
-            <a:effectRef idx="0">
-              <a:schemeClr val="accent1"/>
-            </a:effectRef>
-            <a:fontRef idx="minor">
-              <a:schemeClr val="lt1"/>
-            </a:fontRef>
-          </p:style>
-          <p:txBody>
-            <a:bodyPr rtlCol="0" anchor="ctr"/>
-            <a:lstStyle/>
-            <a:p>
-              <a:pPr algn="ctr"/>
-              <a:endParaRPr lang="fr-FR"/>
-            </a:p>
-          </p:txBody>
-        </p:sp>
-      </p:grpSp>
+          <a:prstGeom prst="ellipse">
+            <a:avLst/>
+          </a:prstGeom>
+          <a:solidFill>
+            <a:srgbClr val="FF0000">
+              <a:alpha val="16000"/>
+            </a:srgbClr>
+          </a:solidFill>
+          <a:ln>
+            <a:solidFill>
+              <a:srgbClr val="C00000"/>
+            </a:solidFill>
+          </a:ln>
+        </p:spPr>
+        <p:style>
+          <a:lnRef idx="2">
+            <a:schemeClr val="accent1">
+              <a:shade val="50000"/>
+            </a:schemeClr>
+          </a:lnRef>
+          <a:fillRef idx="1">
+            <a:schemeClr val="accent1"/>
+          </a:fillRef>
+          <a:effectRef idx="0">
+            <a:schemeClr val="accent1"/>
+          </a:effectRef>
+          <a:fontRef idx="minor">
+            <a:schemeClr val="lt1"/>
+          </a:fontRef>
+        </p:style>
+        <p:txBody>
+          <a:bodyPr rtlCol="0" anchor="ctr"/>
+          <a:lstStyle/>
+          <a:p>
+            <a:pPr algn="ctr"/>
+            <a:endParaRPr lang="fr-FR"/>
+          </a:p>
+        </p:txBody>
+      </p:sp>
+      <p:sp>
+        <p:nvSpPr>
+          <p:cNvPr id="8" name="Ellipse 7">
+            <a:extLst>
+              <a:ext uri="{FF2B5EF4-FFF2-40B4-BE49-F238E27FC236}">
+                <a16:creationId xmlns:a16="http://schemas.microsoft.com/office/drawing/2014/main" id="{E2DFD049-D898-40E0-8604-5C02ABF32A07}"/>
+              </a:ext>
+            </a:extLst>
+          </p:cNvPr>
+          <p:cNvSpPr/>
+          <p:nvPr/>
+        </p:nvSpPr>
+        <p:spPr>
+          <a:xfrm>
+            <a:off x="5401129" y="3963194"/>
+            <a:ext cx="2171248" cy="1803400"/>
+          </a:xfrm>
+          <a:prstGeom prst="ellipse">
+            <a:avLst/>
+          </a:prstGeom>
+          <a:solidFill>
+            <a:srgbClr val="FF0000">
+              <a:alpha val="16000"/>
+            </a:srgbClr>
+          </a:solidFill>
+          <a:ln>
+            <a:solidFill>
+              <a:srgbClr val="C00000"/>
+            </a:solidFill>
+          </a:ln>
+        </p:spPr>
+        <p:style>
+          <a:lnRef idx="2">
+            <a:schemeClr val="accent1">
+              <a:shade val="50000"/>
+            </a:schemeClr>
+          </a:lnRef>
+          <a:fillRef idx="1">
+            <a:schemeClr val="accent1"/>
+          </a:fillRef>
+          <a:effectRef idx="0">
+            <a:schemeClr val="accent1"/>
+          </a:effectRef>
+          <a:fontRef idx="minor">
+            <a:schemeClr val="lt1"/>
+          </a:fontRef>
+        </p:style>
+        <p:txBody>
+          <a:bodyPr rtlCol="0" anchor="ctr"/>
+          <a:lstStyle/>
+          <a:p>
+            <a:pPr algn="ctr"/>
+            <a:endParaRPr lang="fr-FR"/>
+          </a:p>
+        </p:txBody>
+      </p:sp>
     </p:spTree>
     <p:extLst>
       <p:ext uri="{BB962C8B-B14F-4D97-AF65-F5344CB8AC3E}">
-        <p14:creationId xmlns:p14="http://schemas.microsoft.com/office/powerpoint/2010/main" val="2376540353"/>
+        <p14:creationId xmlns:p14="http://schemas.microsoft.com/office/powerpoint/2010/main" val="4040151624"/>
       </p:ext>
     </p:extLst>
   </p:cSld>
@@ -4040,12 +5130,12 @@
   </p:clrMapOvr>
   <mc:AlternateContent xmlns:mc="http://schemas.openxmlformats.org/markup-compatibility/2006">
     <mc:Choice xmlns:p14="http://schemas.microsoft.com/office/powerpoint/2010/main" Requires="p14">
-      <p:transition spd="med" p14:dur="700">
+      <p:transition spd="med" p14:dur="700" advTm="6000">
         <p:fade/>
       </p:transition>
     </mc:Choice>
     <mc:Fallback>
-      <p:transition spd="med">
+      <p:transition spd="med" advTm="6000">
         <p:fade/>
       </p:transition>
     </mc:Fallback>
@@ -4071,7 +5161,7 @@
                             </p:stCondLst>
                             <p:childTnLst>
                               <p:par>
-                                <p:cTn id="5" presetID="10" presetClass="entr" presetSubtype="0" fill="hold" grpId="0" nodeType="clickEffect">
+                                <p:cTn id="5" presetID="10" presetClass="entr" presetSubtype="0" fill="hold" nodeType="clickEffect">
                                   <p:stCondLst>
                                     <p:cond delay="0"/>
                                   </p:stCondLst>
@@ -4084,11 +5174,7 @@
                                           </p:stCondLst>
                                         </p:cTn>
                                         <p:tgtEl>
-                                          <p:spTgt spid="6">
-                                            <p:txEl>
-                                              <p:pRg st="0" end="0"/>
-                                            </p:txEl>
-                                          </p:spTgt>
+                                          <p:spTgt spid="6"/>
                                         </p:tgtEl>
                                         <p:attrNameLst>
                                           <p:attrName>style.visibility</p:attrName>
@@ -4102,11 +5188,894 @@
                                       <p:cBhvr>
                                         <p:cTn id="7" dur="500"/>
                                         <p:tgtEl>
-                                          <p:spTgt spid="6">
-                                            <p:txEl>
-                                              <p:pRg st="0" end="0"/>
-                                            </p:txEl>
-                                          </p:spTgt>
+                                          <p:spTgt spid="6"/>
+                                        </p:tgtEl>
+                                      </p:cBhvr>
+                                    </p:animEffect>
+                                  </p:childTnLst>
+                                </p:cTn>
+                              </p:par>
+                            </p:childTnLst>
+                          </p:cTn>
+                        </p:par>
+                      </p:childTnLst>
+                    </p:cTn>
+                  </p:par>
+                  <p:par>
+                    <p:cTn id="8" fill="hold">
+                      <p:stCondLst>
+                        <p:cond delay="indefinite"/>
+                      </p:stCondLst>
+                      <p:childTnLst>
+                        <p:par>
+                          <p:cTn id="9" fill="hold">
+                            <p:stCondLst>
+                              <p:cond delay="0"/>
+                            </p:stCondLst>
+                            <p:childTnLst>
+                              <p:par>
+                                <p:cTn id="10" presetID="10" presetClass="entr" presetSubtype="0" fill="hold" grpId="0" nodeType="clickEffect">
+                                  <p:stCondLst>
+                                    <p:cond delay="0"/>
+                                  </p:stCondLst>
+                                  <p:childTnLst>
+                                    <p:set>
+                                      <p:cBhvr>
+                                        <p:cTn id="11" dur="1" fill="hold">
+                                          <p:stCondLst>
+                                            <p:cond delay="0"/>
+                                          </p:stCondLst>
+                                        </p:cTn>
+                                        <p:tgtEl>
+                                          <p:spTgt spid="7"/>
+                                        </p:tgtEl>
+                                        <p:attrNameLst>
+                                          <p:attrName>style.visibility</p:attrName>
+                                        </p:attrNameLst>
+                                      </p:cBhvr>
+                                      <p:to>
+                                        <p:strVal val="visible"/>
+                                      </p:to>
+                                    </p:set>
+                                    <p:animEffect transition="in" filter="fade">
+                                      <p:cBhvr>
+                                        <p:cTn id="12" dur="500"/>
+                                        <p:tgtEl>
+                                          <p:spTgt spid="7"/>
+                                        </p:tgtEl>
+                                      </p:cBhvr>
+                                    </p:animEffect>
+                                  </p:childTnLst>
+                                </p:cTn>
+                              </p:par>
+                            </p:childTnLst>
+                          </p:cTn>
+                        </p:par>
+                      </p:childTnLst>
+                    </p:cTn>
+                  </p:par>
+                  <p:par>
+                    <p:cTn id="13" fill="hold">
+                      <p:stCondLst>
+                        <p:cond delay="indefinite"/>
+                      </p:stCondLst>
+                      <p:childTnLst>
+                        <p:par>
+                          <p:cTn id="14" fill="hold">
+                            <p:stCondLst>
+                              <p:cond delay="0"/>
+                            </p:stCondLst>
+                            <p:childTnLst>
+                              <p:par>
+                                <p:cTn id="15" presetID="10" presetClass="entr" presetSubtype="0" fill="hold" grpId="0" nodeType="clickEffect">
+                                  <p:stCondLst>
+                                    <p:cond delay="0"/>
+                                  </p:stCondLst>
+                                  <p:childTnLst>
+                                    <p:set>
+                                      <p:cBhvr>
+                                        <p:cTn id="16" dur="1" fill="hold">
+                                          <p:stCondLst>
+                                            <p:cond delay="0"/>
+                                          </p:stCondLst>
+                                        </p:cTn>
+                                        <p:tgtEl>
+                                          <p:spTgt spid="8"/>
+                                        </p:tgtEl>
+                                        <p:attrNameLst>
+                                          <p:attrName>style.visibility</p:attrName>
+                                        </p:attrNameLst>
+                                      </p:cBhvr>
+                                      <p:to>
+                                        <p:strVal val="visible"/>
+                                      </p:to>
+                                    </p:set>
+                                    <p:animEffect transition="in" filter="fade">
+                                      <p:cBhvr>
+                                        <p:cTn id="17" dur="500"/>
+                                        <p:tgtEl>
+                                          <p:spTgt spid="8"/>
+                                        </p:tgtEl>
+                                      </p:cBhvr>
+                                    </p:animEffect>
+                                  </p:childTnLst>
+                                </p:cTn>
+                              </p:par>
+                            </p:childTnLst>
+                          </p:cTn>
+                        </p:par>
+                      </p:childTnLst>
+                    </p:cTn>
+                  </p:par>
+                </p:childTnLst>
+              </p:cTn>
+              <p:prevCondLst>
+                <p:cond evt="onPrev" delay="0">
+                  <p:tgtEl>
+                    <p:sldTgt/>
+                  </p:tgtEl>
+                </p:cond>
+              </p:prevCondLst>
+              <p:nextCondLst>
+                <p:cond evt="onNext" delay="0">
+                  <p:tgtEl>
+                    <p:sldTgt/>
+                  </p:tgtEl>
+                </p:cond>
+              </p:nextCondLst>
+            </p:seq>
+          </p:childTnLst>
+        </p:cTn>
+      </p:par>
+    </p:tnLst>
+    <p:bldLst>
+      <p:bldP spid="7" grpId="0" animBg="1"/>
+      <p:bldP spid="8" grpId="0" animBg="1"/>
+    </p:bldLst>
+  </p:timing>
+</p:sld>
+</file>
+
+<file path=ppt/slides/slide13.xml><?xml version="1.0" encoding="utf-8"?>
+<p:sld xmlns:a="http://schemas.openxmlformats.org/drawingml/2006/main" xmlns:r="http://schemas.openxmlformats.org/officeDocument/2006/relationships" xmlns:p="http://schemas.openxmlformats.org/presentationml/2006/main">
+  <p:cSld>
+    <p:spTree>
+      <p:nvGrpSpPr>
+        <p:cNvPr id="1" name=""/>
+        <p:cNvGrpSpPr/>
+        <p:nvPr/>
+      </p:nvGrpSpPr>
+      <p:grpSpPr>
+        <a:xfrm>
+          <a:off x="0" y="0"/>
+          <a:ext cx="0" cy="0"/>
+          <a:chOff x="0" y="0"/>
+          <a:chExt cx="0" cy="0"/>
+        </a:xfrm>
+      </p:grpSpPr>
+      <p:sp>
+        <p:nvSpPr>
+          <p:cNvPr id="2" name="Titre 1">
+            <a:extLst>
+              <a:ext uri="{FF2B5EF4-FFF2-40B4-BE49-F238E27FC236}">
+                <a16:creationId xmlns:a16="http://schemas.microsoft.com/office/drawing/2014/main" id="{06BEB378-5718-412E-B4F0-5687D75155AF}"/>
+              </a:ext>
+            </a:extLst>
+          </p:cNvPr>
+          <p:cNvSpPr>
+            <a:spLocks noGrp="1"/>
+          </p:cNvSpPr>
+          <p:nvPr>
+            <p:ph type="title"/>
+          </p:nvPr>
+        </p:nvSpPr>
+        <p:spPr>
+          <a:xfrm>
+            <a:off x="839788" y="457200"/>
+            <a:ext cx="10512424" cy="1600200"/>
+          </a:xfrm>
+        </p:spPr>
+        <p:txBody>
+          <a:bodyPr>
+            <a:normAutofit/>
+          </a:bodyPr>
+          <a:lstStyle/>
+          <a:p>
+            <a:r>
+              <a:rPr lang="fr-FR" dirty="0"/>
+              <a:t>en observant les animaux</a:t>
+            </a:r>
+          </a:p>
+        </p:txBody>
+      </p:sp>
+      <p:pic>
+        <p:nvPicPr>
+          <p:cNvPr id="7" name="Espace réservé pour une image  6">
+            <a:extLst>
+              <a:ext uri="{FF2B5EF4-FFF2-40B4-BE49-F238E27FC236}">
+                <a16:creationId xmlns:a16="http://schemas.microsoft.com/office/drawing/2014/main" id="{5B035CEA-53D1-4A62-8543-DD4A991DC043}"/>
+              </a:ext>
+            </a:extLst>
+          </p:cNvPr>
+          <p:cNvPicPr>
+            <a:picLocks noGrp="1" noChangeAspect="1"/>
+          </p:cNvPicPr>
+          <p:nvPr>
+            <p:ph type="pic" idx="1"/>
+          </p:nvPr>
+        </p:nvPicPr>
+        <p:blipFill>
+          <a:blip r:embed="rId2">
+            <a:extLst>
+              <a:ext uri="{28A0092B-C50C-407E-A947-70E740481C1C}">
+                <a14:useLocalDpi xmlns:a14="http://schemas.microsoft.com/office/drawing/2010/main" val="0"/>
+              </a:ext>
+              <a:ext uri="{96DAC541-7B7A-43D3-8B79-37D633B846F1}">
+                <asvg:svgBlip xmlns:asvg="http://schemas.microsoft.com/office/drawing/2016/SVG/main" r:embed="rId3"/>
+              </a:ext>
+            </a:extLst>
+          </a:blip>
+          <a:srcRect l="9" r="9"/>
+          <a:stretch>
+            <a:fillRect/>
+          </a:stretch>
+        </p:blipFill>
+        <p:spPr/>
+      </p:pic>
+      <p:sp>
+        <p:nvSpPr>
+          <p:cNvPr id="4" name="Espace réservé du texte 3">
+            <a:extLst>
+              <a:ext uri="{FF2B5EF4-FFF2-40B4-BE49-F238E27FC236}">
+                <a16:creationId xmlns:a16="http://schemas.microsoft.com/office/drawing/2014/main" id="{50D0B4D9-D1A3-4FB3-A1F2-D9F814C1DD12}"/>
+              </a:ext>
+            </a:extLst>
+          </p:cNvPr>
+          <p:cNvSpPr>
+            <a:spLocks noGrp="1"/>
+          </p:cNvSpPr>
+          <p:nvPr>
+            <p:ph type="body" sz="half" idx="2"/>
+          </p:nvPr>
+        </p:nvSpPr>
+        <p:spPr/>
+        <p:txBody>
+          <a:bodyPr/>
+          <a:lstStyle/>
+          <a:p>
+            <a:endParaRPr lang="fr-FR" dirty="0"/>
+          </a:p>
+        </p:txBody>
+      </p:sp>
+    </p:spTree>
+    <p:extLst>
+      <p:ext uri="{BB962C8B-B14F-4D97-AF65-F5344CB8AC3E}">
+        <p14:creationId xmlns:p14="http://schemas.microsoft.com/office/powerpoint/2010/main" val="2688396917"/>
+      </p:ext>
+    </p:extLst>
+  </p:cSld>
+  <p:clrMapOvr>
+    <a:masterClrMapping/>
+  </p:clrMapOvr>
+  <mc:AlternateContent xmlns:mc="http://schemas.openxmlformats.org/markup-compatibility/2006">
+    <mc:Choice xmlns:p14="http://schemas.microsoft.com/office/powerpoint/2010/main" Requires="p14">
+      <p:transition spd="med" p14:dur="700" advTm="3000">
+        <p:fade/>
+      </p:transition>
+    </mc:Choice>
+    <mc:Fallback>
+      <p:transition spd="med" advTm="3000">
+        <p:fade/>
+      </p:transition>
+    </mc:Fallback>
+  </mc:AlternateContent>
+  <p:timing>
+    <p:tnLst>
+      <p:par>
+        <p:cTn id="1" dur="indefinite" restart="never" nodeType="tmRoot">
+          <p:childTnLst>
+            <p:seq concurrent="1" nextAc="seek">
+              <p:cTn id="2" dur="indefinite" nodeType="mainSeq">
+                <p:childTnLst>
+                  <p:par>
+                    <p:cTn id="3" fill="hold">
+                      <p:stCondLst>
+                        <p:cond delay="indefinite"/>
+                      </p:stCondLst>
+                      <p:childTnLst>
+                        <p:par>
+                          <p:cTn id="4" fill="hold">
+                            <p:stCondLst>
+                              <p:cond delay="0"/>
+                            </p:stCondLst>
+                            <p:childTnLst>
+                              <p:par>
+                                <p:cTn id="5" presetID="10" presetClass="entr" presetSubtype="0" fill="hold" nodeType="clickEffect">
+                                  <p:stCondLst>
+                                    <p:cond delay="0"/>
+                                  </p:stCondLst>
+                                  <p:childTnLst>
+                                    <p:set>
+                                      <p:cBhvr>
+                                        <p:cTn id="6" dur="1" fill="hold">
+                                          <p:stCondLst>
+                                            <p:cond delay="0"/>
+                                          </p:stCondLst>
+                                        </p:cTn>
+                                        <p:tgtEl>
+                                          <p:spTgt spid="7"/>
+                                        </p:tgtEl>
+                                        <p:attrNameLst>
+                                          <p:attrName>style.visibility</p:attrName>
+                                        </p:attrNameLst>
+                                      </p:cBhvr>
+                                      <p:to>
+                                        <p:strVal val="visible"/>
+                                      </p:to>
+                                    </p:set>
+                                    <p:animEffect transition="in" filter="fade">
+                                      <p:cBhvr>
+                                        <p:cTn id="7" dur="500"/>
+                                        <p:tgtEl>
+                                          <p:spTgt spid="7"/>
+                                        </p:tgtEl>
+                                      </p:cBhvr>
+                                    </p:animEffect>
+                                  </p:childTnLst>
+                                </p:cTn>
+                              </p:par>
+                            </p:childTnLst>
+                          </p:cTn>
+                        </p:par>
+                      </p:childTnLst>
+                    </p:cTn>
+                  </p:par>
+                  <p:par>
+                    <p:cTn id="8" fill="hold">
+                      <p:stCondLst>
+                        <p:cond delay="indefinite"/>
+                      </p:stCondLst>
+                      <p:childTnLst>
+                        <p:par>
+                          <p:cTn id="9" fill="hold">
+                            <p:stCondLst>
+                              <p:cond delay="0"/>
+                            </p:stCondLst>
+                            <p:childTnLst>
+                              <p:par>
+                                <p:cTn id="10" presetID="26" presetClass="emph" presetSubtype="0" fill="hold" nodeType="clickEffect">
+                                  <p:stCondLst>
+                                    <p:cond delay="0"/>
+                                  </p:stCondLst>
+                                  <p:childTnLst>
+                                    <p:animEffect transition="out" filter="fade">
+                                      <p:cBhvr>
+                                        <p:cTn id="11" dur="500" tmFilter="0, 0; .2, .5; .8, .5; 1, 0"/>
+                                        <p:tgtEl>
+                                          <p:spTgt spid="7"/>
+                                        </p:tgtEl>
+                                      </p:cBhvr>
+                                    </p:animEffect>
+                                    <p:animScale>
+                                      <p:cBhvr>
+                                        <p:cTn id="12" dur="250" autoRev="1" fill="hold"/>
+                                        <p:tgtEl>
+                                          <p:spTgt spid="7"/>
+                                        </p:tgtEl>
+                                      </p:cBhvr>
+                                      <p:by x="105000" y="105000"/>
+                                    </p:animScale>
+                                  </p:childTnLst>
+                                </p:cTn>
+                              </p:par>
+                            </p:childTnLst>
+                          </p:cTn>
+                        </p:par>
+                      </p:childTnLst>
+                    </p:cTn>
+                  </p:par>
+                </p:childTnLst>
+              </p:cTn>
+              <p:prevCondLst>
+                <p:cond evt="onPrev" delay="0">
+                  <p:tgtEl>
+                    <p:sldTgt/>
+                  </p:tgtEl>
+                </p:cond>
+              </p:prevCondLst>
+              <p:nextCondLst>
+                <p:cond evt="onNext" delay="0">
+                  <p:tgtEl>
+                    <p:sldTgt/>
+                  </p:tgtEl>
+                </p:cond>
+              </p:nextCondLst>
+            </p:seq>
+          </p:childTnLst>
+        </p:cTn>
+      </p:par>
+    </p:tnLst>
+  </p:timing>
+</p:sld>
+</file>
+
+<file path=ppt/slides/slide14.xml><?xml version="1.0" encoding="utf-8"?>
+<p:sld xmlns:a="http://schemas.openxmlformats.org/drawingml/2006/main" xmlns:r="http://schemas.openxmlformats.org/officeDocument/2006/relationships" xmlns:p="http://schemas.openxmlformats.org/presentationml/2006/main">
+  <p:cSld>
+    <p:spTree>
+      <p:nvGrpSpPr>
+        <p:cNvPr id="1" name=""/>
+        <p:cNvGrpSpPr/>
+        <p:nvPr/>
+      </p:nvGrpSpPr>
+      <p:grpSpPr>
+        <a:xfrm>
+          <a:off x="0" y="0"/>
+          <a:ext cx="0" cy="0"/>
+          <a:chOff x="0" y="0"/>
+          <a:chExt cx="0" cy="0"/>
+        </a:xfrm>
+      </p:grpSpPr>
+      <p:sp>
+        <p:nvSpPr>
+          <p:cNvPr id="2" name="Titre 1">
+            <a:extLst>
+              <a:ext uri="{FF2B5EF4-FFF2-40B4-BE49-F238E27FC236}">
+                <a16:creationId xmlns:a16="http://schemas.microsoft.com/office/drawing/2014/main" id="{62075653-AC12-4452-AAE4-72BC2C6075E3}"/>
+              </a:ext>
+            </a:extLst>
+          </p:cNvPr>
+          <p:cNvSpPr>
+            <a:spLocks noGrp="1"/>
+          </p:cNvSpPr>
+          <p:nvPr>
+            <p:ph type="title"/>
+          </p:nvPr>
+        </p:nvSpPr>
+        <p:spPr>
+          <a:xfrm>
+            <a:off x="839788" y="457200"/>
+            <a:ext cx="7331755" cy="1600200"/>
+          </a:xfrm>
+        </p:spPr>
+        <p:txBody>
+          <a:bodyPr/>
+          <a:lstStyle/>
+          <a:p>
+            <a:r>
+              <a:rPr lang="fr-FR" dirty="0"/>
+              <a:t>et par des </a:t>
+            </a:r>
+            <a:r>
+              <a:rPr lang="fr-FR" dirty="0" err="1"/>
+              <a:t>coproscopies</a:t>
+            </a:r>
+            <a:r>
+              <a:rPr lang="fr-FR" dirty="0"/>
+              <a:t> par lot</a:t>
+            </a:r>
+          </a:p>
+        </p:txBody>
+      </p:sp>
+      <p:pic>
+        <p:nvPicPr>
+          <p:cNvPr id="6" name="Espace réservé pour une image  5">
+            <a:extLst>
+              <a:ext uri="{FF2B5EF4-FFF2-40B4-BE49-F238E27FC236}">
+                <a16:creationId xmlns:a16="http://schemas.microsoft.com/office/drawing/2014/main" id="{7A6E13B3-6710-4133-829E-C3CDD4BB7DD7}"/>
+              </a:ext>
+            </a:extLst>
+          </p:cNvPr>
+          <p:cNvPicPr>
+            <a:picLocks noGrp="1" noChangeAspect="1"/>
+          </p:cNvPicPr>
+          <p:nvPr>
+            <p:ph type="pic" idx="1"/>
+          </p:nvPr>
+        </p:nvPicPr>
+        <p:blipFill>
+          <a:blip r:embed="rId2">
+            <a:extLst>
+              <a:ext uri="{28A0092B-C50C-407E-A947-70E740481C1C}">
+                <a14:useLocalDpi xmlns:a14="http://schemas.microsoft.com/office/drawing/2010/main" val="0"/>
+              </a:ext>
+              <a:ext uri="{96DAC541-7B7A-43D3-8B79-37D633B846F1}">
+                <asvg:svgBlip xmlns:asvg="http://schemas.microsoft.com/office/drawing/2016/SVG/main" r:embed="rId3"/>
+              </a:ext>
+            </a:extLst>
+          </a:blip>
+          <a:srcRect l="9" r="9"/>
+          <a:stretch>
+            <a:fillRect/>
+          </a:stretch>
+        </p:blipFill>
+        <p:spPr/>
+      </p:pic>
+      <p:sp>
+        <p:nvSpPr>
+          <p:cNvPr id="4" name="Espace réservé du texte 3">
+            <a:extLst>
+              <a:ext uri="{FF2B5EF4-FFF2-40B4-BE49-F238E27FC236}">
+                <a16:creationId xmlns:a16="http://schemas.microsoft.com/office/drawing/2014/main" id="{7A3541B4-FAF8-49AB-A4A7-0AC9D5C973A1}"/>
+              </a:ext>
+            </a:extLst>
+          </p:cNvPr>
+          <p:cNvSpPr>
+            <a:spLocks noGrp="1"/>
+          </p:cNvSpPr>
+          <p:nvPr>
+            <p:ph type="body" sz="half" idx="2"/>
+          </p:nvPr>
+        </p:nvSpPr>
+        <p:spPr/>
+        <p:txBody>
+          <a:bodyPr/>
+          <a:lstStyle/>
+          <a:p>
+            <a:endParaRPr lang="fr-FR"/>
+          </a:p>
+        </p:txBody>
+      </p:sp>
+    </p:spTree>
+    <p:extLst>
+      <p:ext uri="{BB962C8B-B14F-4D97-AF65-F5344CB8AC3E}">
+        <p14:creationId xmlns:p14="http://schemas.microsoft.com/office/powerpoint/2010/main" val="2107633110"/>
+      </p:ext>
+    </p:extLst>
+  </p:cSld>
+  <p:clrMapOvr>
+    <a:masterClrMapping/>
+  </p:clrMapOvr>
+  <mc:AlternateContent xmlns:mc="http://schemas.openxmlformats.org/markup-compatibility/2006">
+    <mc:Choice xmlns:p14="http://schemas.microsoft.com/office/powerpoint/2010/main" Requires="p14">
+      <p:transition spd="med" p14:dur="700" advTm="3000">
+        <p:fade/>
+      </p:transition>
+    </mc:Choice>
+    <mc:Fallback>
+      <p:transition spd="med" advTm="3000">
+        <p:fade/>
+      </p:transition>
+    </mc:Fallback>
+  </mc:AlternateContent>
+  <p:timing>
+    <p:tnLst>
+      <p:par>
+        <p:cTn id="1" dur="indefinite" restart="never" nodeType="tmRoot">
+          <p:childTnLst>
+            <p:seq concurrent="1" nextAc="seek">
+              <p:cTn id="2" dur="indefinite" nodeType="mainSeq">
+                <p:childTnLst>
+                  <p:par>
+                    <p:cTn id="3" fill="hold">
+                      <p:stCondLst>
+                        <p:cond delay="indefinite"/>
+                      </p:stCondLst>
+                      <p:childTnLst>
+                        <p:par>
+                          <p:cTn id="4" fill="hold">
+                            <p:stCondLst>
+                              <p:cond delay="0"/>
+                            </p:stCondLst>
+                            <p:childTnLst>
+                              <p:par>
+                                <p:cTn id="5" presetID="10" presetClass="entr" presetSubtype="0" fill="hold" nodeType="clickEffect">
+                                  <p:stCondLst>
+                                    <p:cond delay="0"/>
+                                  </p:stCondLst>
+                                  <p:childTnLst>
+                                    <p:set>
+                                      <p:cBhvr>
+                                        <p:cTn id="6" dur="1" fill="hold">
+                                          <p:stCondLst>
+                                            <p:cond delay="0"/>
+                                          </p:stCondLst>
+                                        </p:cTn>
+                                        <p:tgtEl>
+                                          <p:spTgt spid="6"/>
+                                        </p:tgtEl>
+                                        <p:attrNameLst>
+                                          <p:attrName>style.visibility</p:attrName>
+                                        </p:attrNameLst>
+                                      </p:cBhvr>
+                                      <p:to>
+                                        <p:strVal val="visible"/>
+                                      </p:to>
+                                    </p:set>
+                                    <p:animEffect transition="in" filter="fade">
+                                      <p:cBhvr>
+                                        <p:cTn id="7" dur="500"/>
+                                        <p:tgtEl>
+                                          <p:spTgt spid="6"/>
+                                        </p:tgtEl>
+                                      </p:cBhvr>
+                                    </p:animEffect>
+                                  </p:childTnLst>
+                                </p:cTn>
+                              </p:par>
+                            </p:childTnLst>
+                          </p:cTn>
+                        </p:par>
+                      </p:childTnLst>
+                    </p:cTn>
+                  </p:par>
+                </p:childTnLst>
+              </p:cTn>
+              <p:prevCondLst>
+                <p:cond evt="onPrev" delay="0">
+                  <p:tgtEl>
+                    <p:sldTgt/>
+                  </p:tgtEl>
+                </p:cond>
+              </p:prevCondLst>
+              <p:nextCondLst>
+                <p:cond evt="onNext" delay="0">
+                  <p:tgtEl>
+                    <p:sldTgt/>
+                  </p:tgtEl>
+                </p:cond>
+              </p:nextCondLst>
+            </p:seq>
+          </p:childTnLst>
+        </p:cTn>
+      </p:par>
+    </p:tnLst>
+  </p:timing>
+</p:sld>
+</file>
+
+<file path=ppt/slides/slide15.xml><?xml version="1.0" encoding="utf-8"?>
+<p:sld xmlns:a="http://schemas.openxmlformats.org/drawingml/2006/main" xmlns:r="http://schemas.openxmlformats.org/officeDocument/2006/relationships" xmlns:p="http://schemas.openxmlformats.org/presentationml/2006/main">
+  <p:cSld>
+    <p:spTree>
+      <p:nvGrpSpPr>
+        <p:cNvPr id="1" name=""/>
+        <p:cNvGrpSpPr/>
+        <p:nvPr/>
+      </p:nvGrpSpPr>
+      <p:grpSpPr>
+        <a:xfrm>
+          <a:off x="0" y="0"/>
+          <a:ext cx="0" cy="0"/>
+          <a:chOff x="0" y="0"/>
+          <a:chExt cx="0" cy="0"/>
+        </a:xfrm>
+      </p:grpSpPr>
+      <p:pic>
+        <p:nvPicPr>
+          <p:cNvPr id="12" name="Espace réservé pour une image  11">
+            <a:extLst>
+              <a:ext uri="{FF2B5EF4-FFF2-40B4-BE49-F238E27FC236}">
+                <a16:creationId xmlns:a16="http://schemas.microsoft.com/office/drawing/2014/main" id="{0B4638B9-2581-40C1-A728-ECCEB9A7FFD7}"/>
+              </a:ext>
+            </a:extLst>
+          </p:cNvPr>
+          <p:cNvPicPr>
+            <a:picLocks noGrp="1" noChangeAspect="1"/>
+          </p:cNvPicPr>
+          <p:nvPr>
+            <p:ph type="pic" idx="1"/>
+          </p:nvPr>
+        </p:nvPicPr>
+        <p:blipFill>
+          <a:blip r:embed="rId2">
+            <a:extLst>
+              <a:ext uri="{28A0092B-C50C-407E-A947-70E740481C1C}">
+                <a14:useLocalDpi xmlns:a14="http://schemas.microsoft.com/office/drawing/2010/main" val="0"/>
+              </a:ext>
+              <a:ext uri="{96DAC541-7B7A-43D3-8B79-37D633B846F1}">
+                <asvg:svgBlip xmlns:asvg="http://schemas.microsoft.com/office/drawing/2016/SVG/main" r:embed="rId3"/>
+              </a:ext>
+            </a:extLst>
+          </a:blip>
+          <a:srcRect l="9" r="9"/>
+          <a:stretch>
+            <a:fillRect/>
+          </a:stretch>
+        </p:blipFill>
+        <p:spPr/>
+      </p:pic>
+      <p:sp>
+        <p:nvSpPr>
+          <p:cNvPr id="2" name="Titre 1">
+            <a:extLst>
+              <a:ext uri="{FF2B5EF4-FFF2-40B4-BE49-F238E27FC236}">
+                <a16:creationId xmlns:a16="http://schemas.microsoft.com/office/drawing/2014/main" id="{E2D4EFBD-3B42-4254-9074-5D62AEEB3925}"/>
+              </a:ext>
+            </a:extLst>
+          </p:cNvPr>
+          <p:cNvSpPr>
+            <a:spLocks noGrp="1"/>
+          </p:cNvSpPr>
+          <p:nvPr>
+            <p:ph type="title"/>
+          </p:nvPr>
+        </p:nvSpPr>
+        <p:spPr>
+          <a:xfrm>
+            <a:off x="839788" y="457200"/>
+            <a:ext cx="4994955" cy="1600200"/>
+          </a:xfrm>
+        </p:spPr>
+        <p:txBody>
+          <a:bodyPr/>
+          <a:lstStyle/>
+          <a:p>
+            <a:r>
+              <a:rPr lang="fr-FR" dirty="0"/>
+              <a:t>pour ne traiter que les animaux qui en ont besoin</a:t>
+            </a:r>
+          </a:p>
+        </p:txBody>
+      </p:sp>
+      <p:sp>
+        <p:nvSpPr>
+          <p:cNvPr id="4" name="Espace réservé du texte 3">
+            <a:extLst>
+              <a:ext uri="{FF2B5EF4-FFF2-40B4-BE49-F238E27FC236}">
+                <a16:creationId xmlns:a16="http://schemas.microsoft.com/office/drawing/2014/main" id="{5D4C5BDE-5FE2-409A-BD37-C49EA812CD9B}"/>
+              </a:ext>
+            </a:extLst>
+          </p:cNvPr>
+          <p:cNvSpPr>
+            <a:spLocks noGrp="1"/>
+          </p:cNvSpPr>
+          <p:nvPr>
+            <p:ph type="body" sz="half" idx="2"/>
+          </p:nvPr>
+        </p:nvSpPr>
+        <p:spPr/>
+        <p:txBody>
+          <a:bodyPr/>
+          <a:lstStyle/>
+          <a:p>
+            <a:endParaRPr lang="fr-FR" dirty="0"/>
+          </a:p>
+        </p:txBody>
+      </p:sp>
+      <p:pic>
+        <p:nvPicPr>
+          <p:cNvPr id="7" name="Graphique 6">
+            <a:extLst>
+              <a:ext uri="{FF2B5EF4-FFF2-40B4-BE49-F238E27FC236}">
+                <a16:creationId xmlns:a16="http://schemas.microsoft.com/office/drawing/2014/main" id="{3B5FF1AB-BDE0-4293-A6DF-67C008D40FC5}"/>
+              </a:ext>
+            </a:extLst>
+          </p:cNvPr>
+          <p:cNvPicPr>
+            <a:picLocks noChangeAspect="1"/>
+          </p:cNvPicPr>
+          <p:nvPr/>
+        </p:nvPicPr>
+        <p:blipFill>
+          <a:blip r:embed="rId4">
+            <a:extLst>
+              <a:ext uri="{96DAC541-7B7A-43D3-8B79-37D633B846F1}">
+                <asvg:svgBlip xmlns:asvg="http://schemas.microsoft.com/office/drawing/2016/SVG/main" r:embed="rId5"/>
+              </a:ext>
+            </a:extLst>
+          </a:blip>
+          <a:stretch>
+            <a:fillRect/>
+          </a:stretch>
+        </p:blipFill>
+        <p:spPr>
+          <a:xfrm>
+            <a:off x="5979102" y="1993900"/>
+            <a:ext cx="378157" cy="419518"/>
+          </a:xfrm>
+          <a:prstGeom prst="rect">
+            <a:avLst/>
+          </a:prstGeom>
+        </p:spPr>
+      </p:pic>
+      <p:pic>
+        <p:nvPicPr>
+          <p:cNvPr id="8" name="Graphique 7">
+            <a:extLst>
+              <a:ext uri="{FF2B5EF4-FFF2-40B4-BE49-F238E27FC236}">
+                <a16:creationId xmlns:a16="http://schemas.microsoft.com/office/drawing/2014/main" id="{465178C7-5D70-4D3F-A525-69C63004ABDB}"/>
+              </a:ext>
+            </a:extLst>
+          </p:cNvPr>
+          <p:cNvPicPr>
+            <a:picLocks noChangeAspect="1"/>
+          </p:cNvPicPr>
+          <p:nvPr/>
+        </p:nvPicPr>
+        <p:blipFill>
+          <a:blip r:embed="rId4">
+            <a:extLst>
+              <a:ext uri="{96DAC541-7B7A-43D3-8B79-37D633B846F1}">
+                <asvg:svgBlip xmlns:asvg="http://schemas.microsoft.com/office/drawing/2016/SVG/main" r:embed="rId5"/>
+              </a:ext>
+            </a:extLst>
+          </a:blip>
+          <a:stretch>
+            <a:fillRect/>
+          </a:stretch>
+        </p:blipFill>
+        <p:spPr>
+          <a:xfrm>
+            <a:off x="6168180" y="4160837"/>
+            <a:ext cx="378157" cy="419518"/>
+          </a:xfrm>
+          <a:prstGeom prst="rect">
+            <a:avLst/>
+          </a:prstGeom>
+        </p:spPr>
+      </p:pic>
+    </p:spTree>
+    <p:extLst>
+      <p:ext uri="{BB962C8B-B14F-4D97-AF65-F5344CB8AC3E}">
+        <p14:creationId xmlns:p14="http://schemas.microsoft.com/office/powerpoint/2010/main" val="151274099"/>
+      </p:ext>
+    </p:extLst>
+  </p:cSld>
+  <p:clrMapOvr>
+    <a:masterClrMapping/>
+  </p:clrMapOvr>
+  <mc:AlternateContent xmlns:mc="http://schemas.openxmlformats.org/markup-compatibility/2006">
+    <mc:Choice xmlns:p14="http://schemas.microsoft.com/office/powerpoint/2010/main" Requires="p14">
+      <p:transition spd="med" p14:dur="700" advTm="4000">
+        <p:fade/>
+      </p:transition>
+    </mc:Choice>
+    <mc:Fallback>
+      <p:transition spd="med" advTm="4000">
+        <p:fade/>
+      </p:transition>
+    </mc:Fallback>
+  </mc:AlternateContent>
+  <p:timing>
+    <p:tnLst>
+      <p:par>
+        <p:cTn id="1" dur="indefinite" restart="never" nodeType="tmRoot">
+          <p:childTnLst>
+            <p:seq concurrent="1" nextAc="seek">
+              <p:cTn id="2" dur="indefinite" nodeType="mainSeq">
+                <p:childTnLst>
+                  <p:par>
+                    <p:cTn id="3" fill="hold">
+                      <p:stCondLst>
+                        <p:cond delay="indefinite"/>
+                      </p:stCondLst>
+                      <p:childTnLst>
+                        <p:par>
+                          <p:cTn id="4" fill="hold">
+                            <p:stCondLst>
+                              <p:cond delay="0"/>
+                            </p:stCondLst>
+                            <p:childTnLst>
+                              <p:par>
+                                <p:cTn id="5" presetID="10" presetClass="entr" presetSubtype="0" fill="hold" nodeType="clickEffect">
+                                  <p:stCondLst>
+                                    <p:cond delay="0"/>
+                                  </p:stCondLst>
+                                  <p:childTnLst>
+                                    <p:set>
+                                      <p:cBhvr>
+                                        <p:cTn id="6" dur="1" fill="hold">
+                                          <p:stCondLst>
+                                            <p:cond delay="0"/>
+                                          </p:stCondLst>
+                                        </p:cTn>
+                                        <p:tgtEl>
+                                          <p:spTgt spid="12"/>
+                                        </p:tgtEl>
+                                        <p:attrNameLst>
+                                          <p:attrName>style.visibility</p:attrName>
+                                        </p:attrNameLst>
+                                      </p:cBhvr>
+                                      <p:to>
+                                        <p:strVal val="visible"/>
+                                      </p:to>
+                                    </p:set>
+                                    <p:animEffect transition="in" filter="fade">
+                                      <p:cBhvr>
+                                        <p:cTn id="7" dur="500"/>
+                                        <p:tgtEl>
+                                          <p:spTgt spid="12"/>
                                         </p:tgtEl>
                                       </p:cBhvr>
                                     </p:animEffect>
@@ -4198,7 +6167,7 @@
                                           </p:stCondLst>
                                         </p:cTn>
                                         <p:tgtEl>
-                                          <p:spTgt spid="13"/>
+                                          <p:spTgt spid="8"/>
                                         </p:tgtEl>
                                         <p:attrNameLst>
                                           <p:attrName>style.visibility</p:attrName>
@@ -4212,7 +6181,7 @@
                                       <p:cBhvr>
                                         <p:cTn id="17" dur="500"/>
                                         <p:tgtEl>
-                                          <p:spTgt spid="13"/>
+                                          <p:spTgt spid="8"/>
                                         </p:tgtEl>
                                       </p:cBhvr>
                                     </p:animEffect>
@@ -4246,14 +6215,11 @@
         </p:cTn>
       </p:par>
     </p:tnLst>
-    <p:bldLst>
-      <p:bldP spid="6" grpId="0" build="p"/>
-    </p:bldLst>
   </p:timing>
 </p:sld>
 </file>
 
-<file path=ppt/slides/slide4.xml><?xml version="1.0" encoding="utf-8"?>
+<file path=ppt/slides/slide16.xml><?xml version="1.0" encoding="utf-8"?>
 <p:sld xmlns:a="http://schemas.openxmlformats.org/drawingml/2006/main" xmlns:r="http://schemas.openxmlformats.org/officeDocument/2006/relationships" xmlns:p="http://schemas.openxmlformats.org/presentationml/2006/main">
   <p:cSld>
     <p:spTree>
@@ -4270,12 +6236,45 @@
           <a:chExt cx="0" cy="0"/>
         </a:xfrm>
       </p:grpSpPr>
+      <p:sp>
+        <p:nvSpPr>
+          <p:cNvPr id="2" name="Titre 1">
+            <a:extLst>
+              <a:ext uri="{FF2B5EF4-FFF2-40B4-BE49-F238E27FC236}">
+                <a16:creationId xmlns:a16="http://schemas.microsoft.com/office/drawing/2014/main" id="{FB17CD8B-3189-4E1D-AD0B-82C9E04F269A}"/>
+              </a:ext>
+            </a:extLst>
+          </p:cNvPr>
+          <p:cNvSpPr>
+            <a:spLocks noGrp="1"/>
+          </p:cNvSpPr>
+          <p:nvPr>
+            <p:ph type="title"/>
+          </p:nvPr>
+        </p:nvSpPr>
+        <p:spPr>
+          <a:xfrm>
+            <a:off x="839789" y="457200"/>
+            <a:ext cx="5053012" cy="1600200"/>
+          </a:xfrm>
+        </p:spPr>
+        <p:txBody>
+          <a:bodyPr/>
+          <a:lstStyle/>
+          <a:p>
+            <a:r>
+              <a:rPr lang="fr-FR" dirty="0"/>
+              <a:t>Et garder des parasites sensibles</a:t>
+            </a:r>
+          </a:p>
+        </p:txBody>
+      </p:sp>
       <p:pic>
         <p:nvPicPr>
-          <p:cNvPr id="24" name="Espace réservé pour une image  23">
-            <a:extLst>
-              <a:ext uri="{FF2B5EF4-FFF2-40B4-BE49-F238E27FC236}">
-                <a16:creationId xmlns:a16="http://schemas.microsoft.com/office/drawing/2014/main" id="{CDBB6B38-F82F-4C64-B72E-13935745947A}"/>
+          <p:cNvPr id="6" name="Espace réservé pour une image  5">
+            <a:extLst>
+              <a:ext uri="{FF2B5EF4-FFF2-40B4-BE49-F238E27FC236}">
+                <a16:creationId xmlns:a16="http://schemas.microsoft.com/office/drawing/2014/main" id="{5D85DE95-BD41-4ECB-852B-C794623E49C2}"/>
               </a:ext>
             </a:extLst>
           </p:cNvPr>
@@ -4306,10 +6305,10 @@
       </p:pic>
       <p:sp>
         <p:nvSpPr>
-          <p:cNvPr id="4" name="Titre 3">
-            <a:extLst>
-              <a:ext uri="{FF2B5EF4-FFF2-40B4-BE49-F238E27FC236}">
-                <a16:creationId xmlns:a16="http://schemas.microsoft.com/office/drawing/2014/main" id="{F6EA6A94-3018-41BB-9FDE-D080414DD047}"/>
+          <p:cNvPr id="4" name="Espace réservé du texte 3">
+            <a:extLst>
+              <a:ext uri="{FF2B5EF4-FFF2-40B4-BE49-F238E27FC236}">
+                <a16:creationId xmlns:a16="http://schemas.microsoft.com/office/drawing/2014/main" id="{492D5C98-A77B-4EB3-AC26-539F3F481282}"/>
               </a:ext>
             </a:extLst>
           </p:cNvPr>
@@ -4317,75 +6316,24 @@
             <a:spLocks noGrp="1"/>
           </p:cNvSpPr>
           <p:nvPr>
-            <p:ph type="title"/>
-          </p:nvPr>
-        </p:nvSpPr>
-        <p:spPr>
-          <a:xfrm>
-            <a:off x="839788" y="457200"/>
-            <a:ext cx="5256212" cy="1600200"/>
-          </a:xfrm>
-        </p:spPr>
+            <p:ph type="body" sz="half" idx="2"/>
+          </p:nvPr>
+        </p:nvSpPr>
+        <p:spPr/>
         <p:txBody>
           <a:bodyPr/>
           <a:lstStyle/>
           <a:p>
-            <a:r>
-              <a:rPr lang="fr-FR" dirty="0"/>
-              <a:t>Les rendant insensibles aux traitements</a:t>
-            </a:r>
-          </a:p>
-        </p:txBody>
-      </p:sp>
-      <p:sp>
-        <p:nvSpPr>
-          <p:cNvPr id="6" name="Espace réservé du texte 5">
-            <a:extLst>
-              <a:ext uri="{FF2B5EF4-FFF2-40B4-BE49-F238E27FC236}">
-                <a16:creationId xmlns:a16="http://schemas.microsoft.com/office/drawing/2014/main" id="{0E13C185-2DE5-4726-8D11-1019F8164F74}"/>
-              </a:ext>
-            </a:extLst>
-          </p:cNvPr>
-          <p:cNvSpPr>
-            <a:spLocks noGrp="1"/>
-          </p:cNvSpPr>
-          <p:nvPr>
-            <p:ph type="body" sz="half" idx="2"/>
-          </p:nvPr>
-        </p:nvSpPr>
-        <p:spPr>
-          <a:xfrm>
-            <a:off x="839788" y="2532184"/>
-            <a:ext cx="3932237" cy="3336803"/>
-          </a:xfrm>
-        </p:spPr>
-        <p:txBody>
-          <a:bodyPr>
-            <a:normAutofit/>
-          </a:bodyPr>
-          <a:lstStyle/>
-          <a:p>
-            <a:r>
-              <a:rPr lang="fr-FR" sz="2800">
-                <a:latin typeface="+mj-lt"/>
-              </a:rPr>
-              <a:t>Alors quand on </a:t>
-            </a:r>
-            <a:r>
-              <a:rPr lang="fr-FR" sz="2800" dirty="0">
-                <a:latin typeface="+mj-lt"/>
-              </a:rPr>
-              <a:t>utilise de façon répétée un antiparasitaire sur tout le troupeau</a:t>
-            </a:r>
+            <a:endParaRPr lang="fr-FR" dirty="0"/>
           </a:p>
         </p:txBody>
       </p:sp>
       <p:pic>
         <p:nvPicPr>
-          <p:cNvPr id="20" name="Graphique 19">
-            <a:extLst>
-              <a:ext uri="{FF2B5EF4-FFF2-40B4-BE49-F238E27FC236}">
-                <a16:creationId xmlns:a16="http://schemas.microsoft.com/office/drawing/2014/main" id="{6B1A4069-3A50-4F21-A118-5DBB5B719D70}"/>
+          <p:cNvPr id="7" name="Graphique 6">
+            <a:extLst>
+              <a:ext uri="{FF2B5EF4-FFF2-40B4-BE49-F238E27FC236}">
+                <a16:creationId xmlns:a16="http://schemas.microsoft.com/office/drawing/2014/main" id="{E2286A8C-38F2-4665-8430-F006DD0DF173}"/>
               </a:ext>
             </a:extLst>
           </p:cNvPr>
@@ -4397,9 +6345,6 @@
         <p:blipFill>
           <a:blip r:embed="rId4">
             <a:extLst>
-              <a:ext uri="{28A0092B-C50C-407E-A947-70E740481C1C}">
-                <a14:useLocalDpi xmlns:a14="http://schemas.microsoft.com/office/drawing/2010/main" val="0"/>
-              </a:ext>
               <a:ext uri="{96DAC541-7B7A-43D3-8B79-37D633B846F1}">
                 <asvg:svgBlip xmlns:asvg="http://schemas.microsoft.com/office/drawing/2016/SVG/main" r:embed="rId5"/>
               </a:ext>
@@ -4411,8 +6356,8 @@
         </p:blipFill>
         <p:spPr>
           <a:xfrm>
-            <a:off x="6756138" y="1111952"/>
-            <a:ext cx="4521329" cy="713894"/>
+            <a:off x="2339181" y="3496469"/>
+            <a:ext cx="933450" cy="933450"/>
           </a:xfrm>
           <a:prstGeom prst="rect">
             <a:avLst/>
@@ -4422,7 +6367,7 @@
     </p:spTree>
     <p:extLst>
       <p:ext uri="{BB962C8B-B14F-4D97-AF65-F5344CB8AC3E}">
-        <p14:creationId xmlns:p14="http://schemas.microsoft.com/office/powerpoint/2010/main" val="3825499417"/>
+        <p14:creationId xmlns:p14="http://schemas.microsoft.com/office/powerpoint/2010/main" val="2864677236"/>
       </p:ext>
     </p:extLst>
   </p:cSld>
@@ -4431,12 +6376,12 @@
   </p:clrMapOvr>
   <mc:AlternateContent xmlns:mc="http://schemas.openxmlformats.org/markup-compatibility/2006">
     <mc:Choice xmlns:p14="http://schemas.microsoft.com/office/powerpoint/2010/main" Requires="p14">
-      <p:transition spd="med" p14:dur="700">
+      <p:transition spd="med" p14:dur="700" advTm="4000">
         <p:fade/>
       </p:transition>
     </mc:Choice>
     <mc:Fallback>
-      <p:transition spd="med">
+      <p:transition spd="med" advTm="4000">
         <p:fade/>
       </p:transition>
     </mc:Fallback>
@@ -4462,7 +6407,7 @@
                             </p:stCondLst>
                             <p:childTnLst>
                               <p:par>
-                                <p:cTn id="5" presetID="10" presetClass="entr" presetSubtype="0" fill="hold" grpId="0" nodeType="clickEffect">
+                                <p:cTn id="5" presetID="10" presetClass="entr" presetSubtype="0" fill="hold" nodeType="clickEffect">
                                   <p:stCondLst>
                                     <p:cond delay="0"/>
                                   </p:stCondLst>
@@ -4475,11 +6420,7 @@
                                           </p:stCondLst>
                                         </p:cTn>
                                         <p:tgtEl>
-                                          <p:spTgt spid="6">
-                                            <p:txEl>
-                                              <p:pRg st="0" end="0"/>
-                                            </p:txEl>
-                                          </p:spTgt>
+                                          <p:spTgt spid="6"/>
                                         </p:tgtEl>
                                         <p:attrNameLst>
                                           <p:attrName>style.visibility</p:attrName>
@@ -4493,11 +6434,7 @@
                                       <p:cBhvr>
                                         <p:cTn id="7" dur="500"/>
                                         <p:tgtEl>
-                                          <p:spTgt spid="6">
-                                            <p:txEl>
-                                              <p:pRg st="0" end="0"/>
-                                            </p:txEl>
-                                          </p:spTgt>
+                                          <p:spTgt spid="6"/>
                                         </p:tgtEl>
                                       </p:cBhvr>
                                     </p:animEffect>
@@ -4536,7 +6473,7 @@
                                           </p:stCondLst>
                                         </p:cTn>
                                         <p:tgtEl>
-                                          <p:spTgt spid="24"/>
+                                          <p:spTgt spid="7"/>
                                         </p:tgtEl>
                                         <p:attrNameLst>
                                           <p:attrName>style.visibility</p:attrName>
@@ -4550,7 +6487,1372 @@
                                       <p:cBhvr>
                                         <p:cTn id="12" dur="500"/>
                                         <p:tgtEl>
-                                          <p:spTgt spid="24"/>
+                                          <p:spTgt spid="7"/>
+                                        </p:tgtEl>
+                                      </p:cBhvr>
+                                    </p:animEffect>
+                                  </p:childTnLst>
+                                </p:cTn>
+                              </p:par>
+                            </p:childTnLst>
+                          </p:cTn>
+                        </p:par>
+                      </p:childTnLst>
+                    </p:cTn>
+                  </p:par>
+                </p:childTnLst>
+              </p:cTn>
+              <p:prevCondLst>
+                <p:cond evt="onPrev" delay="0">
+                  <p:tgtEl>
+                    <p:sldTgt/>
+                  </p:tgtEl>
+                </p:cond>
+              </p:prevCondLst>
+              <p:nextCondLst>
+                <p:cond evt="onNext" delay="0">
+                  <p:tgtEl>
+                    <p:sldTgt/>
+                  </p:tgtEl>
+                </p:cond>
+              </p:nextCondLst>
+            </p:seq>
+          </p:childTnLst>
+        </p:cTn>
+      </p:par>
+    </p:tnLst>
+  </p:timing>
+</p:sld>
+</file>
+
+<file path=ppt/slides/slide17.xml><?xml version="1.0" encoding="utf-8"?>
+<p:sld xmlns:a="http://schemas.openxmlformats.org/drawingml/2006/main" xmlns:r="http://schemas.openxmlformats.org/officeDocument/2006/relationships" xmlns:p="http://schemas.openxmlformats.org/presentationml/2006/main">
+  <p:cSld>
+    <p:spTree>
+      <p:nvGrpSpPr>
+        <p:cNvPr id="1" name=""/>
+        <p:cNvGrpSpPr/>
+        <p:nvPr/>
+      </p:nvGrpSpPr>
+      <p:grpSpPr>
+        <a:xfrm>
+          <a:off x="0" y="0"/>
+          <a:ext cx="0" cy="0"/>
+          <a:chOff x="0" y="0"/>
+          <a:chExt cx="0" cy="0"/>
+        </a:xfrm>
+      </p:grpSpPr>
+      <p:sp>
+        <p:nvSpPr>
+          <p:cNvPr id="2" name="Titre 1">
+            <a:extLst>
+              <a:ext uri="{FF2B5EF4-FFF2-40B4-BE49-F238E27FC236}">
+                <a16:creationId xmlns:a16="http://schemas.microsoft.com/office/drawing/2014/main" id="{14EB8AB7-E800-43A8-8190-596F1A36C47E}"/>
+              </a:ext>
+            </a:extLst>
+          </p:cNvPr>
+          <p:cNvSpPr>
+            <a:spLocks noGrp="1"/>
+          </p:cNvSpPr>
+          <p:nvPr>
+            <p:ph type="ctrTitle"/>
+          </p:nvPr>
+        </p:nvSpPr>
+        <p:spPr>
+          <a:xfrm>
+            <a:off x="1524000" y="1122362"/>
+            <a:ext cx="9144000" cy="3449637"/>
+          </a:xfrm>
+        </p:spPr>
+        <p:txBody>
+          <a:bodyPr>
+            <a:normAutofit/>
+          </a:bodyPr>
+          <a:lstStyle/>
+          <a:p>
+            <a:r>
+              <a:rPr lang="fr-FR" spc="-1" dirty="0">
+                <a:solidFill>
+                  <a:srgbClr val="000000"/>
+                </a:solidFill>
+              </a:rPr>
+              <a:t>Fin</a:t>
+            </a:r>
+            <a:endParaRPr lang="fr-FR" dirty="0"/>
+          </a:p>
+        </p:txBody>
+      </p:sp>
+    </p:spTree>
+    <p:extLst>
+      <p:ext uri="{BB962C8B-B14F-4D97-AF65-F5344CB8AC3E}">
+        <p14:creationId xmlns:p14="http://schemas.microsoft.com/office/powerpoint/2010/main" val="2154379948"/>
+      </p:ext>
+    </p:extLst>
+  </p:cSld>
+  <p:clrMapOvr>
+    <a:masterClrMapping/>
+  </p:clrMapOvr>
+  <mc:AlternateContent xmlns:mc="http://schemas.openxmlformats.org/markup-compatibility/2006">
+    <mc:Choice xmlns:p14="http://schemas.microsoft.com/office/powerpoint/2010/main" Requires="p14">
+      <p:transition spd="med" p14:dur="700" advTm="3000">
+        <p:fade/>
+      </p:transition>
+    </mc:Choice>
+    <mc:Fallback>
+      <p:transition spd="med" advTm="3000">
+        <p:fade/>
+      </p:transition>
+    </mc:Fallback>
+  </mc:AlternateContent>
+</p:sld>
+</file>
+
+<file path=ppt/slides/slide2.xml><?xml version="1.0" encoding="utf-8"?>
+<p:sld xmlns:a="http://schemas.openxmlformats.org/drawingml/2006/main" xmlns:r="http://schemas.openxmlformats.org/officeDocument/2006/relationships" xmlns:p="http://schemas.openxmlformats.org/presentationml/2006/main">
+  <p:cSld>
+    <p:spTree>
+      <p:nvGrpSpPr>
+        <p:cNvPr id="1" name=""/>
+        <p:cNvGrpSpPr/>
+        <p:nvPr/>
+      </p:nvGrpSpPr>
+      <p:grpSpPr>
+        <a:xfrm>
+          <a:off x="0" y="0"/>
+          <a:ext cx="0" cy="0"/>
+          <a:chOff x="0" y="0"/>
+          <a:chExt cx="0" cy="0"/>
+        </a:xfrm>
+      </p:grpSpPr>
+      <p:sp>
+        <p:nvSpPr>
+          <p:cNvPr id="4" name="Titre 3">
+            <a:extLst>
+              <a:ext uri="{FF2B5EF4-FFF2-40B4-BE49-F238E27FC236}">
+                <a16:creationId xmlns:a16="http://schemas.microsoft.com/office/drawing/2014/main" id="{55EA79F3-1BD9-405D-B467-27B20635012D}"/>
+              </a:ext>
+            </a:extLst>
+          </p:cNvPr>
+          <p:cNvSpPr>
+            <a:spLocks noGrp="1"/>
+          </p:cNvSpPr>
+          <p:nvPr>
+            <p:ph type="title"/>
+          </p:nvPr>
+        </p:nvSpPr>
+        <p:spPr>
+          <a:xfrm>
+            <a:off x="839788" y="457200"/>
+            <a:ext cx="5065712" cy="1600200"/>
+          </a:xfrm>
+        </p:spPr>
+        <p:txBody>
+          <a:bodyPr/>
+          <a:lstStyle/>
+          <a:p>
+            <a:r>
+              <a:rPr lang="fr-FR" dirty="0"/>
+              <a:t>Les parasites des animaux</a:t>
+            </a:r>
+          </a:p>
+        </p:txBody>
+      </p:sp>
+      <p:pic>
+        <p:nvPicPr>
+          <p:cNvPr id="12" name="Espace réservé pour une image  11">
+            <a:extLst>
+              <a:ext uri="{FF2B5EF4-FFF2-40B4-BE49-F238E27FC236}">
+                <a16:creationId xmlns:a16="http://schemas.microsoft.com/office/drawing/2014/main" id="{5C1833AE-4E7E-4946-92EA-53490D223DA5}"/>
+              </a:ext>
+            </a:extLst>
+          </p:cNvPr>
+          <p:cNvPicPr>
+            <a:picLocks noGrp="1" noChangeAspect="1"/>
+          </p:cNvPicPr>
+          <p:nvPr>
+            <p:ph type="pic" idx="1"/>
+          </p:nvPr>
+        </p:nvPicPr>
+        <p:blipFill>
+          <a:blip r:embed="rId2">
+            <a:extLst>
+              <a:ext uri="{28A0092B-C50C-407E-A947-70E740481C1C}">
+                <a14:useLocalDpi xmlns:a14="http://schemas.microsoft.com/office/drawing/2010/main" val="0"/>
+              </a:ext>
+              <a:ext uri="{96DAC541-7B7A-43D3-8B79-37D633B846F1}">
+                <asvg:svgBlip xmlns:asvg="http://schemas.microsoft.com/office/drawing/2016/SVG/main" r:embed="rId3"/>
+              </a:ext>
+            </a:extLst>
+          </a:blip>
+          <a:srcRect l="9" r="9"/>
+          <a:stretch>
+            <a:fillRect/>
+          </a:stretch>
+        </p:blipFill>
+        <p:spPr/>
+      </p:pic>
+      <p:sp>
+        <p:nvSpPr>
+          <p:cNvPr id="10" name="Espace réservé du texte 9">
+            <a:extLst>
+              <a:ext uri="{FF2B5EF4-FFF2-40B4-BE49-F238E27FC236}">
+                <a16:creationId xmlns:a16="http://schemas.microsoft.com/office/drawing/2014/main" id="{E9BA4E2F-8B14-4631-93B1-E36066CF4E46}"/>
+              </a:ext>
+            </a:extLst>
+          </p:cNvPr>
+          <p:cNvSpPr>
+            <a:spLocks noGrp="1"/>
+          </p:cNvSpPr>
+          <p:nvPr>
+            <p:ph type="body" sz="half" idx="2"/>
+          </p:nvPr>
+        </p:nvSpPr>
+        <p:spPr/>
+        <p:txBody>
+          <a:bodyPr/>
+          <a:lstStyle/>
+          <a:p>
+            <a:endParaRPr lang="fr-FR"/>
+          </a:p>
+        </p:txBody>
+      </p:sp>
+    </p:spTree>
+    <p:extLst>
+      <p:ext uri="{BB962C8B-B14F-4D97-AF65-F5344CB8AC3E}">
+        <p14:creationId xmlns:p14="http://schemas.microsoft.com/office/powerpoint/2010/main" val="101497989"/>
+      </p:ext>
+    </p:extLst>
+  </p:cSld>
+  <p:clrMapOvr>
+    <a:masterClrMapping/>
+  </p:clrMapOvr>
+  <mc:AlternateContent xmlns:mc="http://schemas.openxmlformats.org/markup-compatibility/2006">
+    <mc:Choice xmlns:p14="http://schemas.microsoft.com/office/powerpoint/2010/main" Requires="p14">
+      <p:transition spd="med" p14:dur="700" advTm="3000">
+        <p:fade/>
+      </p:transition>
+    </mc:Choice>
+    <mc:Fallback>
+      <p:transition spd="med" advTm="3000">
+        <p:fade/>
+      </p:transition>
+    </mc:Fallback>
+  </mc:AlternateContent>
+  <p:timing>
+    <p:tnLst>
+      <p:par>
+        <p:cTn id="1" dur="indefinite" restart="never" nodeType="tmRoot">
+          <p:childTnLst>
+            <p:seq concurrent="1" nextAc="seek">
+              <p:cTn id="2" dur="indefinite" nodeType="mainSeq">
+                <p:childTnLst>
+                  <p:par>
+                    <p:cTn id="3" fill="hold">
+                      <p:stCondLst>
+                        <p:cond delay="indefinite"/>
+                      </p:stCondLst>
+                      <p:childTnLst>
+                        <p:par>
+                          <p:cTn id="4" fill="hold">
+                            <p:stCondLst>
+                              <p:cond delay="0"/>
+                            </p:stCondLst>
+                            <p:childTnLst>
+                              <p:par>
+                                <p:cTn id="5" presetID="10" presetClass="entr" presetSubtype="0" fill="hold" nodeType="clickEffect">
+                                  <p:stCondLst>
+                                    <p:cond delay="0"/>
+                                  </p:stCondLst>
+                                  <p:childTnLst>
+                                    <p:set>
+                                      <p:cBhvr>
+                                        <p:cTn id="6" dur="1" fill="hold">
+                                          <p:stCondLst>
+                                            <p:cond delay="0"/>
+                                          </p:stCondLst>
+                                        </p:cTn>
+                                        <p:tgtEl>
+                                          <p:spTgt spid="12"/>
+                                        </p:tgtEl>
+                                        <p:attrNameLst>
+                                          <p:attrName>style.visibility</p:attrName>
+                                        </p:attrNameLst>
+                                      </p:cBhvr>
+                                      <p:to>
+                                        <p:strVal val="visible"/>
+                                      </p:to>
+                                    </p:set>
+                                    <p:animEffect transition="in" filter="fade">
+                                      <p:cBhvr>
+                                        <p:cTn id="7" dur="500"/>
+                                        <p:tgtEl>
+                                          <p:spTgt spid="12"/>
+                                        </p:tgtEl>
+                                      </p:cBhvr>
+                                    </p:animEffect>
+                                  </p:childTnLst>
+                                </p:cTn>
+                              </p:par>
+                            </p:childTnLst>
+                          </p:cTn>
+                        </p:par>
+                      </p:childTnLst>
+                    </p:cTn>
+                  </p:par>
+                </p:childTnLst>
+              </p:cTn>
+              <p:prevCondLst>
+                <p:cond evt="onPrev" delay="0">
+                  <p:tgtEl>
+                    <p:sldTgt/>
+                  </p:tgtEl>
+                </p:cond>
+              </p:prevCondLst>
+              <p:nextCondLst>
+                <p:cond evt="onNext" delay="0">
+                  <p:tgtEl>
+                    <p:sldTgt/>
+                  </p:tgtEl>
+                </p:cond>
+              </p:nextCondLst>
+            </p:seq>
+          </p:childTnLst>
+        </p:cTn>
+      </p:par>
+    </p:tnLst>
+  </p:timing>
+</p:sld>
+</file>
+
+<file path=ppt/slides/slide3.xml><?xml version="1.0" encoding="utf-8"?>
+<p:sld xmlns:a="http://schemas.openxmlformats.org/drawingml/2006/main" xmlns:r="http://schemas.openxmlformats.org/officeDocument/2006/relationships" xmlns:p="http://schemas.openxmlformats.org/presentationml/2006/main">
+  <p:cSld>
+    <p:spTree>
+      <p:nvGrpSpPr>
+        <p:cNvPr id="1" name=""/>
+        <p:cNvGrpSpPr/>
+        <p:nvPr/>
+      </p:nvGrpSpPr>
+      <p:grpSpPr>
+        <a:xfrm>
+          <a:off x="0" y="0"/>
+          <a:ext cx="0" cy="0"/>
+          <a:chOff x="0" y="0"/>
+          <a:chExt cx="0" cy="0"/>
+        </a:xfrm>
+      </p:grpSpPr>
+      <p:sp>
+        <p:nvSpPr>
+          <p:cNvPr id="2" name="Titre 1">
+            <a:extLst>
+              <a:ext uri="{FF2B5EF4-FFF2-40B4-BE49-F238E27FC236}">
+                <a16:creationId xmlns:a16="http://schemas.microsoft.com/office/drawing/2014/main" id="{6BB42D3F-0D97-4FDE-940D-F2D6DD854238}"/>
+              </a:ext>
+            </a:extLst>
+          </p:cNvPr>
+          <p:cNvSpPr>
+            <a:spLocks noGrp="1"/>
+          </p:cNvSpPr>
+          <p:nvPr>
+            <p:ph type="title"/>
+          </p:nvPr>
+        </p:nvSpPr>
+        <p:spPr>
+          <a:xfrm>
+            <a:off x="839788" y="457200"/>
+            <a:ext cx="6172200" cy="1600200"/>
+          </a:xfrm>
+        </p:spPr>
+        <p:txBody>
+          <a:bodyPr/>
+          <a:lstStyle/>
+          <a:p>
+            <a:r>
+              <a:rPr lang="fr-FR" dirty="0"/>
+              <a:t>subissent des mutations aléatoires</a:t>
+            </a:r>
+          </a:p>
+        </p:txBody>
+      </p:sp>
+      <p:pic>
+        <p:nvPicPr>
+          <p:cNvPr id="8" name="Espace réservé pour une image  7">
+            <a:extLst>
+              <a:ext uri="{FF2B5EF4-FFF2-40B4-BE49-F238E27FC236}">
+                <a16:creationId xmlns:a16="http://schemas.microsoft.com/office/drawing/2014/main" id="{1EA4E7FA-AE10-4CA9-B9E8-F553907641C7}"/>
+              </a:ext>
+            </a:extLst>
+          </p:cNvPr>
+          <p:cNvPicPr>
+            <a:picLocks noGrp="1" noChangeAspect="1"/>
+          </p:cNvPicPr>
+          <p:nvPr>
+            <p:ph type="pic" idx="1"/>
+          </p:nvPr>
+        </p:nvPicPr>
+        <p:blipFill>
+          <a:blip r:embed="rId2">
+            <a:extLst>
+              <a:ext uri="{28A0092B-C50C-407E-A947-70E740481C1C}">
+                <a14:useLocalDpi xmlns:a14="http://schemas.microsoft.com/office/drawing/2010/main" val="0"/>
+              </a:ext>
+              <a:ext uri="{96DAC541-7B7A-43D3-8B79-37D633B846F1}">
+                <asvg:svgBlip xmlns:asvg="http://schemas.microsoft.com/office/drawing/2016/SVG/main" r:embed="rId3"/>
+              </a:ext>
+            </a:extLst>
+          </a:blip>
+          <a:srcRect l="9" r="9"/>
+          <a:stretch>
+            <a:fillRect/>
+          </a:stretch>
+        </p:blipFill>
+        <p:spPr/>
+      </p:pic>
+      <p:sp>
+        <p:nvSpPr>
+          <p:cNvPr id="6" name="Espace réservé du texte 5">
+            <a:extLst>
+              <a:ext uri="{FF2B5EF4-FFF2-40B4-BE49-F238E27FC236}">
+                <a16:creationId xmlns:a16="http://schemas.microsoft.com/office/drawing/2014/main" id="{26E029AC-AAC2-4BD6-A64C-EA5308AEFCC3}"/>
+              </a:ext>
+            </a:extLst>
+          </p:cNvPr>
+          <p:cNvSpPr>
+            <a:spLocks noGrp="1"/>
+          </p:cNvSpPr>
+          <p:nvPr>
+            <p:ph type="body" sz="half" idx="2"/>
+          </p:nvPr>
+        </p:nvSpPr>
+        <p:spPr/>
+        <p:txBody>
+          <a:bodyPr/>
+          <a:lstStyle/>
+          <a:p>
+            <a:endParaRPr lang="fr-FR" dirty="0"/>
+          </a:p>
+        </p:txBody>
+      </p:sp>
+      <p:grpSp>
+        <p:nvGrpSpPr>
+          <p:cNvPr id="13" name="Groupe 12">
+            <a:extLst>
+              <a:ext uri="{FF2B5EF4-FFF2-40B4-BE49-F238E27FC236}">
+                <a16:creationId xmlns:a16="http://schemas.microsoft.com/office/drawing/2014/main" id="{81D91C2D-4811-42A2-BA48-F42CFC74EB42}"/>
+              </a:ext>
+            </a:extLst>
+          </p:cNvPr>
+          <p:cNvGrpSpPr/>
+          <p:nvPr/>
+        </p:nvGrpSpPr>
+        <p:grpSpPr>
+          <a:xfrm>
+            <a:off x="6553581" y="3153853"/>
+            <a:ext cx="4133999" cy="2041438"/>
+            <a:chOff x="6483392" y="2466691"/>
+            <a:chExt cx="4133999" cy="2041438"/>
+          </a:xfrm>
+        </p:grpSpPr>
+        <p:sp>
+          <p:nvSpPr>
+            <p:cNvPr id="9" name="Ellipse 8">
+              <a:extLst>
+                <a:ext uri="{FF2B5EF4-FFF2-40B4-BE49-F238E27FC236}">
+                  <a16:creationId xmlns:a16="http://schemas.microsoft.com/office/drawing/2014/main" id="{B572C7D7-5524-4F12-9B9E-415FC744678C}"/>
+                </a:ext>
+              </a:extLst>
+            </p:cNvPr>
+            <p:cNvSpPr/>
+            <p:nvPr/>
+          </p:nvSpPr>
+          <p:spPr>
+            <a:xfrm>
+              <a:off x="7175715" y="2466691"/>
+              <a:ext cx="277075" cy="277075"/>
+            </a:xfrm>
+            <a:prstGeom prst="ellipse">
+              <a:avLst/>
+            </a:prstGeom>
+            <a:noFill/>
+            <a:ln w="19050">
+              <a:solidFill>
+                <a:srgbClr val="C00000"/>
+              </a:solidFill>
+            </a:ln>
+          </p:spPr>
+          <p:style>
+            <a:lnRef idx="2">
+              <a:schemeClr val="accent1">
+                <a:shade val="50000"/>
+              </a:schemeClr>
+            </a:lnRef>
+            <a:fillRef idx="1">
+              <a:schemeClr val="accent1"/>
+            </a:fillRef>
+            <a:effectRef idx="0">
+              <a:schemeClr val="accent1"/>
+            </a:effectRef>
+            <a:fontRef idx="minor">
+              <a:schemeClr val="lt1"/>
+            </a:fontRef>
+          </p:style>
+          <p:txBody>
+            <a:bodyPr rtlCol="0" anchor="ctr"/>
+            <a:lstStyle/>
+            <a:p>
+              <a:pPr algn="ctr"/>
+              <a:endParaRPr lang="fr-FR"/>
+            </a:p>
+          </p:txBody>
+        </p:sp>
+        <p:sp>
+          <p:nvSpPr>
+            <p:cNvPr id="10" name="Ellipse 9">
+              <a:extLst>
+                <a:ext uri="{FF2B5EF4-FFF2-40B4-BE49-F238E27FC236}">
+                  <a16:creationId xmlns:a16="http://schemas.microsoft.com/office/drawing/2014/main" id="{BFC4F465-FCD2-4A59-8F17-9C47A0BE9BA2}"/>
+                </a:ext>
+              </a:extLst>
+            </p:cNvPr>
+            <p:cNvSpPr/>
+            <p:nvPr/>
+          </p:nvSpPr>
+          <p:spPr>
+            <a:xfrm>
+              <a:off x="6483392" y="4141045"/>
+              <a:ext cx="277075" cy="277075"/>
+            </a:xfrm>
+            <a:prstGeom prst="ellipse">
+              <a:avLst/>
+            </a:prstGeom>
+            <a:noFill/>
+            <a:ln w="19050">
+              <a:solidFill>
+                <a:srgbClr val="C00000"/>
+              </a:solidFill>
+            </a:ln>
+          </p:spPr>
+          <p:style>
+            <a:lnRef idx="2">
+              <a:schemeClr val="accent1">
+                <a:shade val="50000"/>
+              </a:schemeClr>
+            </a:lnRef>
+            <a:fillRef idx="1">
+              <a:schemeClr val="accent1"/>
+            </a:fillRef>
+            <a:effectRef idx="0">
+              <a:schemeClr val="accent1"/>
+            </a:effectRef>
+            <a:fontRef idx="minor">
+              <a:schemeClr val="lt1"/>
+            </a:fontRef>
+          </p:style>
+          <p:txBody>
+            <a:bodyPr rtlCol="0" anchor="ctr"/>
+            <a:lstStyle/>
+            <a:p>
+              <a:pPr algn="ctr"/>
+              <a:endParaRPr lang="fr-FR"/>
+            </a:p>
+          </p:txBody>
+        </p:sp>
+        <p:sp>
+          <p:nvSpPr>
+            <p:cNvPr id="11" name="Ellipse 10">
+              <a:extLst>
+                <a:ext uri="{FF2B5EF4-FFF2-40B4-BE49-F238E27FC236}">
+                  <a16:creationId xmlns:a16="http://schemas.microsoft.com/office/drawing/2014/main" id="{845DAEA7-6728-4C3A-B2F2-666004AD1ED5}"/>
+                </a:ext>
+              </a:extLst>
+            </p:cNvPr>
+            <p:cNvSpPr/>
+            <p:nvPr/>
+          </p:nvSpPr>
+          <p:spPr>
+            <a:xfrm>
+              <a:off x="10340316" y="3053789"/>
+              <a:ext cx="277075" cy="277075"/>
+            </a:xfrm>
+            <a:prstGeom prst="ellipse">
+              <a:avLst/>
+            </a:prstGeom>
+            <a:noFill/>
+            <a:ln w="19050">
+              <a:solidFill>
+                <a:srgbClr val="C00000"/>
+              </a:solidFill>
+            </a:ln>
+          </p:spPr>
+          <p:style>
+            <a:lnRef idx="2">
+              <a:schemeClr val="accent1">
+                <a:shade val="50000"/>
+              </a:schemeClr>
+            </a:lnRef>
+            <a:fillRef idx="1">
+              <a:schemeClr val="accent1"/>
+            </a:fillRef>
+            <a:effectRef idx="0">
+              <a:schemeClr val="accent1"/>
+            </a:effectRef>
+            <a:fontRef idx="minor">
+              <a:schemeClr val="lt1"/>
+            </a:fontRef>
+          </p:style>
+          <p:txBody>
+            <a:bodyPr rtlCol="0" anchor="ctr"/>
+            <a:lstStyle/>
+            <a:p>
+              <a:pPr algn="ctr"/>
+              <a:endParaRPr lang="fr-FR"/>
+            </a:p>
+          </p:txBody>
+        </p:sp>
+        <p:sp>
+          <p:nvSpPr>
+            <p:cNvPr id="12" name="Ellipse 11">
+              <a:extLst>
+                <a:ext uri="{FF2B5EF4-FFF2-40B4-BE49-F238E27FC236}">
+                  <a16:creationId xmlns:a16="http://schemas.microsoft.com/office/drawing/2014/main" id="{55F9C8B4-E74C-4DD5-9C68-07CD77E38C03}"/>
+                </a:ext>
+              </a:extLst>
+            </p:cNvPr>
+            <p:cNvSpPr/>
+            <p:nvPr/>
+          </p:nvSpPr>
+          <p:spPr>
+            <a:xfrm>
+              <a:off x="8614821" y="4231054"/>
+              <a:ext cx="277075" cy="277075"/>
+            </a:xfrm>
+            <a:prstGeom prst="ellipse">
+              <a:avLst/>
+            </a:prstGeom>
+            <a:noFill/>
+            <a:ln w="19050">
+              <a:solidFill>
+                <a:srgbClr val="C00000"/>
+              </a:solidFill>
+            </a:ln>
+          </p:spPr>
+          <p:style>
+            <a:lnRef idx="2">
+              <a:schemeClr val="accent1">
+                <a:shade val="50000"/>
+              </a:schemeClr>
+            </a:lnRef>
+            <a:fillRef idx="1">
+              <a:schemeClr val="accent1"/>
+            </a:fillRef>
+            <a:effectRef idx="0">
+              <a:schemeClr val="accent1"/>
+            </a:effectRef>
+            <a:fontRef idx="minor">
+              <a:schemeClr val="lt1"/>
+            </a:fontRef>
+          </p:style>
+          <p:txBody>
+            <a:bodyPr rtlCol="0" anchor="ctr"/>
+            <a:lstStyle/>
+            <a:p>
+              <a:pPr algn="ctr"/>
+              <a:endParaRPr lang="fr-FR"/>
+            </a:p>
+          </p:txBody>
+        </p:sp>
+      </p:grpSp>
+    </p:spTree>
+    <p:extLst>
+      <p:ext uri="{BB962C8B-B14F-4D97-AF65-F5344CB8AC3E}">
+        <p14:creationId xmlns:p14="http://schemas.microsoft.com/office/powerpoint/2010/main" val="180123433"/>
+      </p:ext>
+    </p:extLst>
+  </p:cSld>
+  <p:clrMapOvr>
+    <a:masterClrMapping/>
+  </p:clrMapOvr>
+  <mc:AlternateContent xmlns:mc="http://schemas.openxmlformats.org/markup-compatibility/2006">
+    <mc:Choice xmlns:p14="http://schemas.microsoft.com/office/powerpoint/2010/main" Requires="p14">
+      <p:transition spd="med" p14:dur="700" advTm="3000">
+        <p:fade/>
+      </p:transition>
+    </mc:Choice>
+    <mc:Fallback>
+      <p:transition spd="med" advTm="3000">
+        <p:fade/>
+      </p:transition>
+    </mc:Fallback>
+  </mc:AlternateContent>
+  <p:timing>
+    <p:tnLst>
+      <p:par>
+        <p:cTn id="1" dur="indefinite" restart="never" nodeType="tmRoot">
+          <p:childTnLst>
+            <p:seq concurrent="1" nextAc="seek">
+              <p:cTn id="2" dur="indefinite" nodeType="mainSeq">
+                <p:childTnLst>
+                  <p:par>
+                    <p:cTn id="3" fill="hold">
+                      <p:stCondLst>
+                        <p:cond delay="indefinite"/>
+                      </p:stCondLst>
+                      <p:childTnLst>
+                        <p:par>
+                          <p:cTn id="4" fill="hold">
+                            <p:stCondLst>
+                              <p:cond delay="0"/>
+                            </p:stCondLst>
+                            <p:childTnLst>
+                              <p:par>
+                                <p:cTn id="5" presetID="10" presetClass="entr" presetSubtype="0" fill="hold" nodeType="clickEffect">
+                                  <p:stCondLst>
+                                    <p:cond delay="0"/>
+                                  </p:stCondLst>
+                                  <p:childTnLst>
+                                    <p:set>
+                                      <p:cBhvr>
+                                        <p:cTn id="6" dur="1" fill="hold">
+                                          <p:stCondLst>
+                                            <p:cond delay="0"/>
+                                          </p:stCondLst>
+                                        </p:cTn>
+                                        <p:tgtEl>
+                                          <p:spTgt spid="13"/>
+                                        </p:tgtEl>
+                                        <p:attrNameLst>
+                                          <p:attrName>style.visibility</p:attrName>
+                                        </p:attrNameLst>
+                                      </p:cBhvr>
+                                      <p:to>
+                                        <p:strVal val="visible"/>
+                                      </p:to>
+                                    </p:set>
+                                    <p:animEffect transition="in" filter="fade">
+                                      <p:cBhvr>
+                                        <p:cTn id="7" dur="500"/>
+                                        <p:tgtEl>
+                                          <p:spTgt spid="13"/>
+                                        </p:tgtEl>
+                                      </p:cBhvr>
+                                    </p:animEffect>
+                                  </p:childTnLst>
+                                </p:cTn>
+                              </p:par>
+                            </p:childTnLst>
+                          </p:cTn>
+                        </p:par>
+                      </p:childTnLst>
+                    </p:cTn>
+                  </p:par>
+                </p:childTnLst>
+              </p:cTn>
+              <p:prevCondLst>
+                <p:cond evt="onPrev" delay="0">
+                  <p:tgtEl>
+                    <p:sldTgt/>
+                  </p:tgtEl>
+                </p:cond>
+              </p:prevCondLst>
+              <p:nextCondLst>
+                <p:cond evt="onNext" delay="0">
+                  <p:tgtEl>
+                    <p:sldTgt/>
+                  </p:tgtEl>
+                </p:cond>
+              </p:nextCondLst>
+            </p:seq>
+          </p:childTnLst>
+        </p:cTn>
+      </p:par>
+    </p:tnLst>
+  </p:timing>
+</p:sld>
+</file>
+
+<file path=ppt/slides/slide4.xml><?xml version="1.0" encoding="utf-8"?>
+<p:sld xmlns:a="http://schemas.openxmlformats.org/drawingml/2006/main" xmlns:r="http://schemas.openxmlformats.org/officeDocument/2006/relationships" xmlns:p="http://schemas.openxmlformats.org/presentationml/2006/main">
+  <p:cSld>
+    <p:spTree>
+      <p:nvGrpSpPr>
+        <p:cNvPr id="1" name=""/>
+        <p:cNvGrpSpPr/>
+        <p:nvPr/>
+      </p:nvGrpSpPr>
+      <p:grpSpPr>
+        <a:xfrm>
+          <a:off x="0" y="0"/>
+          <a:ext cx="0" cy="0"/>
+          <a:chOff x="0" y="0"/>
+          <a:chExt cx="0" cy="0"/>
+        </a:xfrm>
+      </p:grpSpPr>
+      <p:sp>
+        <p:nvSpPr>
+          <p:cNvPr id="2" name="Titre 1">
+            <a:extLst>
+              <a:ext uri="{FF2B5EF4-FFF2-40B4-BE49-F238E27FC236}">
+                <a16:creationId xmlns:a16="http://schemas.microsoft.com/office/drawing/2014/main" id="{4D1989DD-D8DB-49C6-A630-1976D350C7C1}"/>
+              </a:ext>
+            </a:extLst>
+          </p:cNvPr>
+          <p:cNvSpPr>
+            <a:spLocks noGrp="1"/>
+          </p:cNvSpPr>
+          <p:nvPr>
+            <p:ph type="title"/>
+          </p:nvPr>
+        </p:nvSpPr>
+        <p:spPr>
+          <a:xfrm>
+            <a:off x="839788" y="457200"/>
+            <a:ext cx="8532812" cy="1600200"/>
+          </a:xfrm>
+        </p:spPr>
+        <p:txBody>
+          <a:bodyPr>
+            <a:normAutofit/>
+          </a:bodyPr>
+          <a:lstStyle/>
+          <a:p>
+            <a:r>
+              <a:rPr lang="fr-FR" spc="-1" dirty="0">
+                <a:solidFill>
+                  <a:srgbClr val="000000"/>
+                </a:solidFill>
+              </a:rPr>
+              <a:t>les rendant insensibles à certains antiparasitaires</a:t>
+            </a:r>
+            <a:endParaRPr lang="fr-FR" dirty="0"/>
+          </a:p>
+        </p:txBody>
+      </p:sp>
+      <p:pic>
+        <p:nvPicPr>
+          <p:cNvPr id="8" name="Espace réservé pour une image  7">
+            <a:extLst>
+              <a:ext uri="{FF2B5EF4-FFF2-40B4-BE49-F238E27FC236}">
+                <a16:creationId xmlns:a16="http://schemas.microsoft.com/office/drawing/2014/main" id="{B58A2DC6-9C7D-49C6-8762-AD431B6B276E}"/>
+              </a:ext>
+            </a:extLst>
+          </p:cNvPr>
+          <p:cNvPicPr>
+            <a:picLocks noGrp="1" noChangeAspect="1"/>
+          </p:cNvPicPr>
+          <p:nvPr>
+            <p:ph type="pic" idx="1"/>
+          </p:nvPr>
+        </p:nvPicPr>
+        <p:blipFill rotWithShape="1">
+          <a:blip r:embed="rId2">
+            <a:extLst>
+              <a:ext uri="{28A0092B-C50C-407E-A947-70E740481C1C}">
+                <a14:useLocalDpi xmlns:a14="http://schemas.microsoft.com/office/drawing/2010/main" val="0"/>
+              </a:ext>
+              <a:ext uri="{96DAC541-7B7A-43D3-8B79-37D633B846F1}">
+                <asvg:svgBlip xmlns:asvg="http://schemas.microsoft.com/office/drawing/2016/SVG/main" r:embed="rId3"/>
+              </a:ext>
+            </a:extLst>
+          </a:blip>
+          <a:srcRect l="-27931" t="-3299" r="-27931" b="-3299"/>
+          <a:stretch/>
+        </p:blipFill>
+        <p:spPr>
+          <a:xfrm>
+            <a:off x="7220610" y="3236686"/>
+            <a:ext cx="2477942" cy="1956606"/>
+          </a:xfrm>
+        </p:spPr>
+      </p:pic>
+      <p:sp>
+        <p:nvSpPr>
+          <p:cNvPr id="6" name="Espace réservé du texte 5">
+            <a:extLst>
+              <a:ext uri="{FF2B5EF4-FFF2-40B4-BE49-F238E27FC236}">
+                <a16:creationId xmlns:a16="http://schemas.microsoft.com/office/drawing/2014/main" id="{76736C33-4245-4F7F-935A-B6267279A9ED}"/>
+              </a:ext>
+            </a:extLst>
+          </p:cNvPr>
+          <p:cNvSpPr>
+            <a:spLocks noGrp="1"/>
+          </p:cNvSpPr>
+          <p:nvPr>
+            <p:ph type="body" sz="half" idx="2"/>
+          </p:nvPr>
+        </p:nvSpPr>
+        <p:spPr/>
+        <p:txBody>
+          <a:bodyPr/>
+          <a:lstStyle/>
+          <a:p>
+            <a:endParaRPr lang="fr-FR" dirty="0"/>
+          </a:p>
+        </p:txBody>
+      </p:sp>
+    </p:spTree>
+    <p:extLst>
+      <p:ext uri="{BB962C8B-B14F-4D97-AF65-F5344CB8AC3E}">
+        <p14:creationId xmlns:p14="http://schemas.microsoft.com/office/powerpoint/2010/main" val="4173442266"/>
+      </p:ext>
+    </p:extLst>
+  </p:cSld>
+  <p:clrMapOvr>
+    <a:masterClrMapping/>
+  </p:clrMapOvr>
+  <mc:AlternateContent xmlns:mc="http://schemas.openxmlformats.org/markup-compatibility/2006">
+    <mc:Choice xmlns:p14="http://schemas.microsoft.com/office/powerpoint/2010/main" Requires="p14">
+      <p:transition spd="med" p14:dur="700" advTm="3000">
+        <p:fade/>
+      </p:transition>
+    </mc:Choice>
+    <mc:Fallback>
+      <p:transition spd="med" advTm="3000">
+        <p:fade/>
+      </p:transition>
+    </mc:Fallback>
+  </mc:AlternateContent>
+</p:sld>
+</file>
+
+<file path=ppt/slides/slide5.xml><?xml version="1.0" encoding="utf-8"?>
+<p:sld xmlns:a="http://schemas.openxmlformats.org/drawingml/2006/main" xmlns:r="http://schemas.openxmlformats.org/officeDocument/2006/relationships" xmlns:p="http://schemas.openxmlformats.org/presentationml/2006/main">
+  <p:cSld>
+    <p:spTree>
+      <p:nvGrpSpPr>
+        <p:cNvPr id="1" name=""/>
+        <p:cNvGrpSpPr/>
+        <p:nvPr/>
+      </p:nvGrpSpPr>
+      <p:grpSpPr>
+        <a:xfrm>
+          <a:off x="0" y="0"/>
+          <a:ext cx="0" cy="0"/>
+          <a:chOff x="0" y="0"/>
+          <a:chExt cx="0" cy="0"/>
+        </a:xfrm>
+      </p:grpSpPr>
+      <p:sp>
+        <p:nvSpPr>
+          <p:cNvPr id="2" name="Titre 1">
+            <a:extLst>
+              <a:ext uri="{FF2B5EF4-FFF2-40B4-BE49-F238E27FC236}">
+                <a16:creationId xmlns:a16="http://schemas.microsoft.com/office/drawing/2014/main" id="{1CB39BA8-7B69-4606-A6B4-C2AE66A36ED3}"/>
+              </a:ext>
+            </a:extLst>
+          </p:cNvPr>
+          <p:cNvSpPr>
+            <a:spLocks noGrp="1"/>
+          </p:cNvSpPr>
+          <p:nvPr>
+            <p:ph type="title"/>
+          </p:nvPr>
+        </p:nvSpPr>
+        <p:spPr>
+          <a:xfrm>
+            <a:off x="839788" y="457200"/>
+            <a:ext cx="8177603" cy="1600200"/>
+          </a:xfrm>
+        </p:spPr>
+        <p:txBody>
+          <a:bodyPr>
+            <a:normAutofit/>
+          </a:bodyPr>
+          <a:lstStyle/>
+          <a:p>
+            <a:r>
+              <a:rPr lang="fr-FR" spc="-1" dirty="0">
+                <a:solidFill>
+                  <a:srgbClr val="000000"/>
+                </a:solidFill>
+              </a:rPr>
+              <a:t>alors si on traite régulièrement tous les animaux</a:t>
+            </a:r>
+            <a:endParaRPr lang="fr-FR" dirty="0"/>
+          </a:p>
+        </p:txBody>
+      </p:sp>
+      <p:pic>
+        <p:nvPicPr>
+          <p:cNvPr id="8" name="Espace réservé pour une image  7">
+            <a:extLst>
+              <a:ext uri="{FF2B5EF4-FFF2-40B4-BE49-F238E27FC236}">
+                <a16:creationId xmlns:a16="http://schemas.microsoft.com/office/drawing/2014/main" id="{E964AA37-54FA-4194-AB74-20AA309A8DA4}"/>
+              </a:ext>
+            </a:extLst>
+          </p:cNvPr>
+          <p:cNvPicPr>
+            <a:picLocks noGrp="1" noChangeAspect="1"/>
+          </p:cNvPicPr>
+          <p:nvPr>
+            <p:ph type="pic" idx="1"/>
+          </p:nvPr>
+        </p:nvPicPr>
+        <p:blipFill>
+          <a:blip r:embed="rId2">
+            <a:extLst>
+              <a:ext uri="{28A0092B-C50C-407E-A947-70E740481C1C}">
+                <a14:useLocalDpi xmlns:a14="http://schemas.microsoft.com/office/drawing/2010/main" val="0"/>
+              </a:ext>
+              <a:ext uri="{96DAC541-7B7A-43D3-8B79-37D633B846F1}">
+                <asvg:svgBlip xmlns:asvg="http://schemas.microsoft.com/office/drawing/2016/SVG/main" r:embed="rId3"/>
+              </a:ext>
+            </a:extLst>
+          </a:blip>
+          <a:srcRect l="9" r="9"/>
+          <a:stretch>
+            <a:fillRect/>
+          </a:stretch>
+        </p:blipFill>
+        <p:spPr/>
+      </p:pic>
+      <p:sp>
+        <p:nvSpPr>
+          <p:cNvPr id="6" name="Espace réservé du texte 5">
+            <a:extLst>
+              <a:ext uri="{FF2B5EF4-FFF2-40B4-BE49-F238E27FC236}">
+                <a16:creationId xmlns:a16="http://schemas.microsoft.com/office/drawing/2014/main" id="{5C6753C0-3E2A-4757-940E-31E05F1E9EEC}"/>
+              </a:ext>
+            </a:extLst>
+          </p:cNvPr>
+          <p:cNvSpPr>
+            <a:spLocks noGrp="1"/>
+          </p:cNvSpPr>
+          <p:nvPr>
+            <p:ph type="body" sz="half" idx="2"/>
+          </p:nvPr>
+        </p:nvSpPr>
+        <p:spPr/>
+        <p:txBody>
+          <a:bodyPr/>
+          <a:lstStyle/>
+          <a:p>
+            <a:endParaRPr lang="fr-FR"/>
+          </a:p>
+        </p:txBody>
+      </p:sp>
+      <p:pic>
+        <p:nvPicPr>
+          <p:cNvPr id="15" name="Graphique 14">
+            <a:extLst>
+              <a:ext uri="{FF2B5EF4-FFF2-40B4-BE49-F238E27FC236}">
+                <a16:creationId xmlns:a16="http://schemas.microsoft.com/office/drawing/2014/main" id="{0A398DE4-44F1-4FFC-ABFE-A732289FA0D3}"/>
+              </a:ext>
+            </a:extLst>
+          </p:cNvPr>
+          <p:cNvPicPr>
+            <a:picLocks noChangeAspect="1"/>
+          </p:cNvPicPr>
+          <p:nvPr/>
+        </p:nvPicPr>
+        <p:blipFill>
+          <a:blip r:embed="rId4">
+            <a:extLst>
+              <a:ext uri="{96DAC541-7B7A-43D3-8B79-37D633B846F1}">
+                <asvg:svgBlip xmlns:asvg="http://schemas.microsoft.com/office/drawing/2016/SVG/main" r:embed="rId5"/>
+              </a:ext>
+            </a:extLst>
+          </a:blip>
+          <a:stretch>
+            <a:fillRect/>
+          </a:stretch>
+        </p:blipFill>
+        <p:spPr>
+          <a:xfrm>
+            <a:off x="6443224" y="4105506"/>
+            <a:ext cx="477948" cy="530224"/>
+          </a:xfrm>
+          <a:prstGeom prst="rect">
+            <a:avLst/>
+          </a:prstGeom>
+        </p:spPr>
+      </p:pic>
+      <p:pic>
+        <p:nvPicPr>
+          <p:cNvPr id="16" name="Graphique 15">
+            <a:extLst>
+              <a:ext uri="{FF2B5EF4-FFF2-40B4-BE49-F238E27FC236}">
+                <a16:creationId xmlns:a16="http://schemas.microsoft.com/office/drawing/2014/main" id="{78D7F098-C904-4B66-908D-EAE7F527C095}"/>
+              </a:ext>
+            </a:extLst>
+          </p:cNvPr>
+          <p:cNvPicPr>
+            <a:picLocks noChangeAspect="1"/>
+          </p:cNvPicPr>
+          <p:nvPr/>
+        </p:nvPicPr>
+        <p:blipFill>
+          <a:blip r:embed="rId4">
+            <a:extLst>
+              <a:ext uri="{96DAC541-7B7A-43D3-8B79-37D633B846F1}">
+                <asvg:svgBlip xmlns:asvg="http://schemas.microsoft.com/office/drawing/2016/SVG/main" r:embed="rId5"/>
+              </a:ext>
+            </a:extLst>
+          </a:blip>
+          <a:stretch>
+            <a:fillRect/>
+          </a:stretch>
+        </p:blipFill>
+        <p:spPr>
+          <a:xfrm>
+            <a:off x="7020962" y="2689336"/>
+            <a:ext cx="378157" cy="419518"/>
+          </a:xfrm>
+          <a:prstGeom prst="rect">
+            <a:avLst/>
+          </a:prstGeom>
+        </p:spPr>
+      </p:pic>
+      <p:pic>
+        <p:nvPicPr>
+          <p:cNvPr id="17" name="Graphique 16">
+            <a:extLst>
+              <a:ext uri="{FF2B5EF4-FFF2-40B4-BE49-F238E27FC236}">
+                <a16:creationId xmlns:a16="http://schemas.microsoft.com/office/drawing/2014/main" id="{A7075FF9-BDAA-41E4-AD53-04DD3C5D5A68}"/>
+              </a:ext>
+            </a:extLst>
+          </p:cNvPr>
+          <p:cNvPicPr>
+            <a:picLocks noChangeAspect="1"/>
+          </p:cNvPicPr>
+          <p:nvPr/>
+        </p:nvPicPr>
+        <p:blipFill>
+          <a:blip r:embed="rId6">
+            <a:extLst>
+              <a:ext uri="{96DAC541-7B7A-43D3-8B79-37D633B846F1}">
+                <asvg:svgBlip xmlns:asvg="http://schemas.microsoft.com/office/drawing/2016/SVG/main" r:embed="rId7"/>
+              </a:ext>
+            </a:extLst>
+          </a:blip>
+          <a:stretch>
+            <a:fillRect/>
+          </a:stretch>
+        </p:blipFill>
+        <p:spPr>
+          <a:xfrm>
+            <a:off x="8093077" y="5136631"/>
+            <a:ext cx="190500" cy="238125"/>
+          </a:xfrm>
+          <a:prstGeom prst="rect">
+            <a:avLst/>
+          </a:prstGeom>
+        </p:spPr>
+      </p:pic>
+      <p:pic>
+        <p:nvPicPr>
+          <p:cNvPr id="18" name="Graphique 17">
+            <a:extLst>
+              <a:ext uri="{FF2B5EF4-FFF2-40B4-BE49-F238E27FC236}">
+                <a16:creationId xmlns:a16="http://schemas.microsoft.com/office/drawing/2014/main" id="{68767ADE-6CEE-435D-958B-1B8937F39F51}"/>
+              </a:ext>
+            </a:extLst>
+          </p:cNvPr>
+          <p:cNvPicPr>
+            <a:picLocks noChangeAspect="1"/>
+          </p:cNvPicPr>
+          <p:nvPr/>
+        </p:nvPicPr>
+        <p:blipFill>
+          <a:blip r:embed="rId8">
+            <a:extLst>
+              <a:ext uri="{96DAC541-7B7A-43D3-8B79-37D633B846F1}">
+                <asvg:svgBlip xmlns:asvg="http://schemas.microsoft.com/office/drawing/2016/SVG/main" r:embed="rId9"/>
+              </a:ext>
+            </a:extLst>
+          </a:blip>
+          <a:stretch>
+            <a:fillRect/>
+          </a:stretch>
+        </p:blipFill>
+        <p:spPr>
+          <a:xfrm>
+            <a:off x="8640705" y="3527981"/>
+            <a:ext cx="301466" cy="301466"/>
+          </a:xfrm>
+          <a:prstGeom prst="rect">
+            <a:avLst/>
+          </a:prstGeom>
+        </p:spPr>
+      </p:pic>
+      <p:sp>
+        <p:nvSpPr>
+          <p:cNvPr id="20" name="Rectangle 19">
+            <a:extLst>
+              <a:ext uri="{FF2B5EF4-FFF2-40B4-BE49-F238E27FC236}">
+                <a16:creationId xmlns:a16="http://schemas.microsoft.com/office/drawing/2014/main" id="{1F3359E9-6C95-46AD-8B6B-D9292CCA2333}"/>
+              </a:ext>
+            </a:extLst>
+          </p:cNvPr>
+          <p:cNvSpPr/>
+          <p:nvPr/>
+        </p:nvSpPr>
+        <p:spPr>
+          <a:xfrm>
+            <a:off x="3550024" y="1541198"/>
+            <a:ext cx="3227294" cy="497541"/>
+          </a:xfrm>
+          <a:prstGeom prst="rect">
+            <a:avLst/>
+          </a:prstGeom>
+          <a:solidFill>
+            <a:schemeClr val="accent2">
+              <a:lumMod val="50000"/>
+              <a:alpha val="40000"/>
+            </a:schemeClr>
+          </a:solidFill>
+          <a:ln>
+            <a:noFill/>
+          </a:ln>
+        </p:spPr>
+        <p:style>
+          <a:lnRef idx="2">
+            <a:schemeClr val="accent1">
+              <a:shade val="50000"/>
+            </a:schemeClr>
+          </a:lnRef>
+          <a:fillRef idx="1">
+            <a:schemeClr val="accent1"/>
+          </a:fillRef>
+          <a:effectRef idx="0">
+            <a:schemeClr val="accent1"/>
+          </a:effectRef>
+          <a:fontRef idx="minor">
+            <a:schemeClr val="lt1"/>
+          </a:fontRef>
+        </p:style>
+        <p:txBody>
+          <a:bodyPr rtlCol="0" anchor="ctr"/>
+          <a:lstStyle/>
+          <a:p>
+            <a:pPr algn="ctr"/>
+            <a:endParaRPr lang="fr-FR"/>
+          </a:p>
+        </p:txBody>
+      </p:sp>
+    </p:spTree>
+    <p:extLst>
+      <p:ext uri="{BB962C8B-B14F-4D97-AF65-F5344CB8AC3E}">
+        <p14:creationId xmlns:p14="http://schemas.microsoft.com/office/powerpoint/2010/main" val="1667730543"/>
+      </p:ext>
+    </p:extLst>
+  </p:cSld>
+  <p:clrMapOvr>
+    <a:masterClrMapping/>
+  </p:clrMapOvr>
+  <mc:AlternateContent xmlns:mc="http://schemas.openxmlformats.org/markup-compatibility/2006">
+    <mc:Choice xmlns:p14="http://schemas.microsoft.com/office/powerpoint/2010/main" Requires="p14">
+      <p:transition spd="med" p14:dur="700" advTm="3000">
+        <p:fade/>
+      </p:transition>
+    </mc:Choice>
+    <mc:Fallback>
+      <p:transition spd="med" advTm="3000">
+        <p:fade/>
+      </p:transition>
+    </mc:Fallback>
+  </mc:AlternateContent>
+  <p:timing>
+    <p:tnLst>
+      <p:par>
+        <p:cTn id="1" dur="indefinite" restart="never" nodeType="tmRoot">
+          <p:childTnLst>
+            <p:seq concurrent="1" nextAc="seek">
+              <p:cTn id="2" dur="indefinite" nodeType="mainSeq">
+                <p:childTnLst>
+                  <p:par>
+                    <p:cTn id="3" fill="hold">
+                      <p:stCondLst>
+                        <p:cond delay="indefinite"/>
+                      </p:stCondLst>
+                      <p:childTnLst>
+                        <p:par>
+                          <p:cTn id="4" fill="hold">
+                            <p:stCondLst>
+                              <p:cond delay="0"/>
+                            </p:stCondLst>
+                            <p:childTnLst>
+                              <p:par>
+                                <p:cTn id="5" presetID="10" presetClass="entr" presetSubtype="0" fill="hold" nodeType="clickEffect">
+                                  <p:stCondLst>
+                                    <p:cond delay="0"/>
+                                  </p:stCondLst>
+                                  <p:childTnLst>
+                                    <p:set>
+                                      <p:cBhvr>
+                                        <p:cTn id="6" dur="1" fill="hold">
+                                          <p:stCondLst>
+                                            <p:cond delay="0"/>
+                                          </p:stCondLst>
+                                        </p:cTn>
+                                        <p:tgtEl>
+                                          <p:spTgt spid="8"/>
+                                        </p:tgtEl>
+                                        <p:attrNameLst>
+                                          <p:attrName>style.visibility</p:attrName>
+                                        </p:attrNameLst>
+                                      </p:cBhvr>
+                                      <p:to>
+                                        <p:strVal val="visible"/>
+                                      </p:to>
+                                    </p:set>
+                                    <p:animEffect transition="in" filter="fade">
+                                      <p:cBhvr>
+                                        <p:cTn id="7" dur="500"/>
+                                        <p:tgtEl>
+                                          <p:spTgt spid="8"/>
+                                        </p:tgtEl>
+                                      </p:cBhvr>
+                                    </p:animEffect>
+                                  </p:childTnLst>
+                                </p:cTn>
+                              </p:par>
+                            </p:childTnLst>
+                          </p:cTn>
+                        </p:par>
+                      </p:childTnLst>
+                    </p:cTn>
+                  </p:par>
+                  <p:par>
+                    <p:cTn id="8" fill="hold">
+                      <p:stCondLst>
+                        <p:cond delay="indefinite"/>
+                      </p:stCondLst>
+                      <p:childTnLst>
+                        <p:par>
+                          <p:cTn id="9" fill="hold">
+                            <p:stCondLst>
+                              <p:cond delay="0"/>
+                            </p:stCondLst>
+                            <p:childTnLst>
+                              <p:par>
+                                <p:cTn id="10" presetID="22" presetClass="entr" presetSubtype="8" fill="hold" grpId="0" nodeType="clickEffect">
+                                  <p:stCondLst>
+                                    <p:cond delay="0"/>
+                                  </p:stCondLst>
+                                  <p:childTnLst>
+                                    <p:set>
+                                      <p:cBhvr>
+                                        <p:cTn id="11" dur="1" fill="hold">
+                                          <p:stCondLst>
+                                            <p:cond delay="0"/>
+                                          </p:stCondLst>
+                                        </p:cTn>
+                                        <p:tgtEl>
+                                          <p:spTgt spid="20"/>
+                                        </p:tgtEl>
+                                        <p:attrNameLst>
+                                          <p:attrName>style.visibility</p:attrName>
+                                        </p:attrNameLst>
+                                      </p:cBhvr>
+                                      <p:to>
+                                        <p:strVal val="visible"/>
+                                      </p:to>
+                                    </p:set>
+                                    <p:animEffect transition="in" filter="wipe(left)">
+                                      <p:cBhvr>
+                                        <p:cTn id="12" dur="500"/>
+                                        <p:tgtEl>
+                                          <p:spTgt spid="20"/>
                                         </p:tgtEl>
                                       </p:cBhvr>
                                     </p:animEffect>
@@ -4576,24 +7878,260 @@
                             </p:stCondLst>
                             <p:childTnLst>
                               <p:par>
-                                <p:cTn id="15" presetID="26" presetClass="emph" presetSubtype="0" fill="hold" nodeType="clickEffect">
+                                <p:cTn id="15" presetID="10" presetClass="entr" presetSubtype="0" fill="hold" nodeType="clickEffect">
+                                  <p:stCondLst>
+                                    <p:cond delay="0"/>
+                                  </p:stCondLst>
+                                  <p:childTnLst>
+                                    <p:set>
+                                      <p:cBhvr>
+                                        <p:cTn id="16" dur="1" fill="hold">
+                                          <p:stCondLst>
+                                            <p:cond delay="0"/>
+                                          </p:stCondLst>
+                                        </p:cTn>
+                                        <p:tgtEl>
+                                          <p:spTgt spid="16"/>
+                                        </p:tgtEl>
+                                        <p:attrNameLst>
+                                          <p:attrName>style.visibility</p:attrName>
+                                        </p:attrNameLst>
+                                      </p:cBhvr>
+                                      <p:to>
+                                        <p:strVal val="visible"/>
+                                      </p:to>
+                                    </p:set>
+                                    <p:animEffect transition="in" filter="fade">
+                                      <p:cBhvr>
+                                        <p:cTn id="17" dur="500"/>
+                                        <p:tgtEl>
+                                          <p:spTgt spid="16"/>
+                                        </p:tgtEl>
+                                      </p:cBhvr>
+                                    </p:animEffect>
+                                  </p:childTnLst>
+                                </p:cTn>
+                              </p:par>
+                              <p:par>
+                                <p:cTn id="18" presetID="10" presetClass="entr" presetSubtype="0" fill="hold" nodeType="withEffect">
+                                  <p:stCondLst>
+                                    <p:cond delay="0"/>
+                                  </p:stCondLst>
+                                  <p:childTnLst>
+                                    <p:set>
+                                      <p:cBhvr>
+                                        <p:cTn id="19" dur="1" fill="hold">
+                                          <p:stCondLst>
+                                            <p:cond delay="0"/>
+                                          </p:stCondLst>
+                                        </p:cTn>
+                                        <p:tgtEl>
+                                          <p:spTgt spid="15"/>
+                                        </p:tgtEl>
+                                        <p:attrNameLst>
+                                          <p:attrName>style.visibility</p:attrName>
+                                        </p:attrNameLst>
+                                      </p:cBhvr>
+                                      <p:to>
+                                        <p:strVal val="visible"/>
+                                      </p:to>
+                                    </p:set>
+                                    <p:animEffect transition="in" filter="fade">
+                                      <p:cBhvr>
+                                        <p:cTn id="20" dur="500"/>
+                                        <p:tgtEl>
+                                          <p:spTgt spid="15"/>
+                                        </p:tgtEl>
+                                      </p:cBhvr>
+                                    </p:animEffect>
+                                  </p:childTnLst>
+                                </p:cTn>
+                              </p:par>
+                              <p:par>
+                                <p:cTn id="21" presetID="10" presetClass="entr" presetSubtype="0" fill="hold" nodeType="withEffect">
+                                  <p:stCondLst>
+                                    <p:cond delay="0"/>
+                                  </p:stCondLst>
+                                  <p:childTnLst>
+                                    <p:set>
+                                      <p:cBhvr>
+                                        <p:cTn id="22" dur="1" fill="hold">
+                                          <p:stCondLst>
+                                            <p:cond delay="0"/>
+                                          </p:stCondLst>
+                                        </p:cTn>
+                                        <p:tgtEl>
+                                          <p:spTgt spid="18"/>
+                                        </p:tgtEl>
+                                        <p:attrNameLst>
+                                          <p:attrName>style.visibility</p:attrName>
+                                        </p:attrNameLst>
+                                      </p:cBhvr>
+                                      <p:to>
+                                        <p:strVal val="visible"/>
+                                      </p:to>
+                                    </p:set>
+                                    <p:animEffect transition="in" filter="fade">
+                                      <p:cBhvr>
+                                        <p:cTn id="23" dur="500"/>
+                                        <p:tgtEl>
+                                          <p:spTgt spid="18"/>
+                                        </p:tgtEl>
+                                      </p:cBhvr>
+                                    </p:animEffect>
+                                  </p:childTnLst>
+                                </p:cTn>
+                              </p:par>
+                              <p:par>
+                                <p:cTn id="24" presetID="10" presetClass="entr" presetSubtype="0" fill="hold" nodeType="withEffect">
+                                  <p:stCondLst>
+                                    <p:cond delay="0"/>
+                                  </p:stCondLst>
+                                  <p:childTnLst>
+                                    <p:set>
+                                      <p:cBhvr>
+                                        <p:cTn id="25" dur="1" fill="hold">
+                                          <p:stCondLst>
+                                            <p:cond delay="0"/>
+                                          </p:stCondLst>
+                                        </p:cTn>
+                                        <p:tgtEl>
+                                          <p:spTgt spid="17"/>
+                                        </p:tgtEl>
+                                        <p:attrNameLst>
+                                          <p:attrName>style.visibility</p:attrName>
+                                        </p:attrNameLst>
+                                      </p:cBhvr>
+                                      <p:to>
+                                        <p:strVal val="visible"/>
+                                      </p:to>
+                                    </p:set>
+                                    <p:animEffect transition="in" filter="fade">
+                                      <p:cBhvr>
+                                        <p:cTn id="26" dur="500"/>
+                                        <p:tgtEl>
+                                          <p:spTgt spid="17"/>
+                                        </p:tgtEl>
+                                      </p:cBhvr>
+                                    </p:animEffect>
+                                  </p:childTnLst>
+                                </p:cTn>
+                              </p:par>
+                              <p:par>
+                                <p:cTn id="27" presetID="26" presetClass="emph" presetSubtype="0" fill="hold" nodeType="withEffect">
                                   <p:stCondLst>
                                     <p:cond delay="0"/>
                                   </p:stCondLst>
                                   <p:childTnLst>
                                     <p:animEffect transition="out" filter="fade">
                                       <p:cBhvr>
-                                        <p:cTn id="16" dur="500" tmFilter="0, 0; .2, .5; .8, .5; 1, 0"/>
+                                        <p:cTn id="28" dur="500" tmFilter="0, 0; .2, .5; .8, .5; 1, 0"/>
                                         <p:tgtEl>
-                                          <p:spTgt spid="20"/>
+                                          <p:spTgt spid="15"/>
                                         </p:tgtEl>
                                       </p:cBhvr>
                                     </p:animEffect>
                                     <p:animScale>
                                       <p:cBhvr>
-                                        <p:cTn id="17" dur="250" autoRev="1" fill="hold"/>
+                                        <p:cTn id="29" dur="250" autoRev="1" fill="hold"/>
                                         <p:tgtEl>
-                                          <p:spTgt spid="20"/>
+                                          <p:spTgt spid="15"/>
+                                        </p:tgtEl>
+                                      </p:cBhvr>
+                                      <p:by x="105000" y="105000"/>
+                                    </p:animScale>
+                                  </p:childTnLst>
+                                </p:cTn>
+                              </p:par>
+                            </p:childTnLst>
+                          </p:cTn>
+                        </p:par>
+                      </p:childTnLst>
+                    </p:cTn>
+                  </p:par>
+                  <p:par>
+                    <p:cTn id="30" fill="hold">
+                      <p:stCondLst>
+                        <p:cond delay="indefinite"/>
+                      </p:stCondLst>
+                      <p:childTnLst>
+                        <p:par>
+                          <p:cTn id="31" fill="hold">
+                            <p:stCondLst>
+                              <p:cond delay="0"/>
+                            </p:stCondLst>
+                            <p:childTnLst>
+                              <p:par>
+                                <p:cTn id="32" presetID="26" presetClass="emph" presetSubtype="0" fill="hold" nodeType="clickEffect">
+                                  <p:stCondLst>
+                                    <p:cond delay="0"/>
+                                  </p:stCondLst>
+                                  <p:childTnLst>
+                                    <p:animEffect transition="out" filter="fade">
+                                      <p:cBhvr>
+                                        <p:cTn id="33" dur="500" tmFilter="0, 0; .2, .5; .8, .5; 1, 0"/>
+                                        <p:tgtEl>
+                                          <p:spTgt spid="16"/>
+                                        </p:tgtEl>
+                                      </p:cBhvr>
+                                    </p:animEffect>
+                                    <p:animScale>
+                                      <p:cBhvr>
+                                        <p:cTn id="34" dur="250" autoRev="1" fill="hold"/>
+                                        <p:tgtEl>
+                                          <p:spTgt spid="16"/>
+                                        </p:tgtEl>
+                                      </p:cBhvr>
+                                      <p:by x="105000" y="105000"/>
+                                    </p:animScale>
+                                  </p:childTnLst>
+                                </p:cTn>
+                              </p:par>
+                              <p:par>
+                                <p:cTn id="35" presetID="26" presetClass="emph" presetSubtype="0" fill="hold" nodeType="withEffect">
+                                  <p:stCondLst>
+                                    <p:cond delay="0"/>
+                                  </p:stCondLst>
+                                  <p:childTnLst>
+                                    <p:animEffect transition="out" filter="fade">
+                                      <p:cBhvr>
+                                        <p:cTn id="36" dur="500" tmFilter="0, 0; .2, .5; .8, .5; 1, 0"/>
+                                        <p:tgtEl>
+                                          <p:spTgt spid="18"/>
+                                        </p:tgtEl>
+                                      </p:cBhvr>
+                                    </p:animEffect>
+                                    <p:animScale>
+                                      <p:cBhvr>
+                                        <p:cTn id="37" dur="250" autoRev="1" fill="hold"/>
+                                        <p:tgtEl>
+                                          <p:spTgt spid="18"/>
+                                        </p:tgtEl>
+                                      </p:cBhvr>
+                                      <p:by x="105000" y="105000"/>
+                                    </p:animScale>
+                                  </p:childTnLst>
+                                </p:cTn>
+                              </p:par>
+                              <p:par>
+                                <p:cTn id="38" presetID="26" presetClass="emph" presetSubtype="0" fill="hold" nodeType="withEffect">
+                                  <p:stCondLst>
+                                    <p:cond delay="0"/>
+                                  </p:stCondLst>
+                                  <p:childTnLst>
+                                    <p:animEffect transition="out" filter="fade">
+                                      <p:cBhvr>
+                                        <p:cTn id="39" dur="500" tmFilter="0, 0; .2, .5; .8, .5; 1, 0"/>
+                                        <p:tgtEl>
+                                          <p:spTgt spid="17"/>
+                                        </p:tgtEl>
+                                      </p:cBhvr>
+                                    </p:animEffect>
+                                    <p:animScale>
+                                      <p:cBhvr>
+                                        <p:cTn id="40" dur="250" autoRev="1" fill="hold"/>
+                                        <p:tgtEl>
+                                          <p:spTgt spid="17"/>
                                         </p:tgtEl>
                                       </p:cBhvr>
                                       <p:by x="105000" y="105000"/>
@@ -4629,13 +8167,13 @@
       </p:par>
     </p:tnLst>
     <p:bldLst>
-      <p:bldP spid="6" grpId="0" build="p"/>
+      <p:bldP spid="20" grpId="0" animBg="1"/>
     </p:bldLst>
   </p:timing>
 </p:sld>
 </file>
 
-<file path=ppt/slides/slide5.xml><?xml version="1.0" encoding="utf-8"?>
+<file path=ppt/slides/slide6.xml><?xml version="1.0" encoding="utf-8"?>
 <p:sld xmlns:a="http://schemas.openxmlformats.org/drawingml/2006/main" xmlns:r="http://schemas.openxmlformats.org/officeDocument/2006/relationships" xmlns:p="http://schemas.openxmlformats.org/presentationml/2006/main">
   <p:cSld>
     <p:spTree>
@@ -4654,10 +8192,10 @@
       </p:grpSpPr>
       <p:sp>
         <p:nvSpPr>
-          <p:cNvPr id="4" name="Titre 3">
-            <a:extLst>
-              <a:ext uri="{FF2B5EF4-FFF2-40B4-BE49-F238E27FC236}">
-                <a16:creationId xmlns:a16="http://schemas.microsoft.com/office/drawing/2014/main" id="{F6EA6A94-3018-41BB-9FDE-D080414DD047}"/>
+          <p:cNvPr id="2" name="Titre 1">
+            <a:extLst>
+              <a:ext uri="{FF2B5EF4-FFF2-40B4-BE49-F238E27FC236}">
+                <a16:creationId xmlns:a16="http://schemas.microsoft.com/office/drawing/2014/main" id="{3066B2C5-36D7-4D71-AA33-8E2BBEDE38DB}"/>
               </a:ext>
             </a:extLst>
           </p:cNvPr>
@@ -4670,8 +8208,8 @@
         </p:nvSpPr>
         <p:spPr>
           <a:xfrm>
-            <a:off x="839787" y="457200"/>
-            <a:ext cx="4885763" cy="1600200"/>
+            <a:off x="839788" y="457200"/>
+            <a:ext cx="6580189" cy="1600200"/>
           </a:xfrm>
         </p:spPr>
         <p:txBody>
@@ -4679,63 +8217,23 @@
           <a:lstStyle/>
           <a:p>
             <a:r>
-              <a:rPr lang="fr-FR" dirty="0"/>
-              <a:t>Et deviennent prédominants</a:t>
+              <a:rPr lang="fr-FR" spc="-1" dirty="0">
+                <a:solidFill>
+                  <a:srgbClr val="000000"/>
+                </a:solidFill>
+              </a:rPr>
+              <a:t>ces résistants sont les seuls à survivre</a:t>
             </a:r>
-          </a:p>
-        </p:txBody>
-      </p:sp>
-      <p:sp>
-        <p:nvSpPr>
-          <p:cNvPr id="6" name="Espace réservé du texte 5">
-            <a:extLst>
-              <a:ext uri="{FF2B5EF4-FFF2-40B4-BE49-F238E27FC236}">
-                <a16:creationId xmlns:a16="http://schemas.microsoft.com/office/drawing/2014/main" id="{0E13C185-2DE5-4726-8D11-1019F8164F74}"/>
-              </a:ext>
-            </a:extLst>
-          </p:cNvPr>
-          <p:cNvSpPr>
-            <a:spLocks noGrp="1"/>
-          </p:cNvSpPr>
-          <p:nvPr>
-            <p:ph type="body" sz="half" idx="2"/>
-          </p:nvPr>
-        </p:nvSpPr>
-        <p:spPr>
-          <a:xfrm>
-            <a:off x="839788" y="2532184"/>
-            <a:ext cx="3932237" cy="3336803"/>
-          </a:xfrm>
-        </p:spPr>
-        <p:txBody>
-          <a:bodyPr>
-            <a:normAutofit/>
-          </a:bodyPr>
-          <a:lstStyle/>
-          <a:p>
-            <a:r>
-              <a:rPr lang="fr-FR" sz="2800" dirty="0">
-                <a:latin typeface="+mj-lt"/>
-              </a:rPr>
-              <a:t>Tous les parasites sensibles disparaissent.</a:t>
-            </a:r>
-          </a:p>
-          <a:p>
-            <a:r>
-              <a:rPr lang="fr-FR" sz="2800" dirty="0">
-                <a:latin typeface="+mj-lt"/>
-              </a:rPr>
-              <a:t>Seuls les parasites résistants subsistent.	</a:t>
-            </a:r>
+            <a:endParaRPr lang="fr-FR" dirty="0"/>
           </a:p>
         </p:txBody>
       </p:sp>
       <p:pic>
         <p:nvPicPr>
-          <p:cNvPr id="27" name="Espace réservé pour une image  26">
-            <a:extLst>
-              <a:ext uri="{FF2B5EF4-FFF2-40B4-BE49-F238E27FC236}">
-                <a16:creationId xmlns:a16="http://schemas.microsoft.com/office/drawing/2014/main" id="{CC1E9365-5F7A-40D7-93AD-B1863C561FF7}"/>
+          <p:cNvPr id="8" name="Espace réservé pour une image  7">
+            <a:extLst>
+              <a:ext uri="{FF2B5EF4-FFF2-40B4-BE49-F238E27FC236}">
+                <a16:creationId xmlns:a16="http://schemas.microsoft.com/office/drawing/2014/main" id="{239335DB-0FD8-42BF-98F2-E86A3A5996F2}"/>
               </a:ext>
             </a:extLst>
           </p:cNvPr>
@@ -4764,10 +8262,35 @@
         </p:blipFill>
         <p:spPr/>
       </p:pic>
+      <p:sp>
+        <p:nvSpPr>
+          <p:cNvPr id="6" name="Espace réservé du texte 5">
+            <a:extLst>
+              <a:ext uri="{FF2B5EF4-FFF2-40B4-BE49-F238E27FC236}">
+                <a16:creationId xmlns:a16="http://schemas.microsoft.com/office/drawing/2014/main" id="{75E67894-F141-4166-8DBF-AAAD1ABBF9B7}"/>
+              </a:ext>
+            </a:extLst>
+          </p:cNvPr>
+          <p:cNvSpPr>
+            <a:spLocks noGrp="1"/>
+          </p:cNvSpPr>
+          <p:nvPr>
+            <p:ph type="body" sz="half" idx="2"/>
+          </p:nvPr>
+        </p:nvSpPr>
+        <p:spPr/>
+        <p:txBody>
+          <a:bodyPr/>
+          <a:lstStyle/>
+          <a:p>
+            <a:endParaRPr lang="fr-FR"/>
+          </a:p>
+        </p:txBody>
+      </p:sp>
     </p:spTree>
     <p:extLst>
       <p:ext uri="{BB962C8B-B14F-4D97-AF65-F5344CB8AC3E}">
-        <p14:creationId xmlns:p14="http://schemas.microsoft.com/office/powerpoint/2010/main" val="815792151"/>
+        <p14:creationId xmlns:p14="http://schemas.microsoft.com/office/powerpoint/2010/main" val="2910649248"/>
       </p:ext>
     </p:extLst>
   </p:cSld>
@@ -4776,12 +8299,650 @@
   </p:clrMapOvr>
   <mc:AlternateContent xmlns:mc="http://schemas.openxmlformats.org/markup-compatibility/2006">
     <mc:Choice xmlns:p14="http://schemas.microsoft.com/office/powerpoint/2010/main" Requires="p14">
-      <p:transition spd="med" p14:dur="700">
+      <p:transition spd="med" p14:dur="700" advTm="5000">
         <p:fade/>
       </p:transition>
     </mc:Choice>
     <mc:Fallback>
-      <p:transition spd="med">
+      <p:transition spd="med" advTm="5000">
+        <p:fade/>
+      </p:transition>
+    </mc:Fallback>
+  </mc:AlternateContent>
+</p:sld>
+</file>
+
+<file path=ppt/slides/slide7.xml><?xml version="1.0" encoding="utf-8"?>
+<p:sld xmlns:a="http://schemas.openxmlformats.org/drawingml/2006/main" xmlns:r="http://schemas.openxmlformats.org/officeDocument/2006/relationships" xmlns:p="http://schemas.openxmlformats.org/presentationml/2006/main">
+  <p:cSld>
+    <p:spTree>
+      <p:nvGrpSpPr>
+        <p:cNvPr id="1" name=""/>
+        <p:cNvGrpSpPr/>
+        <p:nvPr/>
+      </p:nvGrpSpPr>
+      <p:grpSpPr>
+        <a:xfrm>
+          <a:off x="0" y="0"/>
+          <a:ext cx="0" cy="0"/>
+          <a:chOff x="0" y="0"/>
+          <a:chExt cx="0" cy="0"/>
+        </a:xfrm>
+      </p:grpSpPr>
+      <p:sp>
+        <p:nvSpPr>
+          <p:cNvPr id="2" name="Titre 1">
+            <a:extLst>
+              <a:ext uri="{FF2B5EF4-FFF2-40B4-BE49-F238E27FC236}">
+                <a16:creationId xmlns:a16="http://schemas.microsoft.com/office/drawing/2014/main" id="{EF158829-66D2-4386-9F5B-384EDFA8218E}"/>
+              </a:ext>
+            </a:extLst>
+          </p:cNvPr>
+          <p:cNvSpPr>
+            <a:spLocks noGrp="1"/>
+          </p:cNvSpPr>
+          <p:nvPr>
+            <p:ph type="title"/>
+          </p:nvPr>
+        </p:nvSpPr>
+        <p:spPr>
+          <a:xfrm>
+            <a:off x="839788" y="457200"/>
+            <a:ext cx="6913562" cy="1600200"/>
+          </a:xfrm>
+        </p:spPr>
+        <p:txBody>
+          <a:bodyPr/>
+          <a:lstStyle/>
+          <a:p>
+            <a:r>
+              <a:rPr lang="fr-FR" spc="-1" dirty="0">
+                <a:solidFill>
+                  <a:srgbClr val="000000"/>
+                </a:solidFill>
+              </a:rPr>
+              <a:t>et deviennent omniprésents</a:t>
+            </a:r>
+            <a:endParaRPr lang="fr-FR" dirty="0"/>
+          </a:p>
+        </p:txBody>
+      </p:sp>
+      <p:pic>
+        <p:nvPicPr>
+          <p:cNvPr id="8" name="Espace réservé pour une image  7">
+            <a:extLst>
+              <a:ext uri="{FF2B5EF4-FFF2-40B4-BE49-F238E27FC236}">
+                <a16:creationId xmlns:a16="http://schemas.microsoft.com/office/drawing/2014/main" id="{F6760F06-A769-4F85-8697-3D75D71726F4}"/>
+              </a:ext>
+            </a:extLst>
+          </p:cNvPr>
+          <p:cNvPicPr>
+            <a:picLocks noGrp="1" noChangeAspect="1"/>
+          </p:cNvPicPr>
+          <p:nvPr>
+            <p:ph type="pic" idx="1"/>
+          </p:nvPr>
+        </p:nvPicPr>
+        <p:blipFill>
+          <a:blip r:embed="rId2">
+            <a:extLst>
+              <a:ext uri="{28A0092B-C50C-407E-A947-70E740481C1C}">
+                <a14:useLocalDpi xmlns:a14="http://schemas.microsoft.com/office/drawing/2010/main" val="0"/>
+              </a:ext>
+              <a:ext uri="{96DAC541-7B7A-43D3-8B79-37D633B846F1}">
+                <asvg:svgBlip xmlns:asvg="http://schemas.microsoft.com/office/drawing/2016/SVG/main" r:embed="rId3"/>
+              </a:ext>
+            </a:extLst>
+          </a:blip>
+          <a:srcRect l="9" r="9"/>
+          <a:stretch>
+            <a:fillRect/>
+          </a:stretch>
+        </p:blipFill>
+        <p:spPr/>
+      </p:pic>
+      <p:sp>
+        <p:nvSpPr>
+          <p:cNvPr id="6" name="Espace réservé du texte 5">
+            <a:extLst>
+              <a:ext uri="{FF2B5EF4-FFF2-40B4-BE49-F238E27FC236}">
+                <a16:creationId xmlns:a16="http://schemas.microsoft.com/office/drawing/2014/main" id="{C99A9820-8C42-453B-8E9F-8A4D939B75A5}"/>
+              </a:ext>
+            </a:extLst>
+          </p:cNvPr>
+          <p:cNvSpPr>
+            <a:spLocks noGrp="1"/>
+          </p:cNvSpPr>
+          <p:nvPr>
+            <p:ph type="body" sz="half" idx="2"/>
+          </p:nvPr>
+        </p:nvSpPr>
+        <p:spPr/>
+        <p:txBody>
+          <a:bodyPr/>
+          <a:lstStyle/>
+          <a:p>
+            <a:endParaRPr lang="fr-FR"/>
+          </a:p>
+        </p:txBody>
+      </p:sp>
+    </p:spTree>
+    <p:extLst>
+      <p:ext uri="{BB962C8B-B14F-4D97-AF65-F5344CB8AC3E}">
+        <p14:creationId xmlns:p14="http://schemas.microsoft.com/office/powerpoint/2010/main" val="412078682"/>
+      </p:ext>
+    </p:extLst>
+  </p:cSld>
+  <p:clrMapOvr>
+    <a:masterClrMapping/>
+  </p:clrMapOvr>
+  <mc:AlternateContent xmlns:mc="http://schemas.openxmlformats.org/markup-compatibility/2006">
+    <mc:Choice xmlns:p14="http://schemas.microsoft.com/office/powerpoint/2010/main" Requires="p14">
+      <p:transition spd="med" p14:dur="700" advTm="5000">
+        <p:fade/>
+      </p:transition>
+    </mc:Choice>
+    <mc:Fallback>
+      <p:transition spd="med" advTm="5000">
+        <p:fade/>
+      </p:transition>
+    </mc:Fallback>
+  </mc:AlternateContent>
+</p:sld>
+</file>
+
+<file path=ppt/slides/slide8.xml><?xml version="1.0" encoding="utf-8"?>
+<p:sld xmlns:a="http://schemas.openxmlformats.org/drawingml/2006/main" xmlns:r="http://schemas.openxmlformats.org/officeDocument/2006/relationships" xmlns:p="http://schemas.openxmlformats.org/presentationml/2006/main">
+  <p:cSld>
+    <p:spTree>
+      <p:nvGrpSpPr>
+        <p:cNvPr id="1" name=""/>
+        <p:cNvGrpSpPr/>
+        <p:nvPr/>
+      </p:nvGrpSpPr>
+      <p:grpSpPr>
+        <a:xfrm>
+          <a:off x="0" y="0"/>
+          <a:ext cx="0" cy="0"/>
+          <a:chOff x="0" y="0"/>
+          <a:chExt cx="0" cy="0"/>
+        </a:xfrm>
+      </p:grpSpPr>
+      <p:sp>
+        <p:nvSpPr>
+          <p:cNvPr id="2" name="Titre 1">
+            <a:extLst>
+              <a:ext uri="{FF2B5EF4-FFF2-40B4-BE49-F238E27FC236}">
+                <a16:creationId xmlns:a16="http://schemas.microsoft.com/office/drawing/2014/main" id="{738A6E2A-E59F-4841-9C22-A2B1B92E26F4}"/>
+              </a:ext>
+            </a:extLst>
+          </p:cNvPr>
+          <p:cNvSpPr>
+            <a:spLocks noGrp="1"/>
+          </p:cNvSpPr>
+          <p:nvPr>
+            <p:ph type="title"/>
+          </p:nvPr>
+        </p:nvSpPr>
+        <p:spPr>
+          <a:xfrm>
+            <a:off x="839788" y="457200"/>
+            <a:ext cx="6723062" cy="1600200"/>
+          </a:xfrm>
+        </p:spPr>
+        <p:txBody>
+          <a:bodyPr/>
+          <a:lstStyle/>
+          <a:p>
+            <a:r>
+              <a:rPr lang="fr-FR" spc="-1" dirty="0">
+                <a:solidFill>
+                  <a:srgbClr val="000000"/>
+                </a:solidFill>
+              </a:rPr>
+              <a:t>et cet antiparasitaire n’est plus efficace</a:t>
+            </a:r>
+            <a:endParaRPr lang="fr-FR" dirty="0"/>
+          </a:p>
+        </p:txBody>
+      </p:sp>
+      <p:pic>
+        <p:nvPicPr>
+          <p:cNvPr id="8" name="Espace réservé pour une image  7">
+            <a:extLst>
+              <a:ext uri="{FF2B5EF4-FFF2-40B4-BE49-F238E27FC236}">
+                <a16:creationId xmlns:a16="http://schemas.microsoft.com/office/drawing/2014/main" id="{16139A79-D278-4209-9505-87491178CD62}"/>
+              </a:ext>
+            </a:extLst>
+          </p:cNvPr>
+          <p:cNvPicPr>
+            <a:picLocks noGrp="1" noChangeAspect="1"/>
+          </p:cNvPicPr>
+          <p:nvPr>
+            <p:ph type="pic" idx="1"/>
+          </p:nvPr>
+        </p:nvPicPr>
+        <p:blipFill>
+          <a:blip r:embed="rId2">
+            <a:extLst>
+              <a:ext uri="{28A0092B-C50C-407E-A947-70E740481C1C}">
+                <a14:useLocalDpi xmlns:a14="http://schemas.microsoft.com/office/drawing/2010/main" val="0"/>
+              </a:ext>
+              <a:ext uri="{96DAC541-7B7A-43D3-8B79-37D633B846F1}">
+                <asvg:svgBlip xmlns:asvg="http://schemas.microsoft.com/office/drawing/2016/SVG/main" r:embed="rId3"/>
+              </a:ext>
+            </a:extLst>
+          </a:blip>
+          <a:srcRect l="9" r="9"/>
+          <a:stretch>
+            <a:fillRect/>
+          </a:stretch>
+        </p:blipFill>
+        <p:spPr/>
+      </p:pic>
+      <p:sp>
+        <p:nvSpPr>
+          <p:cNvPr id="6" name="Espace réservé du texte 5">
+            <a:extLst>
+              <a:ext uri="{FF2B5EF4-FFF2-40B4-BE49-F238E27FC236}">
+                <a16:creationId xmlns:a16="http://schemas.microsoft.com/office/drawing/2014/main" id="{4A313FAB-47BC-48D0-8BA7-B9E8409078E9}"/>
+              </a:ext>
+            </a:extLst>
+          </p:cNvPr>
+          <p:cNvSpPr>
+            <a:spLocks noGrp="1"/>
+          </p:cNvSpPr>
+          <p:nvPr>
+            <p:ph type="body" sz="half" idx="2"/>
+          </p:nvPr>
+        </p:nvSpPr>
+        <p:spPr/>
+        <p:txBody>
+          <a:bodyPr/>
+          <a:lstStyle/>
+          <a:p>
+            <a:endParaRPr lang="fr-FR"/>
+          </a:p>
+        </p:txBody>
+      </p:sp>
+      <p:pic>
+        <p:nvPicPr>
+          <p:cNvPr id="9" name="Graphique 8">
+            <a:extLst>
+              <a:ext uri="{FF2B5EF4-FFF2-40B4-BE49-F238E27FC236}">
+                <a16:creationId xmlns:a16="http://schemas.microsoft.com/office/drawing/2014/main" id="{3EE14AA4-E615-4DB1-9D77-B1EEE1696192}"/>
+              </a:ext>
+            </a:extLst>
+          </p:cNvPr>
+          <p:cNvPicPr>
+            <a:picLocks noChangeAspect="1"/>
+          </p:cNvPicPr>
+          <p:nvPr/>
+        </p:nvPicPr>
+        <p:blipFill>
+          <a:blip r:embed="rId4">
+            <a:extLst>
+              <a:ext uri="{96DAC541-7B7A-43D3-8B79-37D633B846F1}">
+                <asvg:svgBlip xmlns:asvg="http://schemas.microsoft.com/office/drawing/2016/SVG/main" r:embed="rId5"/>
+              </a:ext>
+            </a:extLst>
+          </a:blip>
+          <a:stretch>
+            <a:fillRect/>
+          </a:stretch>
+        </p:blipFill>
+        <p:spPr>
+          <a:xfrm>
+            <a:off x="7025725" y="2714508"/>
+            <a:ext cx="378157" cy="419518"/>
+          </a:xfrm>
+          <a:prstGeom prst="rect">
+            <a:avLst/>
+          </a:prstGeom>
+        </p:spPr>
+      </p:pic>
+      <p:pic>
+        <p:nvPicPr>
+          <p:cNvPr id="10" name="Graphique 9">
+            <a:extLst>
+              <a:ext uri="{FF2B5EF4-FFF2-40B4-BE49-F238E27FC236}">
+                <a16:creationId xmlns:a16="http://schemas.microsoft.com/office/drawing/2014/main" id="{B9DA2029-3D8A-44FB-9EA3-984972C6BCFF}"/>
+              </a:ext>
+            </a:extLst>
+          </p:cNvPr>
+          <p:cNvPicPr>
+            <a:picLocks noChangeAspect="1"/>
+          </p:cNvPicPr>
+          <p:nvPr/>
+        </p:nvPicPr>
+        <p:blipFill>
+          <a:blip r:embed="rId6">
+            <a:extLst>
+              <a:ext uri="{96DAC541-7B7A-43D3-8B79-37D633B846F1}">
+                <asvg:svgBlip xmlns:asvg="http://schemas.microsoft.com/office/drawing/2016/SVG/main" r:embed="rId7"/>
+              </a:ext>
+            </a:extLst>
+          </a:blip>
+          <a:stretch>
+            <a:fillRect/>
+          </a:stretch>
+        </p:blipFill>
+        <p:spPr>
+          <a:xfrm>
+            <a:off x="8097840" y="5161803"/>
+            <a:ext cx="190500" cy="238125"/>
+          </a:xfrm>
+          <a:prstGeom prst="rect">
+            <a:avLst/>
+          </a:prstGeom>
+        </p:spPr>
+      </p:pic>
+      <p:pic>
+        <p:nvPicPr>
+          <p:cNvPr id="11" name="Graphique 10">
+            <a:extLst>
+              <a:ext uri="{FF2B5EF4-FFF2-40B4-BE49-F238E27FC236}">
+                <a16:creationId xmlns:a16="http://schemas.microsoft.com/office/drawing/2014/main" id="{07362F23-0516-4DB3-8472-E16A634E191B}"/>
+              </a:ext>
+            </a:extLst>
+          </p:cNvPr>
+          <p:cNvPicPr>
+            <a:picLocks noChangeAspect="1"/>
+          </p:cNvPicPr>
+          <p:nvPr/>
+        </p:nvPicPr>
+        <p:blipFill>
+          <a:blip r:embed="rId8">
+            <a:extLst>
+              <a:ext uri="{96DAC541-7B7A-43D3-8B79-37D633B846F1}">
+                <asvg:svgBlip xmlns:asvg="http://schemas.microsoft.com/office/drawing/2016/SVG/main" r:embed="rId9"/>
+              </a:ext>
+            </a:extLst>
+          </a:blip>
+          <a:stretch>
+            <a:fillRect/>
+          </a:stretch>
+        </p:blipFill>
+        <p:spPr>
+          <a:xfrm>
+            <a:off x="8645468" y="3553153"/>
+            <a:ext cx="301466" cy="301466"/>
+          </a:xfrm>
+          <a:prstGeom prst="rect">
+            <a:avLst/>
+          </a:prstGeom>
+        </p:spPr>
+      </p:pic>
+      <p:sp>
+        <p:nvSpPr>
+          <p:cNvPr id="12" name="Signe de multiplication 11">
+            <a:extLst>
+              <a:ext uri="{FF2B5EF4-FFF2-40B4-BE49-F238E27FC236}">
+                <a16:creationId xmlns:a16="http://schemas.microsoft.com/office/drawing/2014/main" id="{268E3209-4CC9-462C-A032-5762979EE117}"/>
+              </a:ext>
+            </a:extLst>
+          </p:cNvPr>
+          <p:cNvSpPr/>
+          <p:nvPr/>
+        </p:nvSpPr>
+        <p:spPr>
+          <a:xfrm>
+            <a:off x="6908432" y="2617896"/>
+            <a:ext cx="612742" cy="612742"/>
+          </a:xfrm>
+          <a:prstGeom prst="mathMultiply">
+            <a:avLst>
+              <a:gd name="adj1" fmla="val 7413"/>
+            </a:avLst>
+          </a:prstGeom>
+          <a:solidFill>
+            <a:srgbClr val="C00000"/>
+          </a:solidFill>
+          <a:ln>
+            <a:noFill/>
+          </a:ln>
+        </p:spPr>
+        <p:style>
+          <a:lnRef idx="2">
+            <a:schemeClr val="accent1">
+              <a:shade val="50000"/>
+            </a:schemeClr>
+          </a:lnRef>
+          <a:fillRef idx="1">
+            <a:schemeClr val="accent1"/>
+          </a:fillRef>
+          <a:effectRef idx="0">
+            <a:schemeClr val="accent1"/>
+          </a:effectRef>
+          <a:fontRef idx="minor">
+            <a:schemeClr val="lt1"/>
+          </a:fontRef>
+        </p:style>
+        <p:txBody>
+          <a:bodyPr rtlCol="0" anchor="ctr"/>
+          <a:lstStyle/>
+          <a:p>
+            <a:pPr algn="ctr"/>
+            <a:endParaRPr lang="fr-FR"/>
+          </a:p>
+        </p:txBody>
+      </p:sp>
+      <p:pic>
+        <p:nvPicPr>
+          <p:cNvPr id="16" name="Graphique 15">
+            <a:extLst>
+              <a:ext uri="{FF2B5EF4-FFF2-40B4-BE49-F238E27FC236}">
+                <a16:creationId xmlns:a16="http://schemas.microsoft.com/office/drawing/2014/main" id="{301D1EB3-FBB7-48F5-A53B-4F01DBF2919B}"/>
+              </a:ext>
+            </a:extLst>
+          </p:cNvPr>
+          <p:cNvPicPr>
+            <a:picLocks noChangeAspect="1"/>
+          </p:cNvPicPr>
+          <p:nvPr/>
+        </p:nvPicPr>
+        <p:blipFill>
+          <a:blip r:embed="rId4">
+            <a:extLst>
+              <a:ext uri="{96DAC541-7B7A-43D3-8B79-37D633B846F1}">
+                <asvg:svgBlip xmlns:asvg="http://schemas.microsoft.com/office/drawing/2016/SVG/main" r:embed="rId5"/>
+              </a:ext>
+            </a:extLst>
+          </a:blip>
+          <a:stretch>
+            <a:fillRect/>
+          </a:stretch>
+        </p:blipFill>
+        <p:spPr>
+          <a:xfrm>
+            <a:off x="6547777" y="4096681"/>
+            <a:ext cx="477948" cy="530224"/>
+          </a:xfrm>
+          <a:prstGeom prst="rect">
+            <a:avLst/>
+          </a:prstGeom>
+        </p:spPr>
+      </p:pic>
+      <p:sp>
+        <p:nvSpPr>
+          <p:cNvPr id="13" name="Signe de multiplication 12">
+            <a:extLst>
+              <a:ext uri="{FF2B5EF4-FFF2-40B4-BE49-F238E27FC236}">
+                <a16:creationId xmlns:a16="http://schemas.microsoft.com/office/drawing/2014/main" id="{7297E8E7-6698-4465-B16E-991EE6D28717}"/>
+              </a:ext>
+            </a:extLst>
+          </p:cNvPr>
+          <p:cNvSpPr/>
+          <p:nvPr/>
+        </p:nvSpPr>
+        <p:spPr>
+          <a:xfrm>
+            <a:off x="6480380" y="4045053"/>
+            <a:ext cx="612742" cy="612742"/>
+          </a:xfrm>
+          <a:prstGeom prst="mathMultiply">
+            <a:avLst>
+              <a:gd name="adj1" fmla="val 7413"/>
+            </a:avLst>
+          </a:prstGeom>
+          <a:solidFill>
+            <a:srgbClr val="C00000"/>
+          </a:solidFill>
+          <a:ln>
+            <a:noFill/>
+          </a:ln>
+        </p:spPr>
+        <p:style>
+          <a:lnRef idx="2">
+            <a:schemeClr val="accent1">
+              <a:shade val="50000"/>
+            </a:schemeClr>
+          </a:lnRef>
+          <a:fillRef idx="1">
+            <a:schemeClr val="accent1"/>
+          </a:fillRef>
+          <a:effectRef idx="0">
+            <a:schemeClr val="accent1"/>
+          </a:effectRef>
+          <a:fontRef idx="minor">
+            <a:schemeClr val="lt1"/>
+          </a:fontRef>
+        </p:style>
+        <p:txBody>
+          <a:bodyPr rtlCol="0" anchor="ctr"/>
+          <a:lstStyle/>
+          <a:p>
+            <a:pPr algn="ctr"/>
+            <a:endParaRPr lang="fr-FR"/>
+          </a:p>
+        </p:txBody>
+      </p:sp>
+      <p:sp>
+        <p:nvSpPr>
+          <p:cNvPr id="14" name="Signe de multiplication 13">
+            <a:extLst>
+              <a:ext uri="{FF2B5EF4-FFF2-40B4-BE49-F238E27FC236}">
+                <a16:creationId xmlns:a16="http://schemas.microsoft.com/office/drawing/2014/main" id="{E2777173-9B53-485E-ACB7-5D46F8704BA6}"/>
+              </a:ext>
+            </a:extLst>
+          </p:cNvPr>
+          <p:cNvSpPr/>
+          <p:nvPr/>
+        </p:nvSpPr>
+        <p:spPr>
+          <a:xfrm>
+            <a:off x="7886719" y="4964462"/>
+            <a:ext cx="612742" cy="612742"/>
+          </a:xfrm>
+          <a:prstGeom prst="mathMultiply">
+            <a:avLst>
+              <a:gd name="adj1" fmla="val 7413"/>
+            </a:avLst>
+          </a:prstGeom>
+          <a:solidFill>
+            <a:srgbClr val="C00000"/>
+          </a:solidFill>
+          <a:ln>
+            <a:noFill/>
+          </a:ln>
+        </p:spPr>
+        <p:style>
+          <a:lnRef idx="2">
+            <a:schemeClr val="accent1">
+              <a:shade val="50000"/>
+            </a:schemeClr>
+          </a:lnRef>
+          <a:fillRef idx="1">
+            <a:schemeClr val="accent1"/>
+          </a:fillRef>
+          <a:effectRef idx="0">
+            <a:schemeClr val="accent1"/>
+          </a:effectRef>
+          <a:fontRef idx="minor">
+            <a:schemeClr val="lt1"/>
+          </a:fontRef>
+        </p:style>
+        <p:txBody>
+          <a:bodyPr rtlCol="0" anchor="ctr"/>
+          <a:lstStyle/>
+          <a:p>
+            <a:pPr algn="ctr"/>
+            <a:endParaRPr lang="fr-FR"/>
+          </a:p>
+        </p:txBody>
+      </p:sp>
+      <p:sp>
+        <p:nvSpPr>
+          <p:cNvPr id="15" name="Signe de multiplication 14">
+            <a:extLst>
+              <a:ext uri="{FF2B5EF4-FFF2-40B4-BE49-F238E27FC236}">
+                <a16:creationId xmlns:a16="http://schemas.microsoft.com/office/drawing/2014/main" id="{8C73233B-8CCC-4725-9859-AF1DA053CADB}"/>
+              </a:ext>
+            </a:extLst>
+          </p:cNvPr>
+          <p:cNvSpPr/>
+          <p:nvPr/>
+        </p:nvSpPr>
+        <p:spPr>
+          <a:xfrm>
+            <a:off x="8489830" y="3383038"/>
+            <a:ext cx="612742" cy="612742"/>
+          </a:xfrm>
+          <a:prstGeom prst="mathMultiply">
+            <a:avLst>
+              <a:gd name="adj1" fmla="val 7413"/>
+            </a:avLst>
+          </a:prstGeom>
+          <a:solidFill>
+            <a:srgbClr val="C00000"/>
+          </a:solidFill>
+          <a:ln>
+            <a:noFill/>
+          </a:ln>
+        </p:spPr>
+        <p:style>
+          <a:lnRef idx="2">
+            <a:schemeClr val="accent1">
+              <a:shade val="50000"/>
+            </a:schemeClr>
+          </a:lnRef>
+          <a:fillRef idx="1">
+            <a:schemeClr val="accent1"/>
+          </a:fillRef>
+          <a:effectRef idx="0">
+            <a:schemeClr val="accent1"/>
+          </a:effectRef>
+          <a:fontRef idx="minor">
+            <a:schemeClr val="lt1"/>
+          </a:fontRef>
+        </p:style>
+        <p:txBody>
+          <a:bodyPr rtlCol="0" anchor="ctr"/>
+          <a:lstStyle/>
+          <a:p>
+            <a:pPr algn="ctr"/>
+            <a:endParaRPr lang="fr-FR"/>
+          </a:p>
+        </p:txBody>
+      </p:sp>
+    </p:spTree>
+    <p:extLst>
+      <p:ext uri="{BB962C8B-B14F-4D97-AF65-F5344CB8AC3E}">
+        <p14:creationId xmlns:p14="http://schemas.microsoft.com/office/powerpoint/2010/main" val="3046237917"/>
+      </p:ext>
+    </p:extLst>
+  </p:cSld>
+  <p:clrMapOvr>
+    <a:masterClrMapping/>
+  </p:clrMapOvr>
+  <mc:AlternateContent xmlns:mc="http://schemas.openxmlformats.org/markup-compatibility/2006">
+    <mc:Choice xmlns:p14="http://schemas.microsoft.com/office/powerpoint/2010/main" Requires="p14">
+      <p:transition spd="med" p14:dur="700" advTm="7000">
+        <p:fade/>
+      </p:transition>
+    </mc:Choice>
+    <mc:Fallback>
+      <p:transition spd="med" advTm="7000">
         <p:fade/>
       </p:transition>
     </mc:Fallback>
@@ -4807,7 +8968,7 @@
                             </p:stCondLst>
                             <p:childTnLst>
                               <p:par>
-                                <p:cTn id="5" presetID="10" presetClass="entr" presetSubtype="0" fill="hold" grpId="0" nodeType="clickEffect">
+                                <p:cTn id="5" presetID="10" presetClass="entr" presetSubtype="0" fill="hold" nodeType="clickEffect">
                                   <p:stCondLst>
                                     <p:cond delay="0"/>
                                   </p:stCondLst>
@@ -4820,11 +8981,7 @@
                                           </p:stCondLst>
                                         </p:cTn>
                                         <p:tgtEl>
-                                          <p:spTgt spid="6">
-                                            <p:txEl>
-                                              <p:pRg st="0" end="0"/>
-                                            </p:txEl>
-                                          </p:spTgt>
+                                          <p:spTgt spid="9"/>
                                         </p:tgtEl>
                                         <p:attrNameLst>
                                           <p:attrName>style.visibility</p:attrName>
@@ -4838,11 +8995,112 @@
                                       <p:cBhvr>
                                         <p:cTn id="7" dur="500"/>
                                         <p:tgtEl>
-                                          <p:spTgt spid="6">
-                                            <p:txEl>
-                                              <p:pRg st="0" end="0"/>
-                                            </p:txEl>
-                                          </p:spTgt>
+                                          <p:spTgt spid="9"/>
+                                        </p:tgtEl>
+                                      </p:cBhvr>
+                                    </p:animEffect>
+                                  </p:childTnLst>
+                                </p:cTn>
+                              </p:par>
+                              <p:par>
+                                <p:cTn id="8" presetID="10" presetClass="entr" presetSubtype="0" fill="hold" nodeType="withEffect">
+                                  <p:stCondLst>
+                                    <p:cond delay="0"/>
+                                  </p:stCondLst>
+                                  <p:childTnLst>
+                                    <p:set>
+                                      <p:cBhvr>
+                                        <p:cTn id="9" dur="1" fill="hold">
+                                          <p:stCondLst>
+                                            <p:cond delay="0"/>
+                                          </p:stCondLst>
+                                        </p:cTn>
+                                        <p:tgtEl>
+                                          <p:spTgt spid="16"/>
+                                        </p:tgtEl>
+                                        <p:attrNameLst>
+                                          <p:attrName>style.visibility</p:attrName>
+                                        </p:attrNameLst>
+                                      </p:cBhvr>
+                                      <p:to>
+                                        <p:strVal val="visible"/>
+                                      </p:to>
+                                    </p:set>
+                                    <p:animEffect transition="in" filter="fade">
+                                      <p:cBhvr>
+                                        <p:cTn id="10" dur="500"/>
+                                        <p:tgtEl>
+                                          <p:spTgt spid="16"/>
+                                        </p:tgtEl>
+                                      </p:cBhvr>
+                                    </p:animEffect>
+                                  </p:childTnLst>
+                                </p:cTn>
+                              </p:par>
+                              <p:par>
+                                <p:cTn id="11" presetID="10" presetClass="entr" presetSubtype="0" fill="hold" nodeType="withEffect">
+                                  <p:stCondLst>
+                                    <p:cond delay="0"/>
+                                  </p:stCondLst>
+                                  <p:childTnLst>
+                                    <p:set>
+                                      <p:cBhvr>
+                                        <p:cTn id="12" dur="1" fill="hold">
+                                          <p:stCondLst>
+                                            <p:cond delay="0"/>
+                                          </p:stCondLst>
+                                        </p:cTn>
+                                        <p:tgtEl>
+                                          <p:spTgt spid="10"/>
+                                        </p:tgtEl>
+                                        <p:attrNameLst>
+                                          <p:attrName>style.visibility</p:attrName>
+                                        </p:attrNameLst>
+                                      </p:cBhvr>
+                                      <p:to>
+                                        <p:strVal val="visible"/>
+                                      </p:to>
+                                    </p:set>
+                                    <p:animEffect transition="in" filter="fade">
+                                      <p:cBhvr>
+                                        <p:cTn id="13" dur="500"/>
+                                        <p:tgtEl>
+                                          <p:spTgt spid="10"/>
+                                        </p:tgtEl>
+                                      </p:cBhvr>
+                                    </p:animEffect>
+                                  </p:childTnLst>
+                                </p:cTn>
+                              </p:par>
+                              <p:par>
+                                <p:cTn id="14" presetID="10" presetClass="entr" presetSubtype="0" fill="hold" nodeType="withEffect">
+                                  <p:stCondLst>
+                                    <p:cond delay="0"/>
+                                  </p:stCondLst>
+                                  <p:childTnLst>
+                                    <p:set>
+                                      <p:cBhvr>
+                                        <p:cTn id="15" dur="1" fill="hold">
+                                          <p:stCondLst>
+                                            <p:cond delay="0"/>
+                                          </p:stCondLst>
+                                        </p:cTn>
+                                        <p:tgtEl>
+                                          <p:spTgt spid="11"/>
+                                        </p:tgtEl>
+                                        <p:attrNameLst>
+                                          <p:attrName>style.visibility</p:attrName>
+                                        </p:attrNameLst>
+                                      </p:cBhvr>
+                                      <p:to>
+                                        <p:strVal val="visible"/>
+                                      </p:to>
+                                    </p:set>
+                                    <p:animEffect transition="in" filter="fade">
+                                      <p:cBhvr>
+                                        <p:cTn id="16" dur="500"/>
+                                        <p:tgtEl>
+                                          <p:spTgt spid="11"/>
                                         </p:tgtEl>
                                       </p:cBhvr>
                                     </p:animEffect>
@@ -4856,36 +9114,32 @@
                     </p:cTn>
                   </p:par>
                   <p:par>
-                    <p:cTn id="8" fill="hold">
+                    <p:cTn id="17" fill="hold">
                       <p:stCondLst>
                         <p:cond delay="indefinite"/>
                       </p:stCondLst>
                       <p:childTnLst>
                         <p:par>
-                          <p:cTn id="9" fill="hold">
+                          <p:cTn id="18" fill="hold">
                             <p:stCondLst>
                               <p:cond delay="0"/>
                             </p:stCondLst>
                             <p:childTnLst>
                               <p:par>
-                                <p:cTn id="10" presetID="10" presetClass="entr" presetSubtype="0" fill="hold" grpId="0" nodeType="clickEffect">
+                                <p:cTn id="19" presetID="10" presetClass="entr" presetSubtype="0" fill="hold" grpId="0" nodeType="clickEffect">
                                   <p:stCondLst>
                                     <p:cond delay="0"/>
                                   </p:stCondLst>
                                   <p:childTnLst>
                                     <p:set>
                                       <p:cBhvr>
-                                        <p:cTn id="11" dur="1" fill="hold">
+                                        <p:cTn id="20" dur="1" fill="hold">
                                           <p:stCondLst>
                                             <p:cond delay="0"/>
                                           </p:stCondLst>
                                         </p:cTn>
                                         <p:tgtEl>
-                                          <p:spTgt spid="6">
-                                            <p:txEl>
-                                              <p:pRg st="1" end="1"/>
-                                            </p:txEl>
-                                          </p:spTgt>
+                                          <p:spTgt spid="12"/>
                                         </p:tgtEl>
                                         <p:attrNameLst>
                                           <p:attrName>style.visibility</p:attrName>
@@ -4897,16 +9151,243 @@
                                     </p:set>
                                     <p:animEffect transition="in" filter="fade">
                                       <p:cBhvr>
-                                        <p:cTn id="12" dur="500"/>
+                                        <p:cTn id="21" dur="500"/>
                                         <p:tgtEl>
-                                          <p:spTgt spid="6">
-                                            <p:txEl>
-                                              <p:pRg st="1" end="1"/>
-                                            </p:txEl>
-                                          </p:spTgt>
+                                          <p:spTgt spid="12"/>
                                         </p:tgtEl>
                                       </p:cBhvr>
                                     </p:animEffect>
+                                  </p:childTnLst>
+                                </p:cTn>
+                              </p:par>
+                              <p:par>
+                                <p:cTn id="22" presetID="10" presetClass="entr" presetSubtype="0" fill="hold" grpId="0" nodeType="withEffect">
+                                  <p:stCondLst>
+                                    <p:cond delay="0"/>
+                                  </p:stCondLst>
+                                  <p:childTnLst>
+                                    <p:set>
+                                      <p:cBhvr>
+                                        <p:cTn id="23" dur="1" fill="hold">
+                                          <p:stCondLst>
+                                            <p:cond delay="0"/>
+                                          </p:stCondLst>
+                                        </p:cTn>
+                                        <p:tgtEl>
+                                          <p:spTgt spid="15"/>
+                                        </p:tgtEl>
+                                        <p:attrNameLst>
+                                          <p:attrName>style.visibility</p:attrName>
+                                        </p:attrNameLst>
+                                      </p:cBhvr>
+                                      <p:to>
+                                        <p:strVal val="visible"/>
+                                      </p:to>
+                                    </p:set>
+                                    <p:animEffect transition="in" filter="fade">
+                                      <p:cBhvr>
+                                        <p:cTn id="24" dur="500"/>
+                                        <p:tgtEl>
+                                          <p:spTgt spid="15"/>
+                                        </p:tgtEl>
+                                      </p:cBhvr>
+                                    </p:animEffect>
+                                  </p:childTnLst>
+                                </p:cTn>
+                              </p:par>
+                              <p:par>
+                                <p:cTn id="25" presetID="10" presetClass="entr" presetSubtype="0" fill="hold" grpId="0" nodeType="withEffect">
+                                  <p:stCondLst>
+                                    <p:cond delay="0"/>
+                                  </p:stCondLst>
+                                  <p:childTnLst>
+                                    <p:set>
+                                      <p:cBhvr>
+                                        <p:cTn id="26" dur="1" fill="hold">
+                                          <p:stCondLst>
+                                            <p:cond delay="0"/>
+                                          </p:stCondLst>
+                                        </p:cTn>
+                                        <p:tgtEl>
+                                          <p:spTgt spid="14"/>
+                                        </p:tgtEl>
+                                        <p:attrNameLst>
+                                          <p:attrName>style.visibility</p:attrName>
+                                        </p:attrNameLst>
+                                      </p:cBhvr>
+                                      <p:to>
+                                        <p:strVal val="visible"/>
+                                      </p:to>
+                                    </p:set>
+                                    <p:animEffect transition="in" filter="fade">
+                                      <p:cBhvr>
+                                        <p:cTn id="27" dur="500"/>
+                                        <p:tgtEl>
+                                          <p:spTgt spid="14"/>
+                                        </p:tgtEl>
+                                      </p:cBhvr>
+                                    </p:animEffect>
+                                  </p:childTnLst>
+                                </p:cTn>
+                              </p:par>
+                              <p:par>
+                                <p:cTn id="28" presetID="10" presetClass="entr" presetSubtype="0" fill="hold" grpId="0" nodeType="withEffect">
+                                  <p:stCondLst>
+                                    <p:cond delay="0"/>
+                                  </p:stCondLst>
+                                  <p:childTnLst>
+                                    <p:set>
+                                      <p:cBhvr>
+                                        <p:cTn id="29" dur="1" fill="hold">
+                                          <p:stCondLst>
+                                            <p:cond delay="0"/>
+                                          </p:stCondLst>
+                                        </p:cTn>
+                                        <p:tgtEl>
+                                          <p:spTgt spid="13"/>
+                                        </p:tgtEl>
+                                        <p:attrNameLst>
+                                          <p:attrName>style.visibility</p:attrName>
+                                        </p:attrNameLst>
+                                      </p:cBhvr>
+                                      <p:to>
+                                        <p:strVal val="visible"/>
+                                      </p:to>
+                                    </p:set>
+                                    <p:animEffect transition="in" filter="fade">
+                                      <p:cBhvr>
+                                        <p:cTn id="30" dur="500"/>
+                                        <p:tgtEl>
+                                          <p:spTgt spid="13"/>
+                                        </p:tgtEl>
+                                      </p:cBhvr>
+                                    </p:animEffect>
+                                  </p:childTnLst>
+                                </p:cTn>
+                              </p:par>
+                            </p:childTnLst>
+                          </p:cTn>
+                        </p:par>
+                      </p:childTnLst>
+                    </p:cTn>
+                  </p:par>
+                  <p:par>
+                    <p:cTn id="31" fill="hold">
+                      <p:stCondLst>
+                        <p:cond delay="indefinite"/>
+                      </p:stCondLst>
+                      <p:childTnLst>
+                        <p:par>
+                          <p:cTn id="32" fill="hold">
+                            <p:stCondLst>
+                              <p:cond delay="0"/>
+                            </p:stCondLst>
+                            <p:childTnLst>
+                              <p:par>
+                                <p:cTn id="33" presetID="1" presetClass="exit" presetSubtype="0" fill="hold" nodeType="clickEffect">
+                                  <p:stCondLst>
+                                    <p:cond delay="0"/>
+                                  </p:stCondLst>
+                                  <p:childTnLst>
+                                    <p:set>
+                                      <p:cBhvr>
+                                        <p:cTn id="34" dur="1" fill="hold">
+                                          <p:stCondLst>
+                                            <p:cond delay="0"/>
+                                          </p:stCondLst>
+                                        </p:cTn>
+                                        <p:tgtEl>
+                                          <p:spTgt spid="9"/>
+                                        </p:tgtEl>
+                                        <p:attrNameLst>
+                                          <p:attrName>style.visibility</p:attrName>
+                                        </p:attrNameLst>
+                                      </p:cBhvr>
+                                      <p:to>
+                                        <p:strVal val="hidden"/>
+                                      </p:to>
+                                    </p:set>
+                                  </p:childTnLst>
+                                </p:cTn>
+                              </p:par>
+                              <p:par>
+                                <p:cTn id="35" presetID="1" presetClass="exit" presetSubtype="0" fill="hold" nodeType="withEffect">
+                                  <p:stCondLst>
+                                    <p:cond delay="0"/>
+                                  </p:stCondLst>
+                                  <p:childTnLst>
+                                    <p:set>
+                                      <p:cBhvr>
+                                        <p:cTn id="36" dur="1" fill="hold">
+                                          <p:stCondLst>
+                                            <p:cond delay="0"/>
+                                          </p:stCondLst>
+                                        </p:cTn>
+                                        <p:tgtEl>
+                                          <p:spTgt spid="16"/>
+                                        </p:tgtEl>
+                                        <p:attrNameLst>
+                                          <p:attrName>style.visibility</p:attrName>
+                                        </p:attrNameLst>
+                                      </p:cBhvr>
+                                      <p:to>
+                                        <p:strVal val="hidden"/>
+                                      </p:to>
+                                    </p:set>
+                                  </p:childTnLst>
+                                </p:cTn>
+                              </p:par>
+                              <p:par>
+                                <p:cTn id="37" presetID="1" presetClass="exit" presetSubtype="0" fill="hold" nodeType="withEffect">
+                                  <p:stCondLst>
+                                    <p:cond delay="0"/>
+                                  </p:stCondLst>
+                                  <p:childTnLst>
+                                    <p:set>
+                                      <p:cBhvr>
+                                        <p:cTn id="38" dur="1" fill="hold">
+                                          <p:stCondLst>
+                                            <p:cond delay="0"/>
+                                          </p:stCondLst>
+                                        </p:cTn>
+                                        <p:tgtEl>
+                                          <p:spTgt spid="10"/>
+                                        </p:tgtEl>
+                                        <p:attrNameLst>
+                                          <p:attrName>style.visibility</p:attrName>
+                                        </p:attrNameLst>
+                                      </p:cBhvr>
+                                      <p:to>
+                                        <p:strVal val="hidden"/>
+                                      </p:to>
+                                    </p:set>
+                                  </p:childTnLst>
+                                </p:cTn>
+                              </p:par>
+                              <p:par>
+                                <p:cTn id="39" presetID="1" presetClass="exit" presetSubtype="0" fill="hold" nodeType="withEffect">
+                                  <p:stCondLst>
+                                    <p:cond delay="0"/>
+                                  </p:stCondLst>
+                                  <p:childTnLst>
+                                    <p:set>
+                                      <p:cBhvr>
+                                        <p:cTn id="40" dur="1" fill="hold">
+                                          <p:stCondLst>
+                                            <p:cond delay="0"/>
+                                          </p:stCondLst>
+                                        </p:cTn>
+                                        <p:tgtEl>
+                                          <p:spTgt spid="11"/>
+                                        </p:tgtEl>
+                                        <p:attrNameLst>
+                                          <p:attrName>style.visibility</p:attrName>
+                                        </p:attrNameLst>
+                                      </p:cBhvr>
+                                      <p:to>
+                                        <p:strVal val="hidden"/>
+                                      </p:to>
+                                    </p:set>
                                   </p:childTnLst>
                                 </p:cTn>
                               </p:par>
@@ -4938,13 +9419,16 @@
       </p:par>
     </p:tnLst>
     <p:bldLst>
-      <p:bldP spid="6" grpId="0" build="p"/>
+      <p:bldP spid="12" grpId="0" animBg="1"/>
+      <p:bldP spid="13" grpId="0" animBg="1"/>
+      <p:bldP spid="14" grpId="0" animBg="1"/>
+      <p:bldP spid="15" grpId="0" animBg="1"/>
     </p:bldLst>
   </p:timing>
 </p:sld>
 </file>
 
-<file path=ppt/slides/slide6.xml><?xml version="1.0" encoding="utf-8"?>
+<file path=ppt/slides/slide9.xml><?xml version="1.0" encoding="utf-8"?>
 <p:sld xmlns:a="http://schemas.openxmlformats.org/drawingml/2006/main" xmlns:r="http://schemas.openxmlformats.org/officeDocument/2006/relationships" xmlns:p="http://schemas.openxmlformats.org/presentationml/2006/main">
   <p:cSld>
     <p:spTree>
@@ -4963,10 +9447,10 @@
       </p:grpSpPr>
       <p:sp>
         <p:nvSpPr>
-          <p:cNvPr id="4" name="Titre 3">
-            <a:extLst>
-              <a:ext uri="{FF2B5EF4-FFF2-40B4-BE49-F238E27FC236}">
-                <a16:creationId xmlns:a16="http://schemas.microsoft.com/office/drawing/2014/main" id="{F6EA6A94-3018-41BB-9FDE-D080414DD047}"/>
+          <p:cNvPr id="5" name="Titre 4">
+            <a:extLst>
+              <a:ext uri="{FF2B5EF4-FFF2-40B4-BE49-F238E27FC236}">
+                <a16:creationId xmlns:a16="http://schemas.microsoft.com/office/drawing/2014/main" id="{7C5CB1DE-F2CD-4B2D-AB77-7A8D06593144}"/>
               </a:ext>
             </a:extLst>
           </p:cNvPr>
@@ -4980,7 +9464,7 @@
         <p:spPr>
           <a:xfrm>
             <a:off x="839788" y="457200"/>
-            <a:ext cx="4097972" cy="1600200"/>
+            <a:ext cx="6899618" cy="1600200"/>
           </a:xfrm>
         </p:spPr>
         <p:txBody>
@@ -4989,17 +9473,17 @@
           <a:p>
             <a:r>
               <a:rPr lang="fr-FR" dirty="0"/>
-              <a:t>Qui deviennent les seuls à survivre.</a:t>
+              <a:t>ce qui peut être grave de conséquences</a:t>
             </a:r>
           </a:p>
         </p:txBody>
       </p:sp>
       <p:sp>
         <p:nvSpPr>
-          <p:cNvPr id="6" name="Espace réservé du texte 5">
-            <a:extLst>
-              <a:ext uri="{FF2B5EF4-FFF2-40B4-BE49-F238E27FC236}">
-                <a16:creationId xmlns:a16="http://schemas.microsoft.com/office/drawing/2014/main" id="{0E13C185-2DE5-4726-8D11-1019F8164F74}"/>
+          <p:cNvPr id="7" name="Espace réservé du texte 6">
+            <a:extLst>
+              <a:ext uri="{FF2B5EF4-FFF2-40B4-BE49-F238E27FC236}">
+                <a16:creationId xmlns:a16="http://schemas.microsoft.com/office/drawing/2014/main" id="{5233119A-E2FA-4568-B898-48711AD79028}"/>
               </a:ext>
             </a:extLst>
           </p:cNvPr>
@@ -5010,33 +9494,21 @@
             <p:ph type="body" sz="half" idx="2"/>
           </p:nvPr>
         </p:nvSpPr>
-        <p:spPr>
-          <a:xfrm>
-            <a:off x="839788" y="2532184"/>
-            <a:ext cx="3932237" cy="3336803"/>
-          </a:xfrm>
-        </p:spPr>
-        <p:txBody>
-          <a:bodyPr>
-            <a:normAutofit/>
-          </a:bodyPr>
+        <p:spPr/>
+        <p:txBody>
+          <a:bodyPr/>
           <a:lstStyle/>
           <a:p>
-            <a:r>
-              <a:rPr lang="fr-FR" sz="2800" dirty="0">
-                <a:latin typeface="+mj-lt"/>
-              </a:rPr>
-              <a:t>Les parasites résistants se multiplient et deviennent omniprésents.</a:t>
-            </a:r>
+            <a:endParaRPr lang="fr-FR"/>
           </a:p>
         </p:txBody>
       </p:sp>
       <p:pic>
         <p:nvPicPr>
-          <p:cNvPr id="7" name="Espace réservé pour une image  6">
-            <a:extLst>
-              <a:ext uri="{FF2B5EF4-FFF2-40B4-BE49-F238E27FC236}">
-                <a16:creationId xmlns:a16="http://schemas.microsoft.com/office/drawing/2014/main" id="{65911819-378B-45E6-91F1-0D920CEC912D}"/>
+          <p:cNvPr id="14" name="Espace réservé pour une image  13">
+            <a:extLst>
+              <a:ext uri="{FF2B5EF4-FFF2-40B4-BE49-F238E27FC236}">
+                <a16:creationId xmlns:a16="http://schemas.microsoft.com/office/drawing/2014/main" id="{9281113D-0231-431E-AA1F-9C0BCDA91077}"/>
               </a:ext>
             </a:extLst>
           </p:cNvPr>
@@ -5065,10 +9537,154 @@
         </p:blipFill>
         <p:spPr/>
       </p:pic>
+      <p:pic>
+        <p:nvPicPr>
+          <p:cNvPr id="15" name="Graphique 14">
+            <a:extLst>
+              <a:ext uri="{FF2B5EF4-FFF2-40B4-BE49-F238E27FC236}">
+                <a16:creationId xmlns:a16="http://schemas.microsoft.com/office/drawing/2014/main" id="{BD0FD8EF-6FE6-4889-BADD-1AFB70E08D1D}"/>
+              </a:ext>
+            </a:extLst>
+          </p:cNvPr>
+          <p:cNvPicPr>
+            <a:picLocks noChangeAspect="1"/>
+          </p:cNvPicPr>
+          <p:nvPr/>
+        </p:nvPicPr>
+        <p:blipFill>
+          <a:blip r:embed="rId4">
+            <a:extLst>
+              <a:ext uri="{96DAC541-7B7A-43D3-8B79-37D633B846F1}">
+                <asvg:svgBlip xmlns:asvg="http://schemas.microsoft.com/office/drawing/2016/SVG/main" r:embed="rId5"/>
+              </a:ext>
+            </a:extLst>
+          </a:blip>
+          <a:stretch>
+            <a:fillRect/>
+          </a:stretch>
+        </p:blipFill>
+        <p:spPr>
+          <a:xfrm>
+            <a:off x="6281394" y="4085734"/>
+            <a:ext cx="496478" cy="496478"/>
+          </a:xfrm>
+          <a:prstGeom prst="rect">
+            <a:avLst/>
+          </a:prstGeom>
+        </p:spPr>
+      </p:pic>
+      <p:pic>
+        <p:nvPicPr>
+          <p:cNvPr id="16" name="Graphique 15">
+            <a:extLst>
+              <a:ext uri="{FF2B5EF4-FFF2-40B4-BE49-F238E27FC236}">
+                <a16:creationId xmlns:a16="http://schemas.microsoft.com/office/drawing/2014/main" id="{A881AE25-1B00-4729-BB28-F20EB39D108B}"/>
+              </a:ext>
+            </a:extLst>
+          </p:cNvPr>
+          <p:cNvPicPr>
+            <a:picLocks noChangeAspect="1"/>
+          </p:cNvPicPr>
+          <p:nvPr/>
+        </p:nvPicPr>
+        <p:blipFill>
+          <a:blip r:embed="rId4">
+            <a:extLst>
+              <a:ext uri="{96DAC541-7B7A-43D3-8B79-37D633B846F1}">
+                <asvg:svgBlip xmlns:asvg="http://schemas.microsoft.com/office/drawing/2016/SVG/main" r:embed="rId5"/>
+              </a:ext>
+            </a:extLst>
+          </a:blip>
+          <a:stretch>
+            <a:fillRect/>
+          </a:stretch>
+        </p:blipFill>
+        <p:spPr>
+          <a:xfrm>
+            <a:off x="9902858" y="2956040"/>
+            <a:ext cx="496478" cy="496478"/>
+          </a:xfrm>
+          <a:prstGeom prst="rect">
+            <a:avLst/>
+          </a:prstGeom>
+        </p:spPr>
+      </p:pic>
+      <p:pic>
+        <p:nvPicPr>
+          <p:cNvPr id="17" name="Graphique 16">
+            <a:extLst>
+              <a:ext uri="{FF2B5EF4-FFF2-40B4-BE49-F238E27FC236}">
+                <a16:creationId xmlns:a16="http://schemas.microsoft.com/office/drawing/2014/main" id="{92C4BC19-34F5-43AF-95E5-790B38EEBC3E}"/>
+              </a:ext>
+            </a:extLst>
+          </p:cNvPr>
+          <p:cNvPicPr>
+            <a:picLocks noChangeAspect="1"/>
+          </p:cNvPicPr>
+          <p:nvPr/>
+        </p:nvPicPr>
+        <p:blipFill>
+          <a:blip r:embed="rId4">
+            <a:extLst>
+              <a:ext uri="{96DAC541-7B7A-43D3-8B79-37D633B846F1}">
+                <asvg:svgBlip xmlns:asvg="http://schemas.microsoft.com/office/drawing/2016/SVG/main" r:embed="rId5"/>
+              </a:ext>
+            </a:extLst>
+          </a:blip>
+          <a:stretch>
+            <a:fillRect/>
+          </a:stretch>
+        </p:blipFill>
+        <p:spPr>
+          <a:xfrm>
+            <a:off x="7009222" y="2776946"/>
+            <a:ext cx="287517" cy="287517"/>
+          </a:xfrm>
+          <a:prstGeom prst="rect">
+            <a:avLst/>
+          </a:prstGeom>
+        </p:spPr>
+      </p:pic>
+      <p:pic>
+        <p:nvPicPr>
+          <p:cNvPr id="18" name="Graphique 17">
+            <a:extLst>
+              <a:ext uri="{FF2B5EF4-FFF2-40B4-BE49-F238E27FC236}">
+                <a16:creationId xmlns:a16="http://schemas.microsoft.com/office/drawing/2014/main" id="{58F68C9E-6575-424F-A7DC-856898DAE0EF}"/>
+              </a:ext>
+            </a:extLst>
+          </p:cNvPr>
+          <p:cNvPicPr>
+            <a:picLocks noChangeAspect="1"/>
+          </p:cNvPicPr>
+          <p:nvPr/>
+        </p:nvPicPr>
+        <p:blipFill>
+          <a:blip r:embed="rId4">
+            <a:extLst>
+              <a:ext uri="{96DAC541-7B7A-43D3-8B79-37D633B846F1}">
+                <asvg:svgBlip xmlns:asvg="http://schemas.microsoft.com/office/drawing/2016/SVG/main" r:embed="rId5"/>
+              </a:ext>
+            </a:extLst>
+          </a:blip>
+          <a:stretch>
+            <a:fillRect/>
+          </a:stretch>
+        </p:blipFill>
+        <p:spPr>
+          <a:xfrm>
+            <a:off x="8718925" y="4527353"/>
+            <a:ext cx="287517" cy="287517"/>
+          </a:xfrm>
+          <a:prstGeom prst="rect">
+            <a:avLst/>
+          </a:prstGeom>
+        </p:spPr>
+      </p:pic>
     </p:spTree>
     <p:extLst>
       <p:ext uri="{BB962C8B-B14F-4D97-AF65-F5344CB8AC3E}">
-        <p14:creationId xmlns:p14="http://schemas.microsoft.com/office/powerpoint/2010/main" val="1079978290"/>
+        <p14:creationId xmlns:p14="http://schemas.microsoft.com/office/powerpoint/2010/main" val="1808957954"/>
       </p:ext>
     </p:extLst>
   </p:cSld>
@@ -5077,211 +9693,12 @@
   </p:clrMapOvr>
   <mc:AlternateContent xmlns:mc="http://schemas.openxmlformats.org/markup-compatibility/2006">
     <mc:Choice xmlns:p14="http://schemas.microsoft.com/office/powerpoint/2010/main" Requires="p14">
-      <p:transition spd="med" p14:dur="700">
+      <p:transition spd="med" p14:dur="700" advTm="3000">
         <p:fade/>
       </p:transition>
     </mc:Choice>
     <mc:Fallback>
-      <p:transition spd="med">
-        <p:fade/>
-      </p:transition>
-    </mc:Fallback>
-  </mc:AlternateContent>
-</p:sld>
-</file>
-
-<file path=ppt/slides/slide7.xml><?xml version="1.0" encoding="utf-8"?>
-<p:sld xmlns:a="http://schemas.openxmlformats.org/drawingml/2006/main" xmlns:r="http://schemas.openxmlformats.org/officeDocument/2006/relationships" xmlns:p="http://schemas.openxmlformats.org/presentationml/2006/main">
-  <p:cSld>
-    <p:spTree>
-      <p:nvGrpSpPr>
-        <p:cNvPr id="1" name=""/>
-        <p:cNvGrpSpPr/>
-        <p:nvPr/>
-      </p:nvGrpSpPr>
-      <p:grpSpPr>
-        <a:xfrm>
-          <a:off x="0" y="0"/>
-          <a:ext cx="0" cy="0"/>
-          <a:chOff x="0" y="0"/>
-          <a:chExt cx="0" cy="0"/>
-        </a:xfrm>
-      </p:grpSpPr>
-      <p:sp>
-        <p:nvSpPr>
-          <p:cNvPr id="4" name="Titre 3">
-            <a:extLst>
-              <a:ext uri="{FF2B5EF4-FFF2-40B4-BE49-F238E27FC236}">
-                <a16:creationId xmlns:a16="http://schemas.microsoft.com/office/drawing/2014/main" id="{F6EA6A94-3018-41BB-9FDE-D080414DD047}"/>
-              </a:ext>
-            </a:extLst>
-          </p:cNvPr>
-          <p:cNvSpPr>
-            <a:spLocks noGrp="1"/>
-          </p:cNvSpPr>
-          <p:nvPr>
-            <p:ph type="title"/>
-          </p:nvPr>
-        </p:nvSpPr>
-        <p:spPr>
-          <a:xfrm>
-            <a:off x="839788" y="457200"/>
-            <a:ext cx="4097972" cy="1600200"/>
-          </a:xfrm>
-        </p:spPr>
-        <p:txBody>
-          <a:bodyPr/>
-          <a:lstStyle/>
-          <a:p>
-            <a:r>
-              <a:rPr lang="fr-FR" dirty="0"/>
-              <a:t>Et cet antiparasitaire n’est plus efficace</a:t>
-            </a:r>
-          </a:p>
-        </p:txBody>
-      </p:sp>
-      <p:sp>
-        <p:nvSpPr>
-          <p:cNvPr id="6" name="Espace réservé du texte 5">
-            <a:extLst>
-              <a:ext uri="{FF2B5EF4-FFF2-40B4-BE49-F238E27FC236}">
-                <a16:creationId xmlns:a16="http://schemas.microsoft.com/office/drawing/2014/main" id="{0E13C185-2DE5-4726-8D11-1019F8164F74}"/>
-              </a:ext>
-            </a:extLst>
-          </p:cNvPr>
-          <p:cNvSpPr>
-            <a:spLocks noGrp="1"/>
-          </p:cNvSpPr>
-          <p:nvPr>
-            <p:ph type="body" sz="half" idx="2"/>
-          </p:nvPr>
-        </p:nvSpPr>
-        <p:spPr>
-          <a:xfrm>
-            <a:off x="839788" y="2532184"/>
-            <a:ext cx="3932237" cy="3336803"/>
-          </a:xfrm>
-        </p:spPr>
-        <p:txBody>
-          <a:bodyPr>
-            <a:normAutofit/>
-          </a:bodyPr>
-          <a:lstStyle/>
-          <a:p>
-            <a:r>
-              <a:rPr lang="fr-FR" sz="2800" dirty="0">
-                <a:latin typeface="+mj-lt"/>
-              </a:rPr>
-              <a:t>Il n’a plus aucun effet sur les parasites ce qui peut être problématique en cas de forte infestation.</a:t>
-            </a:r>
-          </a:p>
-        </p:txBody>
-      </p:sp>
-      <p:pic>
-        <p:nvPicPr>
-          <p:cNvPr id="7" name="Espace réservé pour une image  6">
-            <a:extLst>
-              <a:ext uri="{FF2B5EF4-FFF2-40B4-BE49-F238E27FC236}">
-                <a16:creationId xmlns:a16="http://schemas.microsoft.com/office/drawing/2014/main" id="{FD48E676-EA56-421F-85B2-242BABDCB4CC}"/>
-              </a:ext>
-            </a:extLst>
-          </p:cNvPr>
-          <p:cNvPicPr>
-            <a:picLocks noGrp="1" noChangeAspect="1"/>
-          </p:cNvPicPr>
-          <p:nvPr>
-            <p:ph type="pic" idx="1"/>
-          </p:nvPr>
-        </p:nvPicPr>
-        <p:blipFill>
-          <a:blip r:embed="rId2">
-            <a:extLst>
-              <a:ext uri="{28A0092B-C50C-407E-A947-70E740481C1C}">
-                <a14:useLocalDpi xmlns:a14="http://schemas.microsoft.com/office/drawing/2010/main" val="0"/>
-              </a:ext>
-              <a:ext uri="{96DAC541-7B7A-43D3-8B79-37D633B846F1}">
-                <asvg:svgBlip xmlns:asvg="http://schemas.microsoft.com/office/drawing/2016/SVG/main" r:embed="rId3"/>
-              </a:ext>
-            </a:extLst>
-          </a:blip>
-          <a:srcRect l="9" r="9"/>
-          <a:stretch>
-            <a:fillRect/>
-          </a:stretch>
-        </p:blipFill>
-        <p:spPr/>
-      </p:pic>
-      <p:sp>
-        <p:nvSpPr>
-          <p:cNvPr id="14" name="Signe de multiplication 13">
-            <a:extLst>
-              <a:ext uri="{FF2B5EF4-FFF2-40B4-BE49-F238E27FC236}">
-                <a16:creationId xmlns:a16="http://schemas.microsoft.com/office/drawing/2014/main" id="{698CC1C1-C22A-4A70-BA7F-09088DC14084}"/>
-              </a:ext>
-            </a:extLst>
-          </p:cNvPr>
-          <p:cNvSpPr/>
-          <p:nvPr/>
-        </p:nvSpPr>
-        <p:spPr>
-          <a:xfrm>
-            <a:off x="6212889" y="1748915"/>
-            <a:ext cx="4112798" cy="4112796"/>
-          </a:xfrm>
-          <a:prstGeom prst="mathMultiply">
-            <a:avLst>
-              <a:gd name="adj1" fmla="val 10522"/>
-            </a:avLst>
-          </a:prstGeom>
-          <a:solidFill>
-            <a:schemeClr val="accent2">
-              <a:lumMod val="75000"/>
-            </a:schemeClr>
-          </a:solidFill>
-        </p:spPr>
-        <p:style>
-          <a:lnRef idx="2">
-            <a:schemeClr val="accent1">
-              <a:shade val="50000"/>
-            </a:schemeClr>
-          </a:lnRef>
-          <a:fillRef idx="1">
-            <a:schemeClr val="accent1"/>
-          </a:fillRef>
-          <a:effectRef idx="0">
-            <a:schemeClr val="accent1"/>
-          </a:effectRef>
-          <a:fontRef idx="minor">
-            <a:schemeClr val="lt1"/>
-          </a:fontRef>
-        </p:style>
-        <p:txBody>
-          <a:bodyPr rtlCol="0" anchor="ctr"/>
-          <a:lstStyle/>
-          <a:p>
-            <a:pPr algn="ctr"/>
-            <a:endParaRPr lang="fr-FR"/>
-          </a:p>
-        </p:txBody>
-      </p:sp>
-    </p:spTree>
-    <p:extLst>
-      <p:ext uri="{BB962C8B-B14F-4D97-AF65-F5344CB8AC3E}">
-        <p14:creationId xmlns:p14="http://schemas.microsoft.com/office/powerpoint/2010/main" val="3525160018"/>
-      </p:ext>
-    </p:extLst>
-  </p:cSld>
-  <p:clrMapOvr>
-    <a:masterClrMapping/>
-  </p:clrMapOvr>
-  <mc:AlternateContent xmlns:mc="http://schemas.openxmlformats.org/markup-compatibility/2006">
-    <mc:Choice xmlns:p14="http://schemas.microsoft.com/office/powerpoint/2010/main" Requires="p14">
-      <p:transition spd="med" p14:dur="700">
-        <p:fade/>
-      </p:transition>
-    </mc:Choice>
-    <mc:Fallback>
-      <p:transition spd="med">
+      <p:transition spd="med" advTm="3000">
         <p:fade/>
       </p:transition>
     </mc:Fallback>
@@ -5582,4 +9999,299 @@
     </a:ext>
   </a:extLst>
 </a:theme>
+</file>
+
+<file path=ppt/theme/theme2.xml><?xml version="1.0" encoding="utf-8"?>
+<a:theme xmlns:a="http://schemas.openxmlformats.org/drawingml/2006/main" name="Thème Office">
+  <a:themeElements>
+    <a:clrScheme name="Office">
+      <a:dk1>
+        <a:sysClr val="windowText" lastClr="000000"/>
+      </a:dk1>
+      <a:lt1>
+        <a:sysClr val="window" lastClr="FFFFFF"/>
+      </a:lt1>
+      <a:dk2>
+        <a:srgbClr val="44546A"/>
+      </a:dk2>
+      <a:lt2>
+        <a:srgbClr val="E7E6E6"/>
+      </a:lt2>
+      <a:accent1>
+        <a:srgbClr val="4472C4"/>
+      </a:accent1>
+      <a:accent2>
+        <a:srgbClr val="ED7D31"/>
+      </a:accent2>
+      <a:accent3>
+        <a:srgbClr val="A5A5A5"/>
+      </a:accent3>
+      <a:accent4>
+        <a:srgbClr val="FFC000"/>
+      </a:accent4>
+      <a:accent5>
+        <a:srgbClr val="5B9BD5"/>
+      </a:accent5>
+      <a:accent6>
+        <a:srgbClr val="70AD47"/>
+      </a:accent6>
+      <a:hlink>
+        <a:srgbClr val="0563C1"/>
+      </a:hlink>
+      <a:folHlink>
+        <a:srgbClr val="954F72"/>
+      </a:folHlink>
+    </a:clrScheme>
+    <a:fontScheme name="Office">
+      <a:majorFont>
+        <a:latin typeface="Calibri Light" panose="020F0302020204030204"/>
+        <a:ea typeface=""/>
+        <a:cs typeface=""/>
+        <a:font script="Jpan" typeface="游ゴシック Light"/>
+        <a:font script="Hang" typeface="맑은 고딕"/>
+        <a:font script="Hans" typeface="等线 Light"/>
+        <a:font script="Hant" typeface="新細明體"/>
+        <a:font script="Arab" typeface="Times New Roman"/>
+        <a:font script="Hebr" typeface="Times New Roman"/>
+        <a:font script="Thai" typeface="Angsana New"/>
+        <a:font script="Ethi" typeface="Nyala"/>
+        <a:font script="Beng" typeface="Vrinda"/>
+        <a:font script="Gujr" typeface="Shruti"/>
+        <a:font script="Khmr" typeface="MoolBoran"/>
+        <a:font script="Knda" typeface="Tunga"/>
+        <a:font script="Guru" typeface="Raavi"/>
+        <a:font script="Cans" typeface="Euphemia"/>
+        <a:font script="Cher" typeface="Plantagenet Cherokee"/>
+        <a:font script="Yiii" typeface="Microsoft Yi Baiti"/>
+        <a:font script="Tibt" typeface="Microsoft Himalaya"/>
+        <a:font script="Thaa" typeface="MV Boli"/>
+        <a:font script="Deva" typeface="Mangal"/>
+        <a:font script="Telu" typeface="Gautami"/>
+        <a:font script="Taml" typeface="Latha"/>
+        <a:font script="Syrc" typeface="Estrangelo Edessa"/>
+        <a:font script="Orya" typeface="Kalinga"/>
+        <a:font script="Mlym" typeface="Kartika"/>
+        <a:font script="Laoo" typeface="DokChampa"/>
+        <a:font script="Sinh" typeface="Iskoola Pota"/>
+        <a:font script="Mong" typeface="Mongolian Baiti"/>
+        <a:font script="Viet" typeface="Times New Roman"/>
+        <a:font script="Uigh" typeface="Microsoft Uighur"/>
+        <a:font script="Geor" typeface="Sylfaen"/>
+        <a:font script="Armn" typeface="Arial"/>
+        <a:font script="Bugi" typeface="Leelawadee UI"/>
+        <a:font script="Bopo" typeface="Microsoft JhengHei"/>
+        <a:font script="Java" typeface="Javanese Text"/>
+        <a:font script="Lisu" typeface="Segoe UI"/>
+        <a:font script="Mymr" typeface="Myanmar Text"/>
+        <a:font script="Nkoo" typeface="Ebrima"/>
+        <a:font script="Olck" typeface="Nirmala UI"/>
+        <a:font script="Osma" typeface="Ebrima"/>
+        <a:font script="Phag" typeface="Phagspa"/>
+        <a:font script="Syrn" typeface="Estrangelo Edessa"/>
+        <a:font script="Syrj" typeface="Estrangelo Edessa"/>
+        <a:font script="Syre" typeface="Estrangelo Edessa"/>
+        <a:font script="Sora" typeface="Nirmala UI"/>
+        <a:font script="Tale" typeface="Microsoft Tai Le"/>
+        <a:font script="Talu" typeface="Microsoft New Tai Lue"/>
+        <a:font script="Tfng" typeface="Ebrima"/>
+      </a:majorFont>
+      <a:minorFont>
+        <a:latin typeface="Calibri" panose="020F0502020204030204"/>
+        <a:ea typeface=""/>
+        <a:cs typeface=""/>
+        <a:font script="Jpan" typeface="游ゴシック"/>
+        <a:font script="Hang" typeface="맑은 고딕"/>
+        <a:font script="Hans" typeface="等线"/>
+        <a:font script="Hant" typeface="新細明體"/>
+        <a:font script="Arab" typeface="Arial"/>
+        <a:font script="Hebr" typeface="Arial"/>
+        <a:font script="Thai" typeface="Cordia New"/>
+        <a:font script="Ethi" typeface="Nyala"/>
+        <a:font script="Beng" typeface="Vrinda"/>
+        <a:font script="Gujr" typeface="Shruti"/>
+        <a:font script="Khmr" typeface="DaunPenh"/>
+        <a:font script="Knda" typeface="Tunga"/>
+        <a:font script="Guru" typeface="Raavi"/>
+        <a:font script="Cans" typeface="Euphemia"/>
+        <a:font script="Cher" typeface="Plantagenet Cherokee"/>
+        <a:font script="Yiii" typeface="Microsoft Yi Baiti"/>
+        <a:font script="Tibt" typeface="Microsoft Himalaya"/>
+        <a:font script="Thaa" typeface="MV Boli"/>
+        <a:font script="Deva" typeface="Mangal"/>
+        <a:font script="Telu" typeface="Gautami"/>
+        <a:font script="Taml" typeface="Latha"/>
+        <a:font script="Syrc" typeface="Estrangelo Edessa"/>
+        <a:font script="Orya" typeface="Kalinga"/>
+        <a:font script="Mlym" typeface="Kartika"/>
+        <a:font script="Laoo" typeface="DokChampa"/>
+        <a:font script="Sinh" typeface="Iskoola Pota"/>
+        <a:font script="Mong" typeface="Mongolian Baiti"/>
+        <a:font script="Viet" typeface="Arial"/>
+        <a:font script="Uigh" typeface="Microsoft Uighur"/>
+        <a:font script="Geor" typeface="Sylfaen"/>
+        <a:font script="Armn" typeface="Arial"/>
+        <a:font script="Bugi" typeface="Leelawadee UI"/>
+        <a:font script="Bopo" typeface="Microsoft JhengHei"/>
+        <a:font script="Java" typeface="Javanese Text"/>
+        <a:font script="Lisu" typeface="Segoe UI"/>
+        <a:font script="Mymr" typeface="Myanmar Text"/>
+        <a:font script="Nkoo" typeface="Ebrima"/>
+        <a:font script="Olck" typeface="Nirmala UI"/>
+        <a:font script="Osma" typeface="Ebrima"/>
+        <a:font script="Phag" typeface="Phagspa"/>
+        <a:font script="Syrn" typeface="Estrangelo Edessa"/>
+        <a:font script="Syrj" typeface="Estrangelo Edessa"/>
+        <a:font script="Syre" typeface="Estrangelo Edessa"/>
+        <a:font script="Sora" typeface="Nirmala UI"/>
+        <a:font script="Tale" typeface="Microsoft Tai Le"/>
+        <a:font script="Talu" typeface="Microsoft New Tai Lue"/>
+        <a:font script="Tfng" typeface="Ebrima"/>
+      </a:minorFont>
+    </a:fontScheme>
+    <a:fmtScheme name="Office">
+      <a:fillStyleLst>
+        <a:solidFill>
+          <a:schemeClr val="phClr"/>
+        </a:solidFill>
+        <a:gradFill rotWithShape="1">
+          <a:gsLst>
+            <a:gs pos="0">
+              <a:schemeClr val="phClr">
+                <a:lumMod val="110000"/>
+                <a:satMod val="105000"/>
+                <a:tint val="67000"/>
+              </a:schemeClr>
+            </a:gs>
+            <a:gs pos="50000">
+              <a:schemeClr val="phClr">
+                <a:lumMod val="105000"/>
+                <a:satMod val="103000"/>
+                <a:tint val="73000"/>
+              </a:schemeClr>
+            </a:gs>
+            <a:gs pos="100000">
+              <a:schemeClr val="phClr">
+                <a:lumMod val="105000"/>
+                <a:satMod val="109000"/>
+                <a:tint val="81000"/>
+              </a:schemeClr>
+            </a:gs>
+          </a:gsLst>
+          <a:lin ang="5400000" scaled="0"/>
+        </a:gradFill>
+        <a:gradFill rotWithShape="1">
+          <a:gsLst>
+            <a:gs pos="0">
+              <a:schemeClr val="phClr">
+                <a:satMod val="103000"/>
+                <a:lumMod val="102000"/>
+                <a:tint val="94000"/>
+              </a:schemeClr>
+            </a:gs>
+            <a:gs pos="50000">
+              <a:schemeClr val="phClr">
+                <a:satMod val="110000"/>
+                <a:lumMod val="100000"/>
+                <a:shade val="100000"/>
+              </a:schemeClr>
+            </a:gs>
+            <a:gs pos="100000">
+              <a:schemeClr val="phClr">
+                <a:lumMod val="99000"/>
+                <a:satMod val="120000"/>
+                <a:shade val="78000"/>
+              </a:schemeClr>
+            </a:gs>
+          </a:gsLst>
+          <a:lin ang="5400000" scaled="0"/>
+        </a:gradFill>
+      </a:fillStyleLst>
+      <a:lnStyleLst>
+        <a:ln w="6350" cap="flat" cmpd="sng" algn="ctr">
+          <a:solidFill>
+            <a:schemeClr val="phClr"/>
+          </a:solidFill>
+          <a:prstDash val="solid"/>
+          <a:miter lim="800000"/>
+        </a:ln>
+        <a:ln w="12700" cap="flat" cmpd="sng" algn="ctr">
+          <a:solidFill>
+            <a:schemeClr val="phClr"/>
+          </a:solidFill>
+          <a:prstDash val="solid"/>
+          <a:miter lim="800000"/>
+        </a:ln>
+        <a:ln w="19050" cap="flat" cmpd="sng" algn="ctr">
+          <a:solidFill>
+            <a:schemeClr val="phClr"/>
+          </a:solidFill>
+          <a:prstDash val="solid"/>
+          <a:miter lim="800000"/>
+        </a:ln>
+      </a:lnStyleLst>
+      <a:effectStyleLst>
+        <a:effectStyle>
+          <a:effectLst/>
+        </a:effectStyle>
+        <a:effectStyle>
+          <a:effectLst/>
+        </a:effectStyle>
+        <a:effectStyle>
+          <a:effectLst>
+            <a:outerShdw blurRad="57150" dist="19050" dir="5400000" algn="ctr" rotWithShape="0">
+              <a:srgbClr val="000000">
+                <a:alpha val="63000"/>
+              </a:srgbClr>
+            </a:outerShdw>
+          </a:effectLst>
+        </a:effectStyle>
+      </a:effectStyleLst>
+      <a:bgFillStyleLst>
+        <a:solidFill>
+          <a:schemeClr val="phClr"/>
+        </a:solidFill>
+        <a:solidFill>
+          <a:schemeClr val="phClr">
+            <a:tint val="95000"/>
+            <a:satMod val="170000"/>
+          </a:schemeClr>
+        </a:solidFill>
+        <a:gradFill rotWithShape="1">
+          <a:gsLst>
+            <a:gs pos="0">
+              <a:schemeClr val="phClr">
+                <a:tint val="93000"/>
+                <a:satMod val="150000"/>
+                <a:shade val="98000"/>
+                <a:lumMod val="102000"/>
+              </a:schemeClr>
+            </a:gs>
+            <a:gs pos="50000">
+              <a:schemeClr val="phClr">
+                <a:tint val="98000"/>
+                <a:satMod val="130000"/>
+                <a:shade val="90000"/>
+                <a:lumMod val="103000"/>
+              </a:schemeClr>
+            </a:gs>
+            <a:gs pos="100000">
+              <a:schemeClr val="phClr">
+                <a:shade val="63000"/>
+                <a:satMod val="120000"/>
+              </a:schemeClr>
+            </a:gs>
+          </a:gsLst>
+          <a:lin ang="5400000" scaled="0"/>
+        </a:gradFill>
+      </a:bgFillStyleLst>
+    </a:fmtScheme>
+  </a:themeElements>
+  <a:objectDefaults/>
+  <a:extraClrSchemeLst/>
+  <a:extLst>
+    <a:ext uri="{05A4C25C-085E-4340-85A3-A5531E510DB2}">
+      <thm15:themeFamily xmlns:thm15="http://schemas.microsoft.com/office/thememl/2012/main" name="Office Theme" id="{62F939B6-93AF-4DB8-9C6B-D6C7DFDC589F}" vid="{4A3C46E8-61CC-4603-A589-7422A47A8E4A}"/>
+    </a:ext>
+  </a:extLst>
+</a:theme>
 </file>
--- a/storage/app/public/img/resist/Resistance.pptx
+++ b/storage/app/public/img/resist/Resistance.pptx
@@ -123,6 +123,11 @@
       </a:defRPr>
     </a:lvl9pPr>
   </p:defaultTextStyle>
+  <p:extLst>
+    <p:ext uri="{EFAFB233-063F-42B5-8137-9DF3F51BA10A}">
+      <p15:sldGuideLst xmlns:p15="http://schemas.microsoft.com/office/powerpoint/2012/main"/>
+    </p:ext>
+  </p:extLst>
 </p:presentation>
 </file>
 
@@ -220,7 +225,7 @@
           <a:p>
             <a:fld id="{E2A46EA2-7802-40F2-B116-B98F42154712}" type="datetimeFigureOut">
               <a:rPr lang="fr-FR" smtClean="0"/>
-              <a:t>14/03/2020</a:t>
+              <a:t>11/04/2020</a:t>
             </a:fld>
             <a:endParaRPr lang="fr-FR"/>
           </a:p>
@@ -718,7 +723,7 @@
           <a:p>
             <a:fld id="{E066B334-6CB1-4B7C-BF35-28AF1C17BF48}" type="datetimeFigureOut">
               <a:rPr lang="fr-FR" smtClean="0"/>
-              <a:t>14/03/2020</a:t>
+              <a:t>11/04/2020</a:t>
             </a:fld>
             <a:endParaRPr lang="fr-FR"/>
           </a:p>
@@ -788,13 +793,13 @@
   <p:clrMapOvr>
     <a:masterClrMapping/>
   </p:clrMapOvr>
-  <mc:AlternateContent xmlns:mc="http://schemas.openxmlformats.org/markup-compatibility/2006">
-    <mc:Choice xmlns:p14="http://schemas.microsoft.com/office/powerpoint/2010/main" Requires="p14">
+  <mc:AlternateContent xmlns:mc="http://schemas.openxmlformats.org/markup-compatibility/2006" xmlns:p14="http://schemas.microsoft.com/office/powerpoint/2010/main">
+    <mc:Choice Requires="p14">
       <p:transition spd="med" p14:dur="700" advTm="3000">
         <p:fade/>
       </p:transition>
     </mc:Choice>
-    <mc:Fallback>
+    <mc:Fallback xmlns="">
       <p:transition spd="med" advTm="3000">
         <p:fade/>
       </p:transition>
@@ -928,7 +933,7 @@
           <a:p>
             <a:fld id="{E066B334-6CB1-4B7C-BF35-28AF1C17BF48}" type="datetimeFigureOut">
               <a:rPr lang="fr-FR" smtClean="0"/>
-              <a:t>14/03/2020</a:t>
+              <a:t>11/04/2020</a:t>
             </a:fld>
             <a:endParaRPr lang="fr-FR"/>
           </a:p>
@@ -998,13 +1003,13 @@
   <p:clrMapOvr>
     <a:masterClrMapping/>
   </p:clrMapOvr>
-  <mc:AlternateContent xmlns:mc="http://schemas.openxmlformats.org/markup-compatibility/2006">
-    <mc:Choice xmlns:p14="http://schemas.microsoft.com/office/powerpoint/2010/main" Requires="p14">
+  <mc:AlternateContent xmlns:mc="http://schemas.openxmlformats.org/markup-compatibility/2006" xmlns:p14="http://schemas.microsoft.com/office/powerpoint/2010/main">
+    <mc:Choice Requires="p14">
       <p:transition spd="med" p14:dur="700" advTm="3000">
         <p:fade/>
       </p:transition>
     </mc:Choice>
-    <mc:Fallback>
+    <mc:Fallback xmlns="">
       <p:transition spd="med" advTm="3000">
         <p:fade/>
       </p:transition>
@@ -1148,7 +1153,7 @@
           <a:p>
             <a:fld id="{E066B334-6CB1-4B7C-BF35-28AF1C17BF48}" type="datetimeFigureOut">
               <a:rPr lang="fr-FR" smtClean="0"/>
-              <a:t>14/03/2020</a:t>
+              <a:t>11/04/2020</a:t>
             </a:fld>
             <a:endParaRPr lang="fr-FR"/>
           </a:p>
@@ -1218,13 +1223,13 @@
   <p:clrMapOvr>
     <a:masterClrMapping/>
   </p:clrMapOvr>
-  <mc:AlternateContent xmlns:mc="http://schemas.openxmlformats.org/markup-compatibility/2006">
-    <mc:Choice xmlns:p14="http://schemas.microsoft.com/office/powerpoint/2010/main" Requires="p14">
+  <mc:AlternateContent xmlns:mc="http://schemas.openxmlformats.org/markup-compatibility/2006" xmlns:p14="http://schemas.microsoft.com/office/powerpoint/2010/main">
+    <mc:Choice Requires="p14">
       <p:transition spd="med" p14:dur="700" advTm="3000">
         <p:fade/>
       </p:transition>
     </mc:Choice>
-    <mc:Fallback>
+    <mc:Fallback xmlns="">
       <p:transition spd="med" advTm="3000">
         <p:fade/>
       </p:transition>
@@ -1358,7 +1363,7 @@
           <a:p>
             <a:fld id="{E066B334-6CB1-4B7C-BF35-28AF1C17BF48}" type="datetimeFigureOut">
               <a:rPr lang="fr-FR" smtClean="0"/>
-              <a:t>14/03/2020</a:t>
+              <a:t>11/04/2020</a:t>
             </a:fld>
             <a:endParaRPr lang="fr-FR"/>
           </a:p>
@@ -1428,13 +1433,13 @@
   <p:clrMapOvr>
     <a:masterClrMapping/>
   </p:clrMapOvr>
-  <mc:AlternateContent xmlns:mc="http://schemas.openxmlformats.org/markup-compatibility/2006">
-    <mc:Choice xmlns:p14="http://schemas.microsoft.com/office/powerpoint/2010/main" Requires="p14">
+  <mc:AlternateContent xmlns:mc="http://schemas.openxmlformats.org/markup-compatibility/2006" xmlns:p14="http://schemas.microsoft.com/office/powerpoint/2010/main">
+    <mc:Choice Requires="p14">
       <p:transition spd="med" p14:dur="700" advTm="3000">
         <p:fade/>
       </p:transition>
     </mc:Choice>
-    <mc:Fallback>
+    <mc:Fallback xmlns="">
       <p:transition spd="med" advTm="3000">
         <p:fade/>
       </p:transition>
@@ -1645,7 +1650,7 @@
           <a:p>
             <a:fld id="{E066B334-6CB1-4B7C-BF35-28AF1C17BF48}" type="datetimeFigureOut">
               <a:rPr lang="fr-FR" smtClean="0"/>
-              <a:t>14/03/2020</a:t>
+              <a:t>11/04/2020</a:t>
             </a:fld>
             <a:endParaRPr lang="fr-FR"/>
           </a:p>
@@ -1715,13 +1720,13 @@
   <p:clrMapOvr>
     <a:masterClrMapping/>
   </p:clrMapOvr>
-  <mc:AlternateContent xmlns:mc="http://schemas.openxmlformats.org/markup-compatibility/2006">
-    <mc:Choice xmlns:p14="http://schemas.microsoft.com/office/powerpoint/2010/main" Requires="p14">
+  <mc:AlternateContent xmlns:mc="http://schemas.openxmlformats.org/markup-compatibility/2006" xmlns:p14="http://schemas.microsoft.com/office/powerpoint/2010/main">
+    <mc:Choice Requires="p14">
       <p:transition spd="med" p14:dur="700" advTm="3000">
         <p:fade/>
       </p:transition>
     </mc:Choice>
-    <mc:Fallback>
+    <mc:Fallback xmlns="">
       <p:transition spd="med" advTm="3000">
         <p:fade/>
       </p:transition>
@@ -1922,7 +1927,7 @@
           <a:p>
             <a:fld id="{E066B334-6CB1-4B7C-BF35-28AF1C17BF48}" type="datetimeFigureOut">
               <a:rPr lang="fr-FR" smtClean="0"/>
-              <a:t>14/03/2020</a:t>
+              <a:t>11/04/2020</a:t>
             </a:fld>
             <a:endParaRPr lang="fr-FR"/>
           </a:p>
@@ -1992,13 +1997,13 @@
   <p:clrMapOvr>
     <a:masterClrMapping/>
   </p:clrMapOvr>
-  <mc:AlternateContent xmlns:mc="http://schemas.openxmlformats.org/markup-compatibility/2006">
-    <mc:Choice xmlns:p14="http://schemas.microsoft.com/office/powerpoint/2010/main" Requires="p14">
+  <mc:AlternateContent xmlns:mc="http://schemas.openxmlformats.org/markup-compatibility/2006" xmlns:p14="http://schemas.microsoft.com/office/powerpoint/2010/main">
+    <mc:Choice Requires="p14">
       <p:transition spd="med" p14:dur="700" advTm="3000">
         <p:fade/>
       </p:transition>
     </mc:Choice>
-    <mc:Fallback>
+    <mc:Fallback xmlns="">
       <p:transition spd="med" advTm="3000">
         <p:fade/>
       </p:transition>
@@ -2346,7 +2351,7 @@
           <a:p>
             <a:fld id="{E066B334-6CB1-4B7C-BF35-28AF1C17BF48}" type="datetimeFigureOut">
               <a:rPr lang="fr-FR" smtClean="0"/>
-              <a:t>14/03/2020</a:t>
+              <a:t>11/04/2020</a:t>
             </a:fld>
             <a:endParaRPr lang="fr-FR"/>
           </a:p>
@@ -2416,13 +2421,13 @@
   <p:clrMapOvr>
     <a:masterClrMapping/>
   </p:clrMapOvr>
-  <mc:AlternateContent xmlns:mc="http://schemas.openxmlformats.org/markup-compatibility/2006">
-    <mc:Choice xmlns:p14="http://schemas.microsoft.com/office/powerpoint/2010/main" Requires="p14">
+  <mc:AlternateContent xmlns:mc="http://schemas.openxmlformats.org/markup-compatibility/2006" xmlns:p14="http://schemas.microsoft.com/office/powerpoint/2010/main">
+    <mc:Choice Requires="p14">
       <p:transition spd="med" p14:dur="700" advTm="3000">
         <p:fade/>
       </p:transition>
     </mc:Choice>
-    <mc:Fallback>
+    <mc:Fallback xmlns="">
       <p:transition spd="med" advTm="3000">
         <p:fade/>
       </p:transition>
@@ -2499,7 +2504,7 @@
           <a:p>
             <a:fld id="{E066B334-6CB1-4B7C-BF35-28AF1C17BF48}" type="datetimeFigureOut">
               <a:rPr lang="fr-FR" smtClean="0"/>
-              <a:t>14/03/2020</a:t>
+              <a:t>11/04/2020</a:t>
             </a:fld>
             <a:endParaRPr lang="fr-FR"/>
           </a:p>
@@ -2569,13 +2574,13 @@
   <p:clrMapOvr>
     <a:masterClrMapping/>
   </p:clrMapOvr>
-  <mc:AlternateContent xmlns:mc="http://schemas.openxmlformats.org/markup-compatibility/2006">
-    <mc:Choice xmlns:p14="http://schemas.microsoft.com/office/powerpoint/2010/main" Requires="p14">
+  <mc:AlternateContent xmlns:mc="http://schemas.openxmlformats.org/markup-compatibility/2006" xmlns:p14="http://schemas.microsoft.com/office/powerpoint/2010/main">
+    <mc:Choice Requires="p14">
       <p:transition spd="med" p14:dur="700" advTm="3000">
         <p:fade/>
       </p:transition>
     </mc:Choice>
-    <mc:Fallback>
+    <mc:Fallback xmlns="">
       <p:transition spd="med" advTm="3000">
         <p:fade/>
       </p:transition>
@@ -2624,7 +2629,7 @@
           <a:p>
             <a:fld id="{E066B334-6CB1-4B7C-BF35-28AF1C17BF48}" type="datetimeFigureOut">
               <a:rPr lang="fr-FR" smtClean="0"/>
-              <a:t>14/03/2020</a:t>
+              <a:t>11/04/2020</a:t>
             </a:fld>
             <a:endParaRPr lang="fr-FR"/>
           </a:p>
@@ -2694,13 +2699,13 @@
   <p:clrMapOvr>
     <a:masterClrMapping/>
   </p:clrMapOvr>
-  <mc:AlternateContent xmlns:mc="http://schemas.openxmlformats.org/markup-compatibility/2006">
-    <mc:Choice xmlns:p14="http://schemas.microsoft.com/office/powerpoint/2010/main" Requires="p14">
+  <mc:AlternateContent xmlns:mc="http://schemas.openxmlformats.org/markup-compatibility/2006" xmlns:p14="http://schemas.microsoft.com/office/powerpoint/2010/main">
+    <mc:Choice Requires="p14">
       <p:transition spd="med" p14:dur="700" advTm="3000">
         <p:fade/>
       </p:transition>
     </mc:Choice>
-    <mc:Fallback>
+    <mc:Fallback xmlns="">
       <p:transition spd="med" advTm="3000">
         <p:fade/>
       </p:transition>
@@ -2947,7 +2952,7 @@
           <a:p>
             <a:fld id="{E066B334-6CB1-4B7C-BF35-28AF1C17BF48}" type="datetimeFigureOut">
               <a:rPr lang="fr-FR" smtClean="0"/>
-              <a:t>14/03/2020</a:t>
+              <a:t>11/04/2020</a:t>
             </a:fld>
             <a:endParaRPr lang="fr-FR"/>
           </a:p>
@@ -3017,13 +3022,13 @@
   <p:clrMapOvr>
     <a:masterClrMapping/>
   </p:clrMapOvr>
-  <mc:AlternateContent xmlns:mc="http://schemas.openxmlformats.org/markup-compatibility/2006">
-    <mc:Choice xmlns:p14="http://schemas.microsoft.com/office/powerpoint/2010/main" Requires="p14">
+  <mc:AlternateContent xmlns:mc="http://schemas.openxmlformats.org/markup-compatibility/2006" xmlns:p14="http://schemas.microsoft.com/office/powerpoint/2010/main">
+    <mc:Choice Requires="p14">
       <p:transition spd="med" p14:dur="700" advTm="3000">
         <p:fade/>
       </p:transition>
     </mc:Choice>
-    <mc:Fallback>
+    <mc:Fallback xmlns="">
       <p:transition spd="med" advTm="3000">
         <p:fade/>
       </p:transition>
@@ -3247,7 +3252,7 @@
           <a:p>
             <a:fld id="{E066B334-6CB1-4B7C-BF35-28AF1C17BF48}" type="datetimeFigureOut">
               <a:rPr lang="fr-FR" smtClean="0"/>
-              <a:t>14/03/2020</a:t>
+              <a:t>11/04/2020</a:t>
             </a:fld>
             <a:endParaRPr lang="fr-FR"/>
           </a:p>
@@ -3317,13 +3322,13 @@
   <p:clrMapOvr>
     <a:masterClrMapping/>
   </p:clrMapOvr>
-  <mc:AlternateContent xmlns:mc="http://schemas.openxmlformats.org/markup-compatibility/2006">
-    <mc:Choice xmlns:p14="http://schemas.microsoft.com/office/powerpoint/2010/main" Requires="p14">
+  <mc:AlternateContent xmlns:mc="http://schemas.openxmlformats.org/markup-compatibility/2006" xmlns:p14="http://schemas.microsoft.com/office/powerpoint/2010/main">
+    <mc:Choice Requires="p14">
       <p:transition spd="med" p14:dur="700" advTm="3000">
         <p:fade/>
       </p:transition>
     </mc:Choice>
-    <mc:Fallback>
+    <mc:Fallback xmlns="">
       <p:transition spd="med" advTm="3000">
         <p:fade/>
       </p:transition>
@@ -3500,7 +3505,7 @@
           <a:p>
             <a:fld id="{E066B334-6CB1-4B7C-BF35-28AF1C17BF48}" type="datetimeFigureOut">
               <a:rPr lang="fr-FR" smtClean="0"/>
-              <a:t>14/03/2020</a:t>
+              <a:t>11/04/2020</a:t>
             </a:fld>
             <a:endParaRPr lang="fr-FR"/>
           </a:p>
@@ -3617,13 +3622,13 @@
     <p:sldLayoutId id="2147483658" r:id="rId10"/>
     <p:sldLayoutId id="2147483659" r:id="rId11"/>
   </p:sldLayoutIdLst>
-  <mc:AlternateContent xmlns:mc="http://schemas.openxmlformats.org/markup-compatibility/2006">
-    <mc:Choice xmlns:p14="http://schemas.microsoft.com/office/powerpoint/2010/main" Requires="p14">
+  <mc:AlternateContent xmlns:mc="http://schemas.openxmlformats.org/markup-compatibility/2006" xmlns:p14="http://schemas.microsoft.com/office/powerpoint/2010/main">
+    <mc:Choice Requires="p14">
       <p:transition spd="med" p14:dur="700" advTm="3000">
         <p:fade/>
       </p:transition>
     </mc:Choice>
-    <mc:Fallback>
+    <mc:Fallback xmlns="">
       <p:transition spd="med" advTm="3000">
         <p:fade/>
       </p:transition>
@@ -3979,13 +3984,13 @@
   <p:clrMapOvr>
     <a:masterClrMapping/>
   </p:clrMapOvr>
-  <mc:AlternateContent xmlns:mc="http://schemas.openxmlformats.org/markup-compatibility/2006">
-    <mc:Choice xmlns:p14="http://schemas.microsoft.com/office/powerpoint/2010/main" Requires="p14">
+  <mc:AlternateContent xmlns:mc="http://schemas.openxmlformats.org/markup-compatibility/2006" xmlns:p14="http://schemas.microsoft.com/office/powerpoint/2010/main">
+    <mc:Choice Requires="p14">
       <p:transition spd="med" p14:dur="700" advTm="3000">
         <p:fade/>
       </p:transition>
     </mc:Choice>
-    <mc:Fallback>
+    <mc:Fallback xmlns="">
       <p:transition spd="med" advTm="3000">
         <p:fade/>
       </p:transition>
@@ -4113,13 +4118,13 @@
   <p:clrMapOvr>
     <a:masterClrMapping/>
   </p:clrMapOvr>
-  <mc:AlternateContent xmlns:mc="http://schemas.openxmlformats.org/markup-compatibility/2006">
-    <mc:Choice xmlns:p14="http://schemas.microsoft.com/office/powerpoint/2010/main" Requires="p14">
+  <mc:AlternateContent xmlns:mc="http://schemas.openxmlformats.org/markup-compatibility/2006" xmlns:p14="http://schemas.microsoft.com/office/powerpoint/2010/main">
+    <mc:Choice Requires="p14">
       <p:transition spd="med" p14:dur="700" advTm="3000">
         <p:fade/>
       </p:transition>
     </mc:Choice>
-    <mc:Fallback>
+    <mc:Fallback xmlns="">
       <p:transition spd="med" advTm="3000">
         <p:fade/>
       </p:transition>
@@ -4366,98 +4371,6 @@
       </p:grpSp>
       <p:grpSp>
         <p:nvGrpSpPr>
-          <p:cNvPr id="21" name="Groupe 20">
-            <a:extLst>
-              <a:ext uri="{FF2B5EF4-FFF2-40B4-BE49-F238E27FC236}">
-                <a16:creationId xmlns:a16="http://schemas.microsoft.com/office/drawing/2014/main" id="{2D02CAD2-DE14-4BE9-BDE6-64B6747B68FC}"/>
-              </a:ext>
-            </a:extLst>
-          </p:cNvPr>
-          <p:cNvGrpSpPr/>
-          <p:nvPr/>
-        </p:nvGrpSpPr>
-        <p:grpSpPr>
-          <a:xfrm>
-            <a:off x="9698618" y="4024166"/>
-            <a:ext cx="1653594" cy="1188256"/>
-            <a:chOff x="9698618" y="4024166"/>
-            <a:chExt cx="1653594" cy="1188256"/>
-          </a:xfrm>
-        </p:grpSpPr>
-        <p:sp>
-          <p:nvSpPr>
-            <p:cNvPr id="12" name="ZoneTexte 11">
-              <a:extLst>
-                <a:ext uri="{FF2B5EF4-FFF2-40B4-BE49-F238E27FC236}">
-                  <a16:creationId xmlns:a16="http://schemas.microsoft.com/office/drawing/2014/main" id="{D7A82DC3-0373-4631-B79D-4A8F9079FFC4}"/>
-                </a:ext>
-              </a:extLst>
-            </p:cNvPr>
-            <p:cNvSpPr txBox="1"/>
-            <p:nvPr/>
-          </p:nvSpPr>
-          <p:spPr>
-            <a:xfrm>
-              <a:off x="9698618" y="4024166"/>
-              <a:ext cx="1653594" cy="369332"/>
-            </a:xfrm>
-            <a:prstGeom prst="rect">
-              <a:avLst/>
-            </a:prstGeom>
-            <a:noFill/>
-          </p:spPr>
-          <p:txBody>
-            <a:bodyPr wrap="none" rtlCol="0">
-              <a:spAutoFit/>
-            </a:bodyPr>
-            <a:lstStyle/>
-            <a:p>
-              <a:r>
-                <a:rPr lang="fr-FR" dirty="0"/>
-                <a:t>Plantes à tanins</a:t>
-              </a:r>
-            </a:p>
-          </p:txBody>
-        </p:sp>
-        <p:pic>
-          <p:nvPicPr>
-            <p:cNvPr id="15" name="Graphique 14">
-              <a:extLst>
-                <a:ext uri="{FF2B5EF4-FFF2-40B4-BE49-F238E27FC236}">
-                  <a16:creationId xmlns:a16="http://schemas.microsoft.com/office/drawing/2014/main" id="{7510C682-FD1C-44F7-9955-1C803FD2587C}"/>
-                </a:ext>
-              </a:extLst>
-            </p:cNvPr>
-            <p:cNvPicPr>
-              <a:picLocks noChangeAspect="1"/>
-            </p:cNvPicPr>
-            <p:nvPr/>
-          </p:nvPicPr>
-          <p:blipFill>
-            <a:blip r:embed="rId7">
-              <a:extLst>
-                <a:ext uri="{96DAC541-7B7A-43D3-8B79-37D633B846F1}">
-                  <asvg:svgBlip xmlns:asvg="http://schemas.microsoft.com/office/drawing/2016/SVG/main" r:embed="rId8"/>
-                </a:ext>
-              </a:extLst>
-            </a:blip>
-            <a:stretch>
-              <a:fillRect/>
-            </a:stretch>
-          </p:blipFill>
-          <p:spPr>
-            <a:xfrm>
-              <a:off x="10311102" y="4345647"/>
-              <a:ext cx="428625" cy="866775"/>
-            </a:xfrm>
-            <a:prstGeom prst="rect">
-              <a:avLst/>
-            </a:prstGeom>
-          </p:spPr>
-        </p:pic>
-      </p:grpSp>
-      <p:grpSp>
-        <p:nvGrpSpPr>
           <p:cNvPr id="20" name="Groupe 19">
             <a:extLst>
               <a:ext uri="{FF2B5EF4-FFF2-40B4-BE49-F238E27FC236}">
@@ -4526,10 +4439,10 @@
             <p:nvPr/>
           </p:nvPicPr>
           <p:blipFill>
-            <a:blip r:embed="rId9">
+            <a:blip r:embed="rId7">
               <a:extLst>
                 <a:ext uri="{96DAC541-7B7A-43D3-8B79-37D633B846F1}">
-                  <asvg:svgBlip xmlns:asvg="http://schemas.microsoft.com/office/drawing/2016/SVG/main" r:embed="rId10"/>
+                  <asvg:svgBlip xmlns:asvg="http://schemas.microsoft.com/office/drawing/2016/SVG/main" r:embed="rId8"/>
                 </a:ext>
               </a:extLst>
             </a:blip>
@@ -4563,10 +4476,10 @@
           <p:nvPr/>
         </p:nvPicPr>
         <p:blipFill>
-          <a:blip r:embed="rId11">
+          <a:blip r:embed="rId9">
             <a:extLst>
               <a:ext uri="{96DAC541-7B7A-43D3-8B79-37D633B846F1}">
-                <asvg:svgBlip xmlns:asvg="http://schemas.microsoft.com/office/drawing/2016/SVG/main" r:embed="rId12"/>
+                <asvg:svgBlip xmlns:asvg="http://schemas.microsoft.com/office/drawing/2016/SVG/main" r:embed="rId10"/>
               </a:ext>
             </a:extLst>
           </a:blip>
@@ -4584,6 +4497,98 @@
           </a:prstGeom>
         </p:spPr>
       </p:pic>
+      <p:grpSp>
+        <p:nvGrpSpPr>
+          <p:cNvPr id="5" name="Groupe 4">
+            <a:extLst>
+              <a:ext uri="{FF2B5EF4-FFF2-40B4-BE49-F238E27FC236}">
+                <a16:creationId xmlns:a16="http://schemas.microsoft.com/office/drawing/2014/main" id="{848FE8D5-C674-45BE-B990-F8BE3339436C}"/>
+              </a:ext>
+            </a:extLst>
+          </p:cNvPr>
+          <p:cNvGrpSpPr/>
+          <p:nvPr/>
+        </p:nvGrpSpPr>
+        <p:grpSpPr>
+          <a:xfrm>
+            <a:off x="9698618" y="4024166"/>
+            <a:ext cx="1690143" cy="1175188"/>
+            <a:chOff x="9698618" y="4024166"/>
+            <a:chExt cx="1690143" cy="1175188"/>
+          </a:xfrm>
+        </p:grpSpPr>
+        <p:sp>
+          <p:nvSpPr>
+            <p:cNvPr id="12" name="ZoneTexte 11">
+              <a:extLst>
+                <a:ext uri="{FF2B5EF4-FFF2-40B4-BE49-F238E27FC236}">
+                  <a16:creationId xmlns:a16="http://schemas.microsoft.com/office/drawing/2014/main" id="{D7A82DC3-0373-4631-B79D-4A8F9079FFC4}"/>
+                </a:ext>
+              </a:extLst>
+            </p:cNvPr>
+            <p:cNvSpPr txBox="1"/>
+            <p:nvPr/>
+          </p:nvSpPr>
+          <p:spPr>
+            <a:xfrm>
+              <a:off x="9698618" y="4024166"/>
+              <a:ext cx="1690143" cy="369332"/>
+            </a:xfrm>
+            <a:prstGeom prst="rect">
+              <a:avLst/>
+            </a:prstGeom>
+            <a:noFill/>
+          </p:spPr>
+          <p:txBody>
+            <a:bodyPr wrap="none" rtlCol="0">
+              <a:spAutoFit/>
+            </a:bodyPr>
+            <a:lstStyle/>
+            <a:p>
+              <a:r>
+                <a:rPr lang="fr-FR" dirty="0"/>
+                <a:t>Pâturage aérien</a:t>
+              </a:r>
+            </a:p>
+          </p:txBody>
+        </p:sp>
+        <p:pic>
+          <p:nvPicPr>
+            <p:cNvPr id="3" name="Graphique 2">
+              <a:extLst>
+                <a:ext uri="{FF2B5EF4-FFF2-40B4-BE49-F238E27FC236}">
+                  <a16:creationId xmlns:a16="http://schemas.microsoft.com/office/drawing/2014/main" id="{76C440C0-3211-449F-9521-445B93807E6B}"/>
+                </a:ext>
+              </a:extLst>
+            </p:cNvPr>
+            <p:cNvPicPr>
+              <a:picLocks noChangeAspect="1"/>
+            </p:cNvPicPr>
+            <p:nvPr/>
+          </p:nvPicPr>
+          <p:blipFill>
+            <a:blip r:embed="rId11">
+              <a:extLst>
+                <a:ext uri="{96DAC541-7B7A-43D3-8B79-37D633B846F1}">
+                  <asvg:svgBlip xmlns:asvg="http://schemas.microsoft.com/office/drawing/2016/SVG/main" r:embed="rId12"/>
+                </a:ext>
+              </a:extLst>
+            </a:blip>
+            <a:stretch>
+              <a:fillRect/>
+            </a:stretch>
+          </p:blipFill>
+          <p:spPr>
+            <a:xfrm>
+              <a:off x="10173100" y="4437354"/>
+              <a:ext cx="714375" cy="762000"/>
+            </a:xfrm>
+            <a:prstGeom prst="rect">
+              <a:avLst/>
+            </a:prstGeom>
+          </p:spPr>
+        </p:pic>
+      </p:grpSp>
     </p:spTree>
     <p:extLst>
       <p:ext uri="{BB962C8B-B14F-4D97-AF65-F5344CB8AC3E}">
@@ -4594,13 +4599,13 @@
   <p:clrMapOvr>
     <a:masterClrMapping/>
   </p:clrMapOvr>
-  <mc:AlternateContent xmlns:mc="http://schemas.openxmlformats.org/markup-compatibility/2006">
-    <mc:Choice xmlns:p14="http://schemas.microsoft.com/office/powerpoint/2010/main" Requires="p14">
+  <mc:AlternateContent xmlns:mc="http://schemas.openxmlformats.org/markup-compatibility/2006" xmlns:p14="http://schemas.microsoft.com/office/powerpoint/2010/main">
+    <mc:Choice Requires="p14">
       <p:transition spd="med" p14:dur="700" advTm="7000">
         <p:fade/>
       </p:transition>
     </mc:Choice>
-    <mc:Fallback>
+    <mc:Fallback xmlns="">
       <p:transition spd="med" advTm="7000">
         <p:fade/>
       </p:transition>
@@ -4821,7 +4826,7 @@
                             </p:stCondLst>
                             <p:childTnLst>
                               <p:par>
-                                <p:cTn id="23" presetID="22" presetClass="entr" presetSubtype="1" fill="hold" nodeType="clickEffect">
+                                <p:cTn id="23" presetID="1" presetClass="entr" presetSubtype="0" fill="hold" nodeType="clickEffect">
                                   <p:stCondLst>
                                     <p:cond delay="0"/>
                                   </p:stCondLst>
@@ -4834,7 +4839,7 @@
                                           </p:stCondLst>
                                         </p:cTn>
                                         <p:tgtEl>
-                                          <p:spTgt spid="21"/>
+                                          <p:spTgt spid="5"/>
                                         </p:tgtEl>
                                         <p:attrNameLst>
                                           <p:attrName>style.visibility</p:attrName>
@@ -4844,14 +4849,6 @@
                                         <p:strVal val="visible"/>
                                       </p:to>
                                     </p:set>
-                                    <p:animEffect transition="in" filter="wipe(up)">
-                                      <p:cBhvr>
-                                        <p:cTn id="25" dur="500"/>
-                                        <p:tgtEl>
-                                          <p:spTgt spid="21"/>
-                                        </p:tgtEl>
-                                      </p:cBhvr>
-                                    </p:animEffect>
                                   </p:childTnLst>
                                 </p:cTn>
                               </p:par>
@@ -5128,13 +5125,13 @@
   <p:clrMapOvr>
     <a:masterClrMapping/>
   </p:clrMapOvr>
-  <mc:AlternateContent xmlns:mc="http://schemas.openxmlformats.org/markup-compatibility/2006">
-    <mc:Choice xmlns:p14="http://schemas.microsoft.com/office/powerpoint/2010/main" Requires="p14">
+  <mc:AlternateContent xmlns:mc="http://schemas.openxmlformats.org/markup-compatibility/2006" xmlns:p14="http://schemas.microsoft.com/office/powerpoint/2010/main">
+    <mc:Choice Requires="p14">
       <p:transition spd="med" p14:dur="700" advTm="6000">
         <p:fade/>
       </p:transition>
     </mc:Choice>
-    <mc:Fallback>
+    <mc:Fallback xmlns="">
       <p:transition spd="med" advTm="6000">
         <p:fade/>
       </p:transition>
@@ -5457,13 +5454,13 @@
   <p:clrMapOvr>
     <a:masterClrMapping/>
   </p:clrMapOvr>
-  <mc:AlternateContent xmlns:mc="http://schemas.openxmlformats.org/markup-compatibility/2006">
-    <mc:Choice xmlns:p14="http://schemas.microsoft.com/office/powerpoint/2010/main" Requires="p14">
+  <mc:AlternateContent xmlns:mc="http://schemas.openxmlformats.org/markup-compatibility/2006" xmlns:p14="http://schemas.microsoft.com/office/powerpoint/2010/main">
+    <mc:Choice Requires="p14">
       <p:transition spd="med" p14:dur="700" advTm="3000">
         <p:fade/>
       </p:transition>
     </mc:Choice>
-    <mc:Fallback>
+    <mc:Fallback xmlns="">
       <p:transition spd="med" advTm="3000">
         <p:fade/>
       </p:transition>
@@ -5726,13 +5723,13 @@
   <p:clrMapOvr>
     <a:masterClrMapping/>
   </p:clrMapOvr>
-  <mc:AlternateContent xmlns:mc="http://schemas.openxmlformats.org/markup-compatibility/2006">
-    <mc:Choice xmlns:p14="http://schemas.microsoft.com/office/powerpoint/2010/main" Requires="p14">
+  <mc:AlternateContent xmlns:mc="http://schemas.openxmlformats.org/markup-compatibility/2006" xmlns:p14="http://schemas.microsoft.com/office/powerpoint/2010/main">
+    <mc:Choice Requires="p14">
       <p:transition spd="med" p14:dur="700" advTm="3000">
         <p:fade/>
       </p:transition>
     </mc:Choice>
-    <mc:Fallback>
+    <mc:Fallback xmlns="">
       <p:transition spd="med" advTm="3000">
         <p:fade/>
       </p:transition>
@@ -6015,13 +6012,13 @@
   <p:clrMapOvr>
     <a:masterClrMapping/>
   </p:clrMapOvr>
-  <mc:AlternateContent xmlns:mc="http://schemas.openxmlformats.org/markup-compatibility/2006">
-    <mc:Choice xmlns:p14="http://schemas.microsoft.com/office/powerpoint/2010/main" Requires="p14">
+  <mc:AlternateContent xmlns:mc="http://schemas.openxmlformats.org/markup-compatibility/2006" xmlns:p14="http://schemas.microsoft.com/office/powerpoint/2010/main">
+    <mc:Choice Requires="p14">
       <p:transition spd="med" p14:dur="700" advTm="4000">
         <p:fade/>
       </p:transition>
     </mc:Choice>
-    <mc:Fallback>
+    <mc:Fallback xmlns="">
       <p:transition spd="med" advTm="4000">
         <p:fade/>
       </p:transition>
@@ -6374,13 +6371,13 @@
   <p:clrMapOvr>
     <a:masterClrMapping/>
   </p:clrMapOvr>
-  <mc:AlternateContent xmlns:mc="http://schemas.openxmlformats.org/markup-compatibility/2006">
-    <mc:Choice xmlns:p14="http://schemas.microsoft.com/office/powerpoint/2010/main" Requires="p14">
+  <mc:AlternateContent xmlns:mc="http://schemas.openxmlformats.org/markup-compatibility/2006" xmlns:p14="http://schemas.microsoft.com/office/powerpoint/2010/main">
+    <mc:Choice Requires="p14">
       <p:transition spd="med" p14:dur="700" advTm="4000">
         <p:fade/>
       </p:transition>
     </mc:Choice>
-    <mc:Fallback>
+    <mc:Fallback xmlns="">
       <p:transition spd="med" advTm="4000">
         <p:fade/>
       </p:transition>
@@ -6592,13 +6589,13 @@
   <p:clrMapOvr>
     <a:masterClrMapping/>
   </p:clrMapOvr>
-  <mc:AlternateContent xmlns:mc="http://schemas.openxmlformats.org/markup-compatibility/2006">
-    <mc:Choice xmlns:p14="http://schemas.microsoft.com/office/powerpoint/2010/main" Requires="p14">
+  <mc:AlternateContent xmlns:mc="http://schemas.openxmlformats.org/markup-compatibility/2006" xmlns:p14="http://schemas.microsoft.com/office/powerpoint/2010/main">
+    <mc:Choice Requires="p14">
       <p:transition spd="med" p14:dur="700" advTm="3000">
         <p:fade/>
       </p:transition>
     </mc:Choice>
-    <mc:Fallback>
+    <mc:Fallback xmlns="">
       <p:transition spd="med" advTm="3000">
         <p:fade/>
       </p:transition>
@@ -6726,13 +6723,13 @@
   <p:clrMapOvr>
     <a:masterClrMapping/>
   </p:clrMapOvr>
-  <mc:AlternateContent xmlns:mc="http://schemas.openxmlformats.org/markup-compatibility/2006">
-    <mc:Choice xmlns:p14="http://schemas.microsoft.com/office/powerpoint/2010/main" Requires="p14">
+  <mc:AlternateContent xmlns:mc="http://schemas.openxmlformats.org/markup-compatibility/2006" xmlns:p14="http://schemas.microsoft.com/office/powerpoint/2010/main">
+    <mc:Choice Requires="p14">
       <p:transition spd="med" p14:dur="700" advTm="3000">
         <p:fade/>
       </p:transition>
     </mc:Choice>
-    <mc:Fallback>
+    <mc:Fallback xmlns="">
       <p:transition spd="med" advTm="3000">
         <p:fade/>
       </p:transition>
@@ -7172,13 +7169,13 @@
   <p:clrMapOvr>
     <a:masterClrMapping/>
   </p:clrMapOvr>
-  <mc:AlternateContent xmlns:mc="http://schemas.openxmlformats.org/markup-compatibility/2006">
-    <mc:Choice xmlns:p14="http://schemas.microsoft.com/office/powerpoint/2010/main" Requires="p14">
+  <mc:AlternateContent xmlns:mc="http://schemas.openxmlformats.org/markup-compatibility/2006" xmlns:p14="http://schemas.microsoft.com/office/powerpoint/2010/main">
+    <mc:Choice Requires="p14">
       <p:transition spd="med" p14:dur="700" advTm="3000">
         <p:fade/>
       </p:transition>
     </mc:Choice>
-    <mc:Fallback>
+    <mc:Fallback xmlns="">
       <p:transition spd="med" advTm="3000">
         <p:fade/>
       </p:transition>
@@ -7399,13 +7396,13 @@
   <p:clrMapOvr>
     <a:masterClrMapping/>
   </p:clrMapOvr>
-  <mc:AlternateContent xmlns:mc="http://schemas.openxmlformats.org/markup-compatibility/2006">
-    <mc:Choice xmlns:p14="http://schemas.microsoft.com/office/powerpoint/2010/main" Requires="p14">
+  <mc:AlternateContent xmlns:mc="http://schemas.openxmlformats.org/markup-compatibility/2006" xmlns:p14="http://schemas.microsoft.com/office/powerpoint/2010/main">
+    <mc:Choice Requires="p14">
       <p:transition spd="med" p14:dur="700" advTm="3000">
         <p:fade/>
       </p:transition>
     </mc:Choice>
-    <mc:Fallback>
+    <mc:Fallback xmlns="">
       <p:transition spd="med" advTm="3000">
         <p:fade/>
       </p:transition>
@@ -7739,13 +7736,13 @@
   <p:clrMapOvr>
     <a:masterClrMapping/>
   </p:clrMapOvr>
-  <mc:AlternateContent xmlns:mc="http://schemas.openxmlformats.org/markup-compatibility/2006">
-    <mc:Choice xmlns:p14="http://schemas.microsoft.com/office/powerpoint/2010/main" Requires="p14">
+  <mc:AlternateContent xmlns:mc="http://schemas.openxmlformats.org/markup-compatibility/2006" xmlns:p14="http://schemas.microsoft.com/office/powerpoint/2010/main">
+    <mc:Choice Requires="p14">
       <p:transition spd="med" p14:dur="700" advTm="3000">
         <p:fade/>
       </p:transition>
     </mc:Choice>
-    <mc:Fallback>
+    <mc:Fallback xmlns="">
       <p:transition spd="med" advTm="3000">
         <p:fade/>
       </p:transition>
@@ -8297,13 +8294,13 @@
   <p:clrMapOvr>
     <a:masterClrMapping/>
   </p:clrMapOvr>
-  <mc:AlternateContent xmlns:mc="http://schemas.openxmlformats.org/markup-compatibility/2006">
-    <mc:Choice xmlns:p14="http://schemas.microsoft.com/office/powerpoint/2010/main" Requires="p14">
+  <mc:AlternateContent xmlns:mc="http://schemas.openxmlformats.org/markup-compatibility/2006" xmlns:p14="http://schemas.microsoft.com/office/powerpoint/2010/main">
+    <mc:Choice Requires="p14">
       <p:transition spd="med" p14:dur="700" advTm="5000">
         <p:fade/>
       </p:transition>
     </mc:Choice>
-    <mc:Fallback>
+    <mc:Fallback xmlns="">
       <p:transition spd="med" advTm="5000">
         <p:fade/>
       </p:transition>
@@ -8436,13 +8433,13 @@
   <p:clrMapOvr>
     <a:masterClrMapping/>
   </p:clrMapOvr>
-  <mc:AlternateContent xmlns:mc="http://schemas.openxmlformats.org/markup-compatibility/2006">
-    <mc:Choice xmlns:p14="http://schemas.microsoft.com/office/powerpoint/2010/main" Requires="p14">
+  <mc:AlternateContent xmlns:mc="http://schemas.openxmlformats.org/markup-compatibility/2006" xmlns:p14="http://schemas.microsoft.com/office/powerpoint/2010/main">
+    <mc:Choice Requires="p14">
       <p:transition spd="med" p14:dur="700" advTm="5000">
         <p:fade/>
       </p:transition>
     </mc:Choice>
-    <mc:Fallback>
+    <mc:Fallback xmlns="">
       <p:transition spd="med" advTm="5000">
         <p:fade/>
       </p:transition>
@@ -8935,13 +8932,13 @@
   <p:clrMapOvr>
     <a:masterClrMapping/>
   </p:clrMapOvr>
-  <mc:AlternateContent xmlns:mc="http://schemas.openxmlformats.org/markup-compatibility/2006">
-    <mc:Choice xmlns:p14="http://schemas.microsoft.com/office/powerpoint/2010/main" Requires="p14">
+  <mc:AlternateContent xmlns:mc="http://schemas.openxmlformats.org/markup-compatibility/2006" xmlns:p14="http://schemas.microsoft.com/office/powerpoint/2010/main">
+    <mc:Choice Requires="p14">
       <p:transition spd="med" p14:dur="700" advTm="7000">
         <p:fade/>
       </p:transition>
     </mc:Choice>
-    <mc:Fallback>
+    <mc:Fallback xmlns="">
       <p:transition spd="med" advTm="7000">
         <p:fade/>
       </p:transition>
@@ -9691,13 +9688,13 @@
   <p:clrMapOvr>
     <a:masterClrMapping/>
   </p:clrMapOvr>
-  <mc:AlternateContent xmlns:mc="http://schemas.openxmlformats.org/markup-compatibility/2006">
-    <mc:Choice xmlns:p14="http://schemas.microsoft.com/office/powerpoint/2010/main" Requires="p14">
+  <mc:AlternateContent xmlns:mc="http://schemas.openxmlformats.org/markup-compatibility/2006" xmlns:p14="http://schemas.microsoft.com/office/powerpoint/2010/main">
+    <mc:Choice Requires="p14">
       <p:transition spd="med" p14:dur="700" advTm="3000">
         <p:fade/>
       </p:transition>
     </mc:Choice>
-    <mc:Fallback>
+    <mc:Fallback xmlns="">
       <p:transition spd="med" advTm="3000">
         <p:fade/>
       </p:transition>
